--- a/Pipelines in Python2.pptx
+++ b/Pipelines in Python2.pptx
@@ -5,7 +5,7 @@
     <p:sldMasterId id="2147483677" r:id="rId1"/>
   </p:sldMasterIdLst>
   <p:notesMasterIdLst>
-    <p:notesMasterId r:id="rId83"/>
+    <p:notesMasterId r:id="rId121"/>
   </p:notesMasterIdLst>
   <p:sldIdLst>
     <p:sldId id="256" r:id="rId2"/>
@@ -89,6 +89,44 @@
     <p:sldId id="334" r:id="rId80"/>
     <p:sldId id="335" r:id="rId81"/>
     <p:sldId id="336" r:id="rId82"/>
+    <p:sldId id="337" r:id="rId83"/>
+    <p:sldId id="338" r:id="rId84"/>
+    <p:sldId id="339" r:id="rId85"/>
+    <p:sldId id="347" r:id="rId86"/>
+    <p:sldId id="348" r:id="rId87"/>
+    <p:sldId id="349" r:id="rId88"/>
+    <p:sldId id="350" r:id="rId89"/>
+    <p:sldId id="351" r:id="rId90"/>
+    <p:sldId id="352" r:id="rId91"/>
+    <p:sldId id="353" r:id="rId92"/>
+    <p:sldId id="354" r:id="rId93"/>
+    <p:sldId id="355" r:id="rId94"/>
+    <p:sldId id="340" r:id="rId95"/>
+    <p:sldId id="341" r:id="rId96"/>
+    <p:sldId id="356" r:id="rId97"/>
+    <p:sldId id="357" r:id="rId98"/>
+    <p:sldId id="358" r:id="rId99"/>
+    <p:sldId id="359" r:id="rId100"/>
+    <p:sldId id="360" r:id="rId101"/>
+    <p:sldId id="361" r:id="rId102"/>
+    <p:sldId id="362" r:id="rId103"/>
+    <p:sldId id="363" r:id="rId104"/>
+    <p:sldId id="364" r:id="rId105"/>
+    <p:sldId id="365" r:id="rId106"/>
+    <p:sldId id="366" r:id="rId107"/>
+    <p:sldId id="367" r:id="rId108"/>
+    <p:sldId id="368" r:id="rId109"/>
+    <p:sldId id="369" r:id="rId110"/>
+    <p:sldId id="370" r:id="rId111"/>
+    <p:sldId id="371" r:id="rId112"/>
+    <p:sldId id="372" r:id="rId113"/>
+    <p:sldId id="373" r:id="rId114"/>
+    <p:sldId id="374" r:id="rId115"/>
+    <p:sldId id="342" r:id="rId116"/>
+    <p:sldId id="343" r:id="rId117"/>
+    <p:sldId id="344" r:id="rId118"/>
+    <p:sldId id="345" r:id="rId119"/>
+    <p:sldId id="346" r:id="rId120"/>
   </p:sldIdLst>
   <p:sldSz cx="12192000" cy="6858000"/>
   <p:notesSz cx="6858000" cy="9144000"/>
@@ -277,7 +315,7 @@
           <a:p>
             <a:fld id="{9E6BCB17-DA58-415B-874B-ABBAC5D534FB}" type="datetimeFigureOut">
               <a:rPr lang="en-NL" smtClean="0"/>
-              <a:t>05/02/2024</a:t>
+              <a:t>13/02/2024</a:t>
             </a:fld>
             <a:endParaRPr lang="en-NL"/>
           </a:p>
@@ -3675,10 +3713,10 @@
           </a:p>
           <a:p>
             <a:r>
-              <a:rPr lang="nl-NL"/>
+              <a:rPr lang="nl-NL" dirty="0"/>
               <a:t>            flight['arrival']['iata']))</a:t>
             </a:r>
-            <a:endParaRPr lang="en-NL"/>
+            <a:endParaRPr lang="en-NL" dirty="0"/>
           </a:p>
         </p:txBody>
       </p:sp>
@@ -3709,6 +3747,182 @@
     <p:extLst>
       <p:ext uri="{BB962C8B-B14F-4D97-AF65-F5344CB8AC3E}">
         <p14:creationId xmlns:p14="http://schemas.microsoft.com/office/powerpoint/2010/main" val="2490431500"/>
+      </p:ext>
+    </p:extLst>
+  </p:cSld>
+  <p:clrMapOvr>
+    <a:masterClrMapping/>
+  </p:clrMapOvr>
+</p:notes>
+</file>
+
+<file path=ppt/notesSlides/notesSlide18.xml><?xml version="1.0" encoding="utf-8"?>
+<p:notes xmlns:a="http://schemas.openxmlformats.org/drawingml/2006/main" xmlns:r="http://schemas.openxmlformats.org/officeDocument/2006/relationships" xmlns:p="http://schemas.openxmlformats.org/presentationml/2006/main">
+  <p:cSld>
+    <p:spTree>
+      <p:nvGrpSpPr>
+        <p:cNvPr id="1" name=""/>
+        <p:cNvGrpSpPr/>
+        <p:nvPr/>
+      </p:nvGrpSpPr>
+      <p:grpSpPr>
+        <a:xfrm>
+          <a:off x="0" y="0"/>
+          <a:ext cx="0" cy="0"/>
+          <a:chOff x="0" y="0"/>
+          <a:chExt cx="0" cy="0"/>
+        </a:xfrm>
+      </p:grpSpPr>
+      <p:sp>
+        <p:nvSpPr>
+          <p:cNvPr id="2" name="Slide Image Placeholder 1"/>
+          <p:cNvSpPr>
+            <a:spLocks noGrp="1" noRot="1" noChangeAspect="1"/>
+          </p:cNvSpPr>
+          <p:nvPr>
+            <p:ph type="sldImg"/>
+          </p:nvPr>
+        </p:nvSpPr>
+        <p:spPr/>
+      </p:sp>
+      <p:sp>
+        <p:nvSpPr>
+          <p:cNvPr id="3" name="Notes Placeholder 2"/>
+          <p:cNvSpPr>
+            <a:spLocks noGrp="1"/>
+          </p:cNvSpPr>
+          <p:nvPr>
+            <p:ph type="body" idx="1"/>
+          </p:nvPr>
+        </p:nvSpPr>
+        <p:spPr/>
+        <p:txBody>
+          <a:bodyPr/>
+          <a:lstStyle/>
+          <a:p>
+            <a:r>
+              <a:rPr lang="nl-NL" dirty="0"/>
+              <a:t>https://code.visualstudio.com/docs/datascience/jupyter-notebooks</a:t>
+            </a:r>
+            <a:endParaRPr lang="en-NL" dirty="0"/>
+          </a:p>
+        </p:txBody>
+      </p:sp>
+      <p:sp>
+        <p:nvSpPr>
+          <p:cNvPr id="4" name="Slide Number Placeholder 3"/>
+          <p:cNvSpPr>
+            <a:spLocks noGrp="1"/>
+          </p:cNvSpPr>
+          <p:nvPr>
+            <p:ph type="sldNum" sz="quarter" idx="5"/>
+          </p:nvPr>
+        </p:nvSpPr>
+        <p:spPr/>
+        <p:txBody>
+          <a:bodyPr/>
+          <a:lstStyle/>
+          <a:p>
+            <a:fld id="{3E535E4B-BCA1-4B0F-AF4E-7B57CB335483}" type="slidenum">
+              <a:rPr lang="en-NL" smtClean="0"/>
+              <a:t>82</a:t>
+            </a:fld>
+            <a:endParaRPr lang="en-NL"/>
+          </a:p>
+        </p:txBody>
+      </p:sp>
+    </p:spTree>
+    <p:extLst>
+      <p:ext uri="{BB962C8B-B14F-4D97-AF65-F5344CB8AC3E}">
+        <p14:creationId xmlns:p14="http://schemas.microsoft.com/office/powerpoint/2010/main" val="2368736388"/>
+      </p:ext>
+    </p:extLst>
+  </p:cSld>
+  <p:clrMapOvr>
+    <a:masterClrMapping/>
+  </p:clrMapOvr>
+</p:notes>
+</file>
+
+<file path=ppt/notesSlides/notesSlide19.xml><?xml version="1.0" encoding="utf-8"?>
+<p:notes xmlns:a="http://schemas.openxmlformats.org/drawingml/2006/main" xmlns:r="http://schemas.openxmlformats.org/officeDocument/2006/relationships" xmlns:p="http://schemas.openxmlformats.org/presentationml/2006/main">
+  <p:cSld>
+    <p:spTree>
+      <p:nvGrpSpPr>
+        <p:cNvPr id="1" name=""/>
+        <p:cNvGrpSpPr/>
+        <p:nvPr/>
+      </p:nvGrpSpPr>
+      <p:grpSpPr>
+        <a:xfrm>
+          <a:off x="0" y="0"/>
+          <a:ext cx="0" cy="0"/>
+          <a:chOff x="0" y="0"/>
+          <a:chExt cx="0" cy="0"/>
+        </a:xfrm>
+      </p:grpSpPr>
+      <p:sp>
+        <p:nvSpPr>
+          <p:cNvPr id="2" name="Slide Image Placeholder 1"/>
+          <p:cNvSpPr>
+            <a:spLocks noGrp="1" noRot="1" noChangeAspect="1"/>
+          </p:cNvSpPr>
+          <p:nvPr>
+            <p:ph type="sldImg"/>
+          </p:nvPr>
+        </p:nvSpPr>
+        <p:spPr/>
+      </p:sp>
+      <p:sp>
+        <p:nvSpPr>
+          <p:cNvPr id="3" name="Notes Placeholder 2"/>
+          <p:cNvSpPr>
+            <a:spLocks noGrp="1"/>
+          </p:cNvSpPr>
+          <p:nvPr>
+            <p:ph type="body" idx="1"/>
+          </p:nvPr>
+        </p:nvSpPr>
+        <p:spPr/>
+        <p:txBody>
+          <a:bodyPr/>
+          <a:lstStyle/>
+          <a:p>
+            <a:r>
+              <a:rPr lang="nl-NL" dirty="0"/>
+              <a:t>https://www.edlitera.com/blog/posts/jupyter-markdown-tutorial</a:t>
+            </a:r>
+            <a:endParaRPr lang="en-NL" dirty="0"/>
+          </a:p>
+        </p:txBody>
+      </p:sp>
+      <p:sp>
+        <p:nvSpPr>
+          <p:cNvPr id="4" name="Slide Number Placeholder 3"/>
+          <p:cNvSpPr>
+            <a:spLocks noGrp="1"/>
+          </p:cNvSpPr>
+          <p:nvPr>
+            <p:ph type="sldNum" sz="quarter" idx="5"/>
+          </p:nvPr>
+        </p:nvSpPr>
+        <p:spPr/>
+        <p:txBody>
+          <a:bodyPr/>
+          <a:lstStyle/>
+          <a:p>
+            <a:fld id="{3E535E4B-BCA1-4B0F-AF4E-7B57CB335483}" type="slidenum">
+              <a:rPr lang="en-NL" smtClean="0"/>
+              <a:t>88</a:t>
+            </a:fld>
+            <a:endParaRPr lang="en-NL"/>
+          </a:p>
+        </p:txBody>
+      </p:sp>
+    </p:spTree>
+    <p:extLst>
+      <p:ext uri="{BB962C8B-B14F-4D97-AF65-F5344CB8AC3E}">
+        <p14:creationId xmlns:p14="http://schemas.microsoft.com/office/powerpoint/2010/main" val="454914809"/>
       </p:ext>
     </p:extLst>
   </p:cSld>
@@ -3797,6 +4011,628 @@
     <p:extLst>
       <p:ext uri="{BB962C8B-B14F-4D97-AF65-F5344CB8AC3E}">
         <p14:creationId xmlns:p14="http://schemas.microsoft.com/office/powerpoint/2010/main" val="2204360911"/>
+      </p:ext>
+    </p:extLst>
+  </p:cSld>
+  <p:clrMapOvr>
+    <a:masterClrMapping/>
+  </p:clrMapOvr>
+</p:notes>
+</file>
+
+<file path=ppt/notesSlides/notesSlide20.xml><?xml version="1.0" encoding="utf-8"?>
+<p:notes xmlns:a="http://schemas.openxmlformats.org/drawingml/2006/main" xmlns:r="http://schemas.openxmlformats.org/officeDocument/2006/relationships" xmlns:p="http://schemas.openxmlformats.org/presentationml/2006/main">
+  <p:cSld>
+    <p:spTree>
+      <p:nvGrpSpPr>
+        <p:cNvPr id="1" name=""/>
+        <p:cNvGrpSpPr/>
+        <p:nvPr/>
+      </p:nvGrpSpPr>
+      <p:grpSpPr>
+        <a:xfrm>
+          <a:off x="0" y="0"/>
+          <a:ext cx="0" cy="0"/>
+          <a:chOff x="0" y="0"/>
+          <a:chExt cx="0" cy="0"/>
+        </a:xfrm>
+      </p:grpSpPr>
+      <p:sp>
+        <p:nvSpPr>
+          <p:cNvPr id="2" name="Slide Image Placeholder 1"/>
+          <p:cNvSpPr>
+            <a:spLocks noGrp="1" noRot="1" noChangeAspect="1"/>
+          </p:cNvSpPr>
+          <p:nvPr>
+            <p:ph type="sldImg"/>
+          </p:nvPr>
+        </p:nvSpPr>
+        <p:spPr/>
+      </p:sp>
+      <p:sp>
+        <p:nvSpPr>
+          <p:cNvPr id="3" name="Notes Placeholder 2"/>
+          <p:cNvSpPr>
+            <a:spLocks noGrp="1"/>
+          </p:cNvSpPr>
+          <p:nvPr>
+            <p:ph type="body" idx="1"/>
+          </p:nvPr>
+        </p:nvSpPr>
+        <p:spPr/>
+        <p:txBody>
+          <a:bodyPr/>
+          <a:lstStyle/>
+          <a:p>
+            <a:r>
+              <a:rPr lang="nl-NL" dirty="0"/>
+              <a:t>https://www.analyticsvidhya.com/blog/2021/06/data-cleaning-using-pandas/</a:t>
+            </a:r>
+            <a:endParaRPr lang="en-NL" dirty="0"/>
+          </a:p>
+        </p:txBody>
+      </p:sp>
+      <p:sp>
+        <p:nvSpPr>
+          <p:cNvPr id="4" name="Slide Number Placeholder 3"/>
+          <p:cNvSpPr>
+            <a:spLocks noGrp="1"/>
+          </p:cNvSpPr>
+          <p:nvPr>
+            <p:ph type="sldNum" sz="quarter" idx="5"/>
+          </p:nvPr>
+        </p:nvSpPr>
+        <p:spPr/>
+        <p:txBody>
+          <a:bodyPr/>
+          <a:lstStyle/>
+          <a:p>
+            <a:fld id="{3E535E4B-BCA1-4B0F-AF4E-7B57CB335483}" type="slidenum">
+              <a:rPr lang="en-NL" smtClean="0"/>
+              <a:t>95</a:t>
+            </a:fld>
+            <a:endParaRPr lang="en-NL"/>
+          </a:p>
+        </p:txBody>
+      </p:sp>
+    </p:spTree>
+    <p:extLst>
+      <p:ext uri="{BB962C8B-B14F-4D97-AF65-F5344CB8AC3E}">
+        <p14:creationId xmlns:p14="http://schemas.microsoft.com/office/powerpoint/2010/main" val="761427303"/>
+      </p:ext>
+    </p:extLst>
+  </p:cSld>
+  <p:clrMapOvr>
+    <a:masterClrMapping/>
+  </p:clrMapOvr>
+</p:notes>
+</file>
+
+<file path=ppt/notesSlides/notesSlide21.xml><?xml version="1.0" encoding="utf-8"?>
+<p:notes xmlns:a="http://schemas.openxmlformats.org/drawingml/2006/main" xmlns:r="http://schemas.openxmlformats.org/officeDocument/2006/relationships" xmlns:p="http://schemas.openxmlformats.org/presentationml/2006/main">
+  <p:cSld>
+    <p:spTree>
+      <p:nvGrpSpPr>
+        <p:cNvPr id="1" name=""/>
+        <p:cNvGrpSpPr/>
+        <p:nvPr/>
+      </p:nvGrpSpPr>
+      <p:grpSpPr>
+        <a:xfrm>
+          <a:off x="0" y="0"/>
+          <a:ext cx="0" cy="0"/>
+          <a:chOff x="0" y="0"/>
+          <a:chExt cx="0" cy="0"/>
+        </a:xfrm>
+      </p:grpSpPr>
+      <p:sp>
+        <p:nvSpPr>
+          <p:cNvPr id="2" name="Slide Image Placeholder 1"/>
+          <p:cNvSpPr>
+            <a:spLocks noGrp="1" noRot="1" noChangeAspect="1"/>
+          </p:cNvSpPr>
+          <p:nvPr>
+            <p:ph type="sldImg"/>
+          </p:nvPr>
+        </p:nvSpPr>
+        <p:spPr/>
+      </p:sp>
+      <p:sp>
+        <p:nvSpPr>
+          <p:cNvPr id="3" name="Notes Placeholder 2"/>
+          <p:cNvSpPr>
+            <a:spLocks noGrp="1"/>
+          </p:cNvSpPr>
+          <p:nvPr>
+            <p:ph type="body" idx="1"/>
+          </p:nvPr>
+        </p:nvSpPr>
+        <p:spPr/>
+        <p:txBody>
+          <a:bodyPr/>
+          <a:lstStyle/>
+          <a:p>
+            <a:r>
+              <a:rPr lang="nl-NL" dirty="0"/>
+              <a:t>http://kaggle.com/</a:t>
+            </a:r>
+            <a:endParaRPr lang="en-NL" dirty="0"/>
+          </a:p>
+        </p:txBody>
+      </p:sp>
+      <p:sp>
+        <p:nvSpPr>
+          <p:cNvPr id="4" name="Slide Number Placeholder 3"/>
+          <p:cNvSpPr>
+            <a:spLocks noGrp="1"/>
+          </p:cNvSpPr>
+          <p:nvPr>
+            <p:ph type="sldNum" sz="quarter" idx="5"/>
+          </p:nvPr>
+        </p:nvSpPr>
+        <p:spPr/>
+        <p:txBody>
+          <a:bodyPr/>
+          <a:lstStyle/>
+          <a:p>
+            <a:fld id="{3E535E4B-BCA1-4B0F-AF4E-7B57CB335483}" type="slidenum">
+              <a:rPr lang="en-NL" smtClean="0"/>
+              <a:t>104</a:t>
+            </a:fld>
+            <a:endParaRPr lang="en-NL"/>
+          </a:p>
+        </p:txBody>
+      </p:sp>
+    </p:spTree>
+    <p:extLst>
+      <p:ext uri="{BB962C8B-B14F-4D97-AF65-F5344CB8AC3E}">
+        <p14:creationId xmlns:p14="http://schemas.microsoft.com/office/powerpoint/2010/main" val="1666093340"/>
+      </p:ext>
+    </p:extLst>
+  </p:cSld>
+  <p:clrMapOvr>
+    <a:masterClrMapping/>
+  </p:clrMapOvr>
+</p:notes>
+</file>
+
+<file path=ppt/notesSlides/notesSlide22.xml><?xml version="1.0" encoding="utf-8"?>
+<p:notes xmlns:a="http://schemas.openxmlformats.org/drawingml/2006/main" xmlns:r="http://schemas.openxmlformats.org/officeDocument/2006/relationships" xmlns:p="http://schemas.openxmlformats.org/presentationml/2006/main">
+  <p:cSld>
+    <p:spTree>
+      <p:nvGrpSpPr>
+        <p:cNvPr id="1" name=""/>
+        <p:cNvGrpSpPr/>
+        <p:nvPr/>
+      </p:nvGrpSpPr>
+      <p:grpSpPr>
+        <a:xfrm>
+          <a:off x="0" y="0"/>
+          <a:ext cx="0" cy="0"/>
+          <a:chOff x="0" y="0"/>
+          <a:chExt cx="0" cy="0"/>
+        </a:xfrm>
+      </p:grpSpPr>
+      <p:sp>
+        <p:nvSpPr>
+          <p:cNvPr id="2" name="Slide Image Placeholder 1"/>
+          <p:cNvSpPr>
+            <a:spLocks noGrp="1" noRot="1" noChangeAspect="1"/>
+          </p:cNvSpPr>
+          <p:nvPr>
+            <p:ph type="sldImg"/>
+          </p:nvPr>
+        </p:nvSpPr>
+        <p:spPr/>
+      </p:sp>
+      <p:sp>
+        <p:nvSpPr>
+          <p:cNvPr id="3" name="Notes Placeholder 2"/>
+          <p:cNvSpPr>
+            <a:spLocks noGrp="1"/>
+          </p:cNvSpPr>
+          <p:nvPr>
+            <p:ph type="body" idx="1"/>
+          </p:nvPr>
+        </p:nvSpPr>
+        <p:spPr/>
+        <p:txBody>
+          <a:bodyPr/>
+          <a:lstStyle/>
+          <a:p>
+            <a:r>
+              <a:rPr lang="nl-NL" dirty="0"/>
+              <a:t>https://pandas.pydata.org/pandas-docs/stable/reference/api/pandas.DataFrame.merge.html</a:t>
+            </a:r>
+            <a:endParaRPr lang="en-NL" dirty="0"/>
+          </a:p>
+        </p:txBody>
+      </p:sp>
+      <p:sp>
+        <p:nvSpPr>
+          <p:cNvPr id="4" name="Slide Number Placeholder 3"/>
+          <p:cNvSpPr>
+            <a:spLocks noGrp="1"/>
+          </p:cNvSpPr>
+          <p:nvPr>
+            <p:ph type="sldNum" sz="quarter" idx="5"/>
+          </p:nvPr>
+        </p:nvSpPr>
+        <p:spPr/>
+        <p:txBody>
+          <a:bodyPr/>
+          <a:lstStyle/>
+          <a:p>
+            <a:fld id="{3E535E4B-BCA1-4B0F-AF4E-7B57CB335483}" type="slidenum">
+              <a:rPr lang="en-NL" smtClean="0"/>
+              <a:t>105</a:t>
+            </a:fld>
+            <a:endParaRPr lang="en-NL"/>
+          </a:p>
+        </p:txBody>
+      </p:sp>
+    </p:spTree>
+    <p:extLst>
+      <p:ext uri="{BB962C8B-B14F-4D97-AF65-F5344CB8AC3E}">
+        <p14:creationId xmlns:p14="http://schemas.microsoft.com/office/powerpoint/2010/main" val="928992435"/>
+      </p:ext>
+    </p:extLst>
+  </p:cSld>
+  <p:clrMapOvr>
+    <a:masterClrMapping/>
+  </p:clrMapOvr>
+</p:notes>
+</file>
+
+<file path=ppt/notesSlides/notesSlide23.xml><?xml version="1.0" encoding="utf-8"?>
+<p:notes xmlns:a="http://schemas.openxmlformats.org/drawingml/2006/main" xmlns:r="http://schemas.openxmlformats.org/officeDocument/2006/relationships" xmlns:p="http://schemas.openxmlformats.org/presentationml/2006/main">
+  <p:cSld>
+    <p:spTree>
+      <p:nvGrpSpPr>
+        <p:cNvPr id="1" name=""/>
+        <p:cNvGrpSpPr/>
+        <p:nvPr/>
+      </p:nvGrpSpPr>
+      <p:grpSpPr>
+        <a:xfrm>
+          <a:off x="0" y="0"/>
+          <a:ext cx="0" cy="0"/>
+          <a:chOff x="0" y="0"/>
+          <a:chExt cx="0" cy="0"/>
+        </a:xfrm>
+      </p:grpSpPr>
+      <p:sp>
+        <p:nvSpPr>
+          <p:cNvPr id="2" name="Slide Image Placeholder 1"/>
+          <p:cNvSpPr>
+            <a:spLocks noGrp="1" noRot="1" noChangeAspect="1"/>
+          </p:cNvSpPr>
+          <p:nvPr>
+            <p:ph type="sldImg"/>
+          </p:nvPr>
+        </p:nvSpPr>
+        <p:spPr/>
+      </p:sp>
+      <p:sp>
+        <p:nvSpPr>
+          <p:cNvPr id="3" name="Notes Placeholder 2"/>
+          <p:cNvSpPr>
+            <a:spLocks noGrp="1"/>
+          </p:cNvSpPr>
+          <p:nvPr>
+            <p:ph type="body" idx="1"/>
+          </p:nvPr>
+        </p:nvSpPr>
+        <p:spPr/>
+        <p:txBody>
+          <a:bodyPr/>
+          <a:lstStyle/>
+          <a:p>
+            <a:r>
+              <a:rPr lang="nl-NL" dirty="0"/>
+              <a:t>https://pandas.pydata.org/pandas-docs/stable/reference/api/pandas.DataFrame.fillna.html</a:t>
+            </a:r>
+            <a:endParaRPr lang="en-NL" dirty="0"/>
+          </a:p>
+        </p:txBody>
+      </p:sp>
+      <p:sp>
+        <p:nvSpPr>
+          <p:cNvPr id="4" name="Slide Number Placeholder 3"/>
+          <p:cNvSpPr>
+            <a:spLocks noGrp="1"/>
+          </p:cNvSpPr>
+          <p:nvPr>
+            <p:ph type="sldNum" sz="quarter" idx="5"/>
+          </p:nvPr>
+        </p:nvSpPr>
+        <p:spPr/>
+        <p:txBody>
+          <a:bodyPr/>
+          <a:lstStyle/>
+          <a:p>
+            <a:fld id="{3E535E4B-BCA1-4B0F-AF4E-7B57CB335483}" type="slidenum">
+              <a:rPr lang="en-NL" smtClean="0"/>
+              <a:t>108</a:t>
+            </a:fld>
+            <a:endParaRPr lang="en-NL"/>
+          </a:p>
+        </p:txBody>
+      </p:sp>
+    </p:spTree>
+    <p:extLst>
+      <p:ext uri="{BB962C8B-B14F-4D97-AF65-F5344CB8AC3E}">
+        <p14:creationId xmlns:p14="http://schemas.microsoft.com/office/powerpoint/2010/main" val="1048471554"/>
+      </p:ext>
+    </p:extLst>
+  </p:cSld>
+  <p:clrMapOvr>
+    <a:masterClrMapping/>
+  </p:clrMapOvr>
+</p:notes>
+</file>
+
+<file path=ppt/notesSlides/notesSlide24.xml><?xml version="1.0" encoding="utf-8"?>
+<p:notes xmlns:a="http://schemas.openxmlformats.org/drawingml/2006/main" xmlns:r="http://schemas.openxmlformats.org/officeDocument/2006/relationships" xmlns:p="http://schemas.openxmlformats.org/presentationml/2006/main">
+  <p:cSld>
+    <p:spTree>
+      <p:nvGrpSpPr>
+        <p:cNvPr id="1" name=""/>
+        <p:cNvGrpSpPr/>
+        <p:nvPr/>
+      </p:nvGrpSpPr>
+      <p:grpSpPr>
+        <a:xfrm>
+          <a:off x="0" y="0"/>
+          <a:ext cx="0" cy="0"/>
+          <a:chOff x="0" y="0"/>
+          <a:chExt cx="0" cy="0"/>
+        </a:xfrm>
+      </p:grpSpPr>
+      <p:sp>
+        <p:nvSpPr>
+          <p:cNvPr id="2" name="Slide Image Placeholder 1"/>
+          <p:cNvSpPr>
+            <a:spLocks noGrp="1" noRot="1" noChangeAspect="1"/>
+          </p:cNvSpPr>
+          <p:nvPr>
+            <p:ph type="sldImg"/>
+          </p:nvPr>
+        </p:nvSpPr>
+        <p:spPr/>
+      </p:sp>
+      <p:sp>
+        <p:nvSpPr>
+          <p:cNvPr id="3" name="Notes Placeholder 2"/>
+          <p:cNvSpPr>
+            <a:spLocks noGrp="1"/>
+          </p:cNvSpPr>
+          <p:nvPr>
+            <p:ph type="body" idx="1"/>
+          </p:nvPr>
+        </p:nvSpPr>
+        <p:spPr/>
+        <p:txBody>
+          <a:bodyPr/>
+          <a:lstStyle/>
+          <a:p>
+            <a:r>
+              <a:rPr lang="nl-NL" dirty="0"/>
+              <a:t>https://www.analyticsvidhya.com/blog/2020/04/feature-scaling-machine-learning-normalization-standardization/</a:t>
+            </a:r>
+            <a:endParaRPr lang="en-NL" dirty="0"/>
+          </a:p>
+        </p:txBody>
+      </p:sp>
+      <p:sp>
+        <p:nvSpPr>
+          <p:cNvPr id="4" name="Slide Number Placeholder 3"/>
+          <p:cNvSpPr>
+            <a:spLocks noGrp="1"/>
+          </p:cNvSpPr>
+          <p:nvPr>
+            <p:ph type="sldNum" sz="quarter" idx="5"/>
+          </p:nvPr>
+        </p:nvSpPr>
+        <p:spPr/>
+        <p:txBody>
+          <a:bodyPr/>
+          <a:lstStyle/>
+          <a:p>
+            <a:fld id="{3E535E4B-BCA1-4B0F-AF4E-7B57CB335483}" type="slidenum">
+              <a:rPr lang="en-NL" smtClean="0"/>
+              <a:t>109</a:t>
+            </a:fld>
+            <a:endParaRPr lang="en-NL"/>
+          </a:p>
+        </p:txBody>
+      </p:sp>
+    </p:spTree>
+    <p:extLst>
+      <p:ext uri="{BB962C8B-B14F-4D97-AF65-F5344CB8AC3E}">
+        <p14:creationId xmlns:p14="http://schemas.microsoft.com/office/powerpoint/2010/main" val="1512854577"/>
+      </p:ext>
+    </p:extLst>
+  </p:cSld>
+  <p:clrMapOvr>
+    <a:masterClrMapping/>
+  </p:clrMapOvr>
+</p:notes>
+</file>
+
+<file path=ppt/notesSlides/notesSlide25.xml><?xml version="1.0" encoding="utf-8"?>
+<p:notes xmlns:a="http://schemas.openxmlformats.org/drawingml/2006/main" xmlns:r="http://schemas.openxmlformats.org/officeDocument/2006/relationships" xmlns:p="http://schemas.openxmlformats.org/presentationml/2006/main">
+  <p:cSld>
+    <p:spTree>
+      <p:nvGrpSpPr>
+        <p:cNvPr id="1" name=""/>
+        <p:cNvGrpSpPr/>
+        <p:nvPr/>
+      </p:nvGrpSpPr>
+      <p:grpSpPr>
+        <a:xfrm>
+          <a:off x="0" y="0"/>
+          <a:ext cx="0" cy="0"/>
+          <a:chOff x="0" y="0"/>
+          <a:chExt cx="0" cy="0"/>
+        </a:xfrm>
+      </p:grpSpPr>
+      <p:sp>
+        <p:nvSpPr>
+          <p:cNvPr id="2" name="Slide Image Placeholder 1"/>
+          <p:cNvSpPr>
+            <a:spLocks noGrp="1" noRot="1" noChangeAspect="1"/>
+          </p:cNvSpPr>
+          <p:nvPr>
+            <p:ph type="sldImg"/>
+          </p:nvPr>
+        </p:nvSpPr>
+        <p:spPr/>
+      </p:sp>
+      <p:sp>
+        <p:nvSpPr>
+          <p:cNvPr id="3" name="Notes Placeholder 2"/>
+          <p:cNvSpPr>
+            <a:spLocks noGrp="1"/>
+          </p:cNvSpPr>
+          <p:nvPr>
+            <p:ph type="body" idx="1"/>
+          </p:nvPr>
+        </p:nvSpPr>
+        <p:spPr/>
+        <p:txBody>
+          <a:bodyPr/>
+          <a:lstStyle/>
+          <a:p>
+            <a:r>
+              <a:rPr lang="nl-NL" dirty="0"/>
+              <a:t>https://pandas.pydata.org/docs/reference/api/pandas.DataFrame.drop_duplicates.html</a:t>
+            </a:r>
+            <a:endParaRPr lang="en-NL" dirty="0"/>
+          </a:p>
+        </p:txBody>
+      </p:sp>
+      <p:sp>
+        <p:nvSpPr>
+          <p:cNvPr id="4" name="Slide Number Placeholder 3"/>
+          <p:cNvSpPr>
+            <a:spLocks noGrp="1"/>
+          </p:cNvSpPr>
+          <p:nvPr>
+            <p:ph type="sldNum" sz="quarter" idx="5"/>
+          </p:nvPr>
+        </p:nvSpPr>
+        <p:spPr/>
+        <p:txBody>
+          <a:bodyPr/>
+          <a:lstStyle/>
+          <a:p>
+            <a:fld id="{3E535E4B-BCA1-4B0F-AF4E-7B57CB335483}" type="slidenum">
+              <a:rPr lang="en-NL" smtClean="0"/>
+              <a:t>111</a:t>
+            </a:fld>
+            <a:endParaRPr lang="en-NL"/>
+          </a:p>
+        </p:txBody>
+      </p:sp>
+    </p:spTree>
+    <p:extLst>
+      <p:ext uri="{BB962C8B-B14F-4D97-AF65-F5344CB8AC3E}">
+        <p14:creationId xmlns:p14="http://schemas.microsoft.com/office/powerpoint/2010/main" val="1113183554"/>
+      </p:ext>
+    </p:extLst>
+  </p:cSld>
+  <p:clrMapOvr>
+    <a:masterClrMapping/>
+  </p:clrMapOvr>
+</p:notes>
+</file>
+
+<file path=ppt/notesSlides/notesSlide26.xml><?xml version="1.0" encoding="utf-8"?>
+<p:notes xmlns:a="http://schemas.openxmlformats.org/drawingml/2006/main" xmlns:r="http://schemas.openxmlformats.org/officeDocument/2006/relationships" xmlns:p="http://schemas.openxmlformats.org/presentationml/2006/main">
+  <p:cSld>
+    <p:spTree>
+      <p:nvGrpSpPr>
+        <p:cNvPr id="1" name=""/>
+        <p:cNvGrpSpPr/>
+        <p:nvPr/>
+      </p:nvGrpSpPr>
+      <p:grpSpPr>
+        <a:xfrm>
+          <a:off x="0" y="0"/>
+          <a:ext cx="0" cy="0"/>
+          <a:chOff x="0" y="0"/>
+          <a:chExt cx="0" cy="0"/>
+        </a:xfrm>
+      </p:grpSpPr>
+      <p:sp>
+        <p:nvSpPr>
+          <p:cNvPr id="2" name="Slide Image Placeholder 1"/>
+          <p:cNvSpPr>
+            <a:spLocks noGrp="1" noRot="1" noChangeAspect="1"/>
+          </p:cNvSpPr>
+          <p:nvPr>
+            <p:ph type="sldImg"/>
+          </p:nvPr>
+        </p:nvSpPr>
+        <p:spPr/>
+      </p:sp>
+      <p:sp>
+        <p:nvSpPr>
+          <p:cNvPr id="3" name="Notes Placeholder 2"/>
+          <p:cNvSpPr>
+            <a:spLocks noGrp="1"/>
+          </p:cNvSpPr>
+          <p:nvPr>
+            <p:ph type="body" idx="1"/>
+          </p:nvPr>
+        </p:nvSpPr>
+        <p:spPr/>
+        <p:txBody>
+          <a:bodyPr/>
+          <a:lstStyle/>
+          <a:p>
+            <a:r>
+              <a:rPr lang="nl-NL" dirty="0"/>
+              <a:t>https://luigi.readthedocs.io/en/stable/execution_model.html#triggering-tasks</a:t>
+            </a:r>
+          </a:p>
+          <a:p>
+            <a:r>
+              <a:rPr lang="nl-NL" dirty="0"/>
+              <a:t>https://pypi.org/project/python-crontab/</a:t>
+            </a:r>
+            <a:endParaRPr lang="en-NL" dirty="0"/>
+          </a:p>
+        </p:txBody>
+      </p:sp>
+      <p:sp>
+        <p:nvSpPr>
+          <p:cNvPr id="4" name="Slide Number Placeholder 3"/>
+          <p:cNvSpPr>
+            <a:spLocks noGrp="1"/>
+          </p:cNvSpPr>
+          <p:nvPr>
+            <p:ph type="sldNum" sz="quarter" idx="5"/>
+          </p:nvPr>
+        </p:nvSpPr>
+        <p:spPr/>
+        <p:txBody>
+          <a:bodyPr/>
+          <a:lstStyle/>
+          <a:p>
+            <a:fld id="{3E535E4B-BCA1-4B0F-AF4E-7B57CB335483}" type="slidenum">
+              <a:rPr lang="en-NL" smtClean="0"/>
+              <a:t>116</a:t>
+            </a:fld>
+            <a:endParaRPr lang="en-NL"/>
+          </a:p>
+        </p:txBody>
+      </p:sp>
+    </p:spTree>
+    <p:extLst>
+      <p:ext uri="{BB962C8B-B14F-4D97-AF65-F5344CB8AC3E}">
+        <p14:creationId xmlns:p14="http://schemas.microsoft.com/office/powerpoint/2010/main" val="3063843039"/>
       </p:ext>
     </p:extLst>
   </p:cSld>
@@ -13521,7 +14357,7 @@
           <a:p>
             <a:fld id="{CACF4BCB-6537-4E71-8299-354F64C31B5D}" type="datetimeFigureOut">
               <a:rPr lang="en-NL" smtClean="0"/>
-              <a:t>05/02/2024</a:t>
+              <a:t>13/02/2024</a:t>
             </a:fld>
             <a:endParaRPr lang="en-NL"/>
           </a:p>
@@ -13728,7 +14564,7 @@
           <a:p>
             <a:fld id="{CACF4BCB-6537-4E71-8299-354F64C31B5D}" type="datetimeFigureOut">
               <a:rPr lang="en-NL" smtClean="0"/>
-              <a:t>05/02/2024</a:t>
+              <a:t>13/02/2024</a:t>
             </a:fld>
             <a:endParaRPr lang="en-NL"/>
           </a:p>
@@ -13908,7 +14744,7 @@
           <a:p>
             <a:fld id="{CACF4BCB-6537-4E71-8299-354F64C31B5D}" type="datetimeFigureOut">
               <a:rPr lang="en-NL" smtClean="0"/>
-              <a:t>05/02/2024</a:t>
+              <a:t>13/02/2024</a:t>
             </a:fld>
             <a:endParaRPr lang="en-NL"/>
           </a:p>
@@ -14113,7 +14949,7 @@
           <a:p>
             <a:fld id="{CACF4BCB-6537-4E71-8299-354F64C31B5D}" type="datetimeFigureOut">
               <a:rPr lang="en-NL" smtClean="0"/>
-              <a:t>05/02/2024</a:t>
+              <a:t>13/02/2024</a:t>
             </a:fld>
             <a:endParaRPr lang="en-NL"/>
           </a:p>
@@ -23011,7 +23847,7 @@
           <a:p>
             <a:fld id="{CACF4BCB-6537-4E71-8299-354F64C31B5D}" type="datetimeFigureOut">
               <a:rPr lang="en-NL" smtClean="0"/>
-              <a:t>05/02/2024</a:t>
+              <a:t>13/02/2024</a:t>
             </a:fld>
             <a:endParaRPr lang="en-NL"/>
           </a:p>
@@ -23285,7 +24121,7 @@
           <a:p>
             <a:fld id="{CACF4BCB-6537-4E71-8299-354F64C31B5D}" type="datetimeFigureOut">
               <a:rPr lang="en-NL" smtClean="0"/>
-              <a:t>05/02/2024</a:t>
+              <a:t>13/02/2024</a:t>
             </a:fld>
             <a:endParaRPr lang="en-NL"/>
           </a:p>
@@ -23683,7 +24519,7 @@
           <a:p>
             <a:fld id="{CACF4BCB-6537-4E71-8299-354F64C31B5D}" type="datetimeFigureOut">
               <a:rPr lang="en-NL" smtClean="0"/>
-              <a:t>05/02/2024</a:t>
+              <a:t>13/02/2024</a:t>
             </a:fld>
             <a:endParaRPr lang="en-NL"/>
           </a:p>
@@ -23801,7 +24637,7 @@
           <a:p>
             <a:fld id="{CACF4BCB-6537-4E71-8299-354F64C31B5D}" type="datetimeFigureOut">
               <a:rPr lang="en-NL" smtClean="0"/>
-              <a:t>05/02/2024</a:t>
+              <a:t>13/02/2024</a:t>
             </a:fld>
             <a:endParaRPr lang="en-NL"/>
           </a:p>
@@ -23896,7 +24732,7 @@
           <a:p>
             <a:fld id="{CACF4BCB-6537-4E71-8299-354F64C31B5D}" type="datetimeFigureOut">
               <a:rPr lang="en-NL" smtClean="0"/>
-              <a:t>05/02/2024</a:t>
+              <a:t>13/02/2024</a:t>
             </a:fld>
             <a:endParaRPr lang="en-NL"/>
           </a:p>
@@ -24186,7 +25022,7 @@
           <a:p>
             <a:fld id="{CACF4BCB-6537-4E71-8299-354F64C31B5D}" type="datetimeFigureOut">
               <a:rPr lang="en-NL" smtClean="0"/>
-              <a:t>05/02/2024</a:t>
+              <a:t>13/02/2024</a:t>
             </a:fld>
             <a:endParaRPr lang="en-NL"/>
           </a:p>
@@ -24466,7 +25302,7 @@
           <a:p>
             <a:fld id="{CACF4BCB-6537-4E71-8299-354F64C31B5D}" type="datetimeFigureOut">
               <a:rPr lang="en-NL" smtClean="0"/>
-              <a:t>05/02/2024</a:t>
+              <a:t>13/02/2024</a:t>
             </a:fld>
             <a:endParaRPr lang="en-NL"/>
           </a:p>
@@ -24716,7 +25552,7 @@
           <a:p>
             <a:fld id="{CACF4BCB-6537-4E71-8299-354F64C31B5D}" type="datetimeFigureOut">
               <a:rPr lang="en-NL" smtClean="0"/>
-              <a:t>05/02/2024</a:t>
+              <a:t>13/02/2024</a:t>
             </a:fld>
             <a:endParaRPr lang="en-NL"/>
           </a:p>
@@ -25411,6 +26247,1384 @@
 </p:sld>
 </file>
 
+<file path=ppt/slides/slide100.xml><?xml version="1.0" encoding="utf-8"?>
+<p:sld xmlns:a="http://schemas.openxmlformats.org/drawingml/2006/main" xmlns:r="http://schemas.openxmlformats.org/officeDocument/2006/relationships" xmlns:p="http://schemas.openxmlformats.org/presentationml/2006/main">
+  <p:cSld>
+    <p:spTree>
+      <p:nvGrpSpPr>
+        <p:cNvPr id="1" name=""/>
+        <p:cNvGrpSpPr/>
+        <p:nvPr/>
+      </p:nvGrpSpPr>
+      <p:grpSpPr>
+        <a:xfrm>
+          <a:off x="0" y="0"/>
+          <a:ext cx="0" cy="0"/>
+          <a:chOff x="0" y="0"/>
+          <a:chExt cx="0" cy="0"/>
+        </a:xfrm>
+      </p:grpSpPr>
+      <p:sp>
+        <p:nvSpPr>
+          <p:cNvPr id="2" name="Title 1">
+            <a:extLst>
+              <a:ext uri="{FF2B5EF4-FFF2-40B4-BE49-F238E27FC236}">
+                <a16:creationId xmlns:a16="http://schemas.microsoft.com/office/drawing/2014/main" id="{D27E9309-0CB8-0641-20E8-75E967666F53}"/>
+              </a:ext>
+            </a:extLst>
+          </p:cNvPr>
+          <p:cNvSpPr>
+            <a:spLocks noGrp="1"/>
+          </p:cNvSpPr>
+          <p:nvPr>
+            <p:ph type="title"/>
+          </p:nvPr>
+        </p:nvSpPr>
+        <p:spPr/>
+        <p:txBody>
+          <a:bodyPr/>
+          <a:lstStyle/>
+          <a:p>
+            <a:r>
+              <a:rPr lang="nl-NL" dirty="0"/>
+              <a:t>Complete Data</a:t>
+            </a:r>
+            <a:endParaRPr lang="en-NL" dirty="0"/>
+          </a:p>
+        </p:txBody>
+      </p:sp>
+      <p:sp>
+        <p:nvSpPr>
+          <p:cNvPr id="3" name="Content Placeholder 2">
+            <a:extLst>
+              <a:ext uri="{FF2B5EF4-FFF2-40B4-BE49-F238E27FC236}">
+                <a16:creationId xmlns:a16="http://schemas.microsoft.com/office/drawing/2014/main" id="{2A03BBFA-98AC-5E26-8AB1-DC82775917D0}"/>
+              </a:ext>
+            </a:extLst>
+          </p:cNvPr>
+          <p:cNvSpPr>
+            <a:spLocks noGrp="1"/>
+          </p:cNvSpPr>
+          <p:nvPr>
+            <p:ph idx="1"/>
+          </p:nvPr>
+        </p:nvSpPr>
+        <p:spPr/>
+        <p:txBody>
+          <a:bodyPr/>
+          <a:lstStyle/>
+          <a:p>
+            <a:r>
+              <a:rPr lang="en-US" dirty="0"/>
+              <a:t>Completeness is the degree to which we should know all the required values. Completeness is a little more challenging to achieve than accuracy or quality. Because it’s nearly impossible to have all the info we need, only known facts can be entered. </a:t>
+            </a:r>
+          </a:p>
+          <a:p>
+            <a:r>
+              <a:rPr lang="en-US" dirty="0"/>
+              <a:t>We can try to complete data by redoing the data-gathering activities like approaching the clients again, re-interviewing people, etc. For example, we might need to enter every customer’s contact information. But a number of them might not have email addresses. In this case, we have to leave those columns empty. </a:t>
+            </a:r>
+          </a:p>
+          <a:p>
+            <a:r>
+              <a:rPr lang="en-US" dirty="0"/>
+              <a:t>If we have a system that requires us to fill all columns, we can try to enter missing or unknown there. But entering such values does not mean that the data is complete. It would still be referred to as incomplete.</a:t>
+            </a:r>
+            <a:endParaRPr lang="en-NL" dirty="0"/>
+          </a:p>
+        </p:txBody>
+      </p:sp>
+    </p:spTree>
+    <p:extLst>
+      <p:ext uri="{BB962C8B-B14F-4D97-AF65-F5344CB8AC3E}">
+        <p14:creationId xmlns:p14="http://schemas.microsoft.com/office/powerpoint/2010/main" val="1552693254"/>
+      </p:ext>
+    </p:extLst>
+  </p:cSld>
+  <p:clrMapOvr>
+    <a:masterClrMapping/>
+  </p:clrMapOvr>
+</p:sld>
+</file>
+
+<file path=ppt/slides/slide101.xml><?xml version="1.0" encoding="utf-8"?>
+<p:sld xmlns:a="http://schemas.openxmlformats.org/drawingml/2006/main" xmlns:r="http://schemas.openxmlformats.org/officeDocument/2006/relationships" xmlns:p="http://schemas.openxmlformats.org/presentationml/2006/main">
+  <p:cSld>
+    <p:spTree>
+      <p:nvGrpSpPr>
+        <p:cNvPr id="1" name=""/>
+        <p:cNvGrpSpPr/>
+        <p:nvPr/>
+      </p:nvGrpSpPr>
+      <p:grpSpPr>
+        <a:xfrm>
+          <a:off x="0" y="0"/>
+          <a:ext cx="0" cy="0"/>
+          <a:chOff x="0" y="0"/>
+          <a:chExt cx="0" cy="0"/>
+        </a:xfrm>
+      </p:grpSpPr>
+      <p:sp>
+        <p:nvSpPr>
+          <p:cNvPr id="2" name="Title 1">
+            <a:extLst>
+              <a:ext uri="{FF2B5EF4-FFF2-40B4-BE49-F238E27FC236}">
+                <a16:creationId xmlns:a16="http://schemas.microsoft.com/office/drawing/2014/main" id="{CE260A38-A140-38BD-FD04-872C1B44DCC3}"/>
+              </a:ext>
+            </a:extLst>
+          </p:cNvPr>
+          <p:cNvSpPr>
+            <a:spLocks noGrp="1"/>
+          </p:cNvSpPr>
+          <p:nvPr>
+            <p:ph type="title"/>
+          </p:nvPr>
+        </p:nvSpPr>
+        <p:spPr/>
+        <p:txBody>
+          <a:bodyPr/>
+          <a:lstStyle/>
+          <a:p>
+            <a:r>
+              <a:rPr lang="nl-NL" dirty="0"/>
+              <a:t>Maintains Data Consistency</a:t>
+            </a:r>
+            <a:endParaRPr lang="en-NL" dirty="0"/>
+          </a:p>
+        </p:txBody>
+      </p:sp>
+      <p:sp>
+        <p:nvSpPr>
+          <p:cNvPr id="3" name="Content Placeholder 2">
+            <a:extLst>
+              <a:ext uri="{FF2B5EF4-FFF2-40B4-BE49-F238E27FC236}">
+                <a16:creationId xmlns:a16="http://schemas.microsoft.com/office/drawing/2014/main" id="{B0E56EC9-8EE8-3330-5372-3FF63F0B8A79}"/>
+              </a:ext>
+            </a:extLst>
+          </p:cNvPr>
+          <p:cNvSpPr>
+            <a:spLocks noGrp="1"/>
+          </p:cNvSpPr>
+          <p:nvPr>
+            <p:ph idx="1"/>
+          </p:nvPr>
+        </p:nvSpPr>
+        <p:spPr/>
+        <p:txBody>
+          <a:bodyPr>
+            <a:normAutofit/>
+          </a:bodyPr>
+          <a:lstStyle/>
+          <a:p>
+            <a:r>
+              <a:rPr lang="en-US" dirty="0"/>
+              <a:t>To ensure the data is consistent within the same dataset or across multiple datasets, we can measure consistency by comparing two similar systems. We can also check the data values within the same dataset to see if they are consistent or not. Consistency can be relational. For example, a customer’s age might be 25, which is a valid value and also accurate, but it is also stated as a senior citizen in the same system. In such cases, we have to cross-check the data, similar to measuring accuracy, and see which value is true. Is the client a 25-year-old? Or is the client a senior citizen? Only one of these values can be true. There are multiple ways to for your data consistent.</a:t>
+            </a:r>
+          </a:p>
+          <a:p>
+            <a:r>
+              <a:rPr lang="en-US" dirty="0"/>
+              <a:t>By checking in different systems.</a:t>
+            </a:r>
+          </a:p>
+          <a:p>
+            <a:r>
+              <a:rPr lang="en-US" dirty="0"/>
+              <a:t>By checking the source.</a:t>
+            </a:r>
+          </a:p>
+          <a:p>
+            <a:r>
+              <a:rPr lang="en-US" dirty="0"/>
+              <a:t>By checking the latest data.</a:t>
+            </a:r>
+            <a:endParaRPr lang="en-NL" dirty="0"/>
+          </a:p>
+        </p:txBody>
+      </p:sp>
+    </p:spTree>
+    <p:extLst>
+      <p:ext uri="{BB962C8B-B14F-4D97-AF65-F5344CB8AC3E}">
+        <p14:creationId xmlns:p14="http://schemas.microsoft.com/office/powerpoint/2010/main" val="4226757918"/>
+      </p:ext>
+    </p:extLst>
+  </p:cSld>
+  <p:clrMapOvr>
+    <a:masterClrMapping/>
+  </p:clrMapOvr>
+</p:sld>
+</file>
+
+<file path=ppt/slides/slide102.xml><?xml version="1.0" encoding="utf-8"?>
+<p:sld xmlns:a="http://schemas.openxmlformats.org/drawingml/2006/main" xmlns:r="http://schemas.openxmlformats.org/officeDocument/2006/relationships" xmlns:p="http://schemas.openxmlformats.org/presentationml/2006/main">
+  <p:cSld>
+    <p:spTree>
+      <p:nvGrpSpPr>
+        <p:cNvPr id="1" name=""/>
+        <p:cNvGrpSpPr/>
+        <p:nvPr/>
+      </p:nvGrpSpPr>
+      <p:grpSpPr>
+        <a:xfrm>
+          <a:off x="0" y="0"/>
+          <a:ext cx="0" cy="0"/>
+          <a:chOff x="0" y="0"/>
+          <a:chExt cx="0" cy="0"/>
+        </a:xfrm>
+      </p:grpSpPr>
+      <p:sp>
+        <p:nvSpPr>
+          <p:cNvPr id="2" name="Title 1">
+            <a:extLst>
+              <a:ext uri="{FF2B5EF4-FFF2-40B4-BE49-F238E27FC236}">
+                <a16:creationId xmlns:a16="http://schemas.microsoft.com/office/drawing/2014/main" id="{532DE4C2-7E2A-B5DA-2782-0C551E23A38D}"/>
+              </a:ext>
+            </a:extLst>
+          </p:cNvPr>
+          <p:cNvSpPr>
+            <a:spLocks noGrp="1"/>
+          </p:cNvSpPr>
+          <p:nvPr>
+            <p:ph type="title"/>
+          </p:nvPr>
+        </p:nvSpPr>
+        <p:spPr/>
+        <p:txBody>
+          <a:bodyPr/>
+          <a:lstStyle/>
+          <a:p>
+            <a:r>
+              <a:rPr lang="nl-NL" dirty="0"/>
+              <a:t>Data Cleaning Cycle</a:t>
+            </a:r>
+            <a:endParaRPr lang="en-NL" dirty="0"/>
+          </a:p>
+        </p:txBody>
+      </p:sp>
+      <p:sp>
+        <p:nvSpPr>
+          <p:cNvPr id="3" name="Content Placeholder 2">
+            <a:extLst>
+              <a:ext uri="{FF2B5EF4-FFF2-40B4-BE49-F238E27FC236}">
+                <a16:creationId xmlns:a16="http://schemas.microsoft.com/office/drawing/2014/main" id="{7065881E-6789-A04C-0514-0CA2DE785521}"/>
+              </a:ext>
+            </a:extLst>
+          </p:cNvPr>
+          <p:cNvSpPr>
+            <a:spLocks noGrp="1"/>
+          </p:cNvSpPr>
+          <p:nvPr>
+            <p:ph idx="1"/>
+          </p:nvPr>
+        </p:nvSpPr>
+        <p:spPr>
+          <a:xfrm>
+            <a:off x="1024129" y="2286000"/>
+            <a:ext cx="5330952" cy="4023360"/>
+          </a:xfrm>
+        </p:spPr>
+        <p:txBody>
+          <a:bodyPr/>
+          <a:lstStyle/>
+          <a:p>
+            <a:r>
+              <a:rPr lang="en-US" dirty="0"/>
+              <a:t>It is the method of analyzing, distinguishing, and correcting untidy, raw data. Data cleaning involves filling in missing values, handling outliers, and distinguishing and fixing errors present in the dataset. </a:t>
+            </a:r>
+          </a:p>
+          <a:p>
+            <a:r>
+              <a:rPr lang="en-US" dirty="0"/>
+              <a:t>Whereas the techniques used for data cleaning might vary in step with different types of datasets. In this tutorial, we will learn how to clean data using pandas. The following are standard steps to map out data cleaning:</a:t>
+            </a:r>
+            <a:endParaRPr lang="en-NL" dirty="0"/>
+          </a:p>
+        </p:txBody>
+      </p:sp>
+      <p:pic>
+        <p:nvPicPr>
+          <p:cNvPr id="9218" name="Picture 2" descr="Data Cleaning Cycle">
+            <a:extLst>
+              <a:ext uri="{FF2B5EF4-FFF2-40B4-BE49-F238E27FC236}">
+                <a16:creationId xmlns:a16="http://schemas.microsoft.com/office/drawing/2014/main" id="{3DB90A6D-C034-AFB0-305F-435A3EDC15E8}"/>
+              </a:ext>
+            </a:extLst>
+          </p:cNvPr>
+          <p:cNvPicPr>
+            <a:picLocks noChangeAspect="1" noChangeArrowheads="1"/>
+          </p:cNvPicPr>
+          <p:nvPr/>
+        </p:nvPicPr>
+        <p:blipFill>
+          <a:blip r:embed="rId2">
+            <a:extLst>
+              <a:ext uri="{28A0092B-C50C-407E-A947-70E740481C1C}">
+                <a14:useLocalDpi xmlns:a14="http://schemas.microsoft.com/office/drawing/2010/main" val="0"/>
+              </a:ext>
+            </a:extLst>
+          </a:blip>
+          <a:srcRect/>
+          <a:stretch>
+            <a:fillRect/>
+          </a:stretch>
+        </p:blipFill>
+        <p:spPr bwMode="auto">
+          <a:xfrm>
+            <a:off x="6477000" y="2286000"/>
+            <a:ext cx="5715000" cy="3657600"/>
+          </a:xfrm>
+          <a:prstGeom prst="rect">
+            <a:avLst/>
+          </a:prstGeom>
+          <a:noFill/>
+          <a:extLst>
+            <a:ext uri="{909E8E84-426E-40DD-AFC4-6F175D3DCCD1}">
+              <a14:hiddenFill xmlns:a14="http://schemas.microsoft.com/office/drawing/2010/main">
+                <a:solidFill>
+                  <a:srgbClr val="FFFFFF"/>
+                </a:solidFill>
+              </a14:hiddenFill>
+            </a:ext>
+          </a:extLst>
+        </p:spPr>
+      </p:pic>
+    </p:spTree>
+    <p:extLst>
+      <p:ext uri="{BB962C8B-B14F-4D97-AF65-F5344CB8AC3E}">
+        <p14:creationId xmlns:p14="http://schemas.microsoft.com/office/powerpoint/2010/main" val="1078216571"/>
+      </p:ext>
+    </p:extLst>
+  </p:cSld>
+  <p:clrMapOvr>
+    <a:masterClrMapping/>
+  </p:clrMapOvr>
+</p:sld>
+</file>
+
+<file path=ppt/slides/slide103.xml><?xml version="1.0" encoding="utf-8"?>
+<p:sld xmlns:a="http://schemas.openxmlformats.org/drawingml/2006/main" xmlns:r="http://schemas.openxmlformats.org/officeDocument/2006/relationships" xmlns:p="http://schemas.openxmlformats.org/presentationml/2006/main">
+  <p:cSld>
+    <p:spTree>
+      <p:nvGrpSpPr>
+        <p:cNvPr id="1" name=""/>
+        <p:cNvGrpSpPr/>
+        <p:nvPr/>
+      </p:nvGrpSpPr>
+      <p:grpSpPr>
+        <a:xfrm>
+          <a:off x="0" y="0"/>
+          <a:ext cx="0" cy="0"/>
+          <a:chOff x="0" y="0"/>
+          <a:chExt cx="0" cy="0"/>
+        </a:xfrm>
+      </p:grpSpPr>
+      <p:sp>
+        <p:nvSpPr>
+          <p:cNvPr id="2" name="Title 1">
+            <a:extLst>
+              <a:ext uri="{FF2B5EF4-FFF2-40B4-BE49-F238E27FC236}">
+                <a16:creationId xmlns:a16="http://schemas.microsoft.com/office/drawing/2014/main" id="{B9A5235C-19BF-5812-7A66-2F6D06EB968F}"/>
+              </a:ext>
+            </a:extLst>
+          </p:cNvPr>
+          <p:cNvSpPr>
+            <a:spLocks noGrp="1"/>
+          </p:cNvSpPr>
+          <p:nvPr>
+            <p:ph type="title"/>
+          </p:nvPr>
+        </p:nvSpPr>
+        <p:spPr/>
+        <p:txBody>
+          <a:bodyPr/>
+          <a:lstStyle/>
+          <a:p>
+            <a:r>
+              <a:rPr lang="nl-NL" dirty="0"/>
+              <a:t>Data Cleaning With Pandas</a:t>
+            </a:r>
+            <a:endParaRPr lang="en-NL" dirty="0"/>
+          </a:p>
+        </p:txBody>
+      </p:sp>
+      <p:sp>
+        <p:nvSpPr>
+          <p:cNvPr id="3" name="Content Placeholder 2">
+            <a:extLst>
+              <a:ext uri="{FF2B5EF4-FFF2-40B4-BE49-F238E27FC236}">
+                <a16:creationId xmlns:a16="http://schemas.microsoft.com/office/drawing/2014/main" id="{86E40F1A-B440-4E6E-203F-6B8988699795}"/>
+              </a:ext>
+            </a:extLst>
+          </p:cNvPr>
+          <p:cNvSpPr>
+            <a:spLocks noGrp="1"/>
+          </p:cNvSpPr>
+          <p:nvPr>
+            <p:ph idx="1"/>
+          </p:nvPr>
+        </p:nvSpPr>
+        <p:spPr/>
+        <p:txBody>
+          <a:bodyPr/>
+          <a:lstStyle/>
+          <a:p>
+            <a:r>
+              <a:rPr lang="en-US" dirty="0"/>
+              <a:t>Data scientists spend a huge amount of time cleaning datasets and getting them in the form in which they can work. It is an essential skill of Data Scientists to be able to work with messy data, missing values, and inconsistent, noisy, or nonsensical data. </a:t>
+            </a:r>
+          </a:p>
+          <a:p>
+            <a:r>
+              <a:rPr lang="en-US" dirty="0"/>
+              <a:t>To work smoothly, python provides a built-in module, Pandas. Pandas is the popular Python library that is mainly used for data processing purposes like cleaning, manipulation, and analysis. </a:t>
+            </a:r>
+          </a:p>
+          <a:p>
+            <a:r>
+              <a:rPr lang="en-US" dirty="0"/>
+              <a:t>Pandas stand for “Python Data Analysis Library”. It consists of classes to read, process, and write csv files. There are numerous Data cleaning tools present, but the Pandas library provides a really fast and efficient way to manage and explore data. It does that by providing us with Series and </a:t>
+            </a:r>
+            <a:r>
+              <a:rPr lang="en-US" dirty="0" err="1"/>
+              <a:t>DataFrames</a:t>
+            </a:r>
+            <a:r>
+              <a:rPr lang="en-US" dirty="0"/>
+              <a:t>, which help us represent data efficiently and manipulate it in various ways.</a:t>
+            </a:r>
+            <a:endParaRPr lang="en-NL" dirty="0"/>
+          </a:p>
+        </p:txBody>
+      </p:sp>
+    </p:spTree>
+    <p:extLst>
+      <p:ext uri="{BB962C8B-B14F-4D97-AF65-F5344CB8AC3E}">
+        <p14:creationId xmlns:p14="http://schemas.microsoft.com/office/powerpoint/2010/main" val="625791604"/>
+      </p:ext>
+    </p:extLst>
+  </p:cSld>
+  <p:clrMapOvr>
+    <a:masterClrMapping/>
+  </p:clrMapOvr>
+</p:sld>
+</file>
+
+<file path=ppt/slides/slide104.xml><?xml version="1.0" encoding="utf-8"?>
+<p:sld xmlns:a="http://schemas.openxmlformats.org/drawingml/2006/main" xmlns:r="http://schemas.openxmlformats.org/officeDocument/2006/relationships" xmlns:p="http://schemas.openxmlformats.org/presentationml/2006/main">
+  <p:cSld>
+    <p:spTree>
+      <p:nvGrpSpPr>
+        <p:cNvPr id="1" name=""/>
+        <p:cNvGrpSpPr/>
+        <p:nvPr/>
+      </p:nvGrpSpPr>
+      <p:grpSpPr>
+        <a:xfrm>
+          <a:off x="0" y="0"/>
+          <a:ext cx="0" cy="0"/>
+          <a:chOff x="0" y="0"/>
+          <a:chExt cx="0" cy="0"/>
+        </a:xfrm>
+      </p:grpSpPr>
+      <p:sp>
+        <p:nvSpPr>
+          <p:cNvPr id="2" name="Title 1">
+            <a:extLst>
+              <a:ext uri="{FF2B5EF4-FFF2-40B4-BE49-F238E27FC236}">
+                <a16:creationId xmlns:a16="http://schemas.microsoft.com/office/drawing/2014/main" id="{09848E12-F2D5-E666-90A8-2078746D7DB7}"/>
+              </a:ext>
+            </a:extLst>
+          </p:cNvPr>
+          <p:cNvSpPr>
+            <a:spLocks noGrp="1"/>
+          </p:cNvSpPr>
+          <p:nvPr>
+            <p:ph type="title"/>
+          </p:nvPr>
+        </p:nvSpPr>
+        <p:spPr/>
+        <p:txBody>
+          <a:bodyPr/>
+          <a:lstStyle/>
+          <a:p>
+            <a:r>
+              <a:rPr lang="nl-NL" dirty="0"/>
+              <a:t>Step 1: Import Dataset </a:t>
+            </a:r>
+            <a:endParaRPr lang="en-NL" dirty="0"/>
+          </a:p>
+        </p:txBody>
+      </p:sp>
+      <p:sp>
+        <p:nvSpPr>
+          <p:cNvPr id="3" name="Content Placeholder 2">
+            <a:extLst>
+              <a:ext uri="{FF2B5EF4-FFF2-40B4-BE49-F238E27FC236}">
+                <a16:creationId xmlns:a16="http://schemas.microsoft.com/office/drawing/2014/main" id="{0295451F-92DF-7F11-FBEF-D1B543E7B50D}"/>
+              </a:ext>
+            </a:extLst>
+          </p:cNvPr>
+          <p:cNvSpPr>
+            <a:spLocks noGrp="1"/>
+          </p:cNvSpPr>
+          <p:nvPr>
+            <p:ph idx="1"/>
+          </p:nvPr>
+        </p:nvSpPr>
+        <p:spPr/>
+        <p:txBody>
+          <a:bodyPr>
+            <a:normAutofit fontScale="92500" lnSpcReduction="10000"/>
+          </a:bodyPr>
+          <a:lstStyle/>
+          <a:p>
+            <a:r>
+              <a:rPr lang="en-US" dirty="0"/>
+              <a:t>To import the dataset, we use the </a:t>
+            </a:r>
+            <a:r>
+              <a:rPr lang="en-US" dirty="0" err="1"/>
+              <a:t>read_csv</a:t>
+            </a:r>
+            <a:r>
+              <a:rPr lang="en-US" dirty="0"/>
+              <a:t>() function of pandas and store it in the pandas </a:t>
+            </a:r>
+            <a:r>
+              <a:rPr lang="en-US" dirty="0" err="1"/>
+              <a:t>DataFrame</a:t>
+            </a:r>
+            <a:r>
+              <a:rPr lang="en-US" dirty="0"/>
+              <a:t> named as data. As the dataset is in tabular format, when working with tabular data in Pandas, it will be automatically converted into a </a:t>
+            </a:r>
+            <a:r>
+              <a:rPr lang="en-US" dirty="0" err="1"/>
+              <a:t>DataFrame</a:t>
+            </a:r>
+            <a:r>
+              <a:rPr lang="en-US" dirty="0"/>
+              <a:t>. </a:t>
+            </a:r>
+            <a:r>
+              <a:rPr lang="en-US" dirty="0" err="1"/>
+              <a:t>DataFrame</a:t>
+            </a:r>
+            <a:r>
+              <a:rPr lang="en-US" dirty="0"/>
+              <a:t> is a two-dimensional, mutable data structure in Python. It is a combination of rows and columns like an excel sheet.</a:t>
+            </a:r>
+          </a:p>
+          <a:p>
+            <a:endParaRPr lang="en-US" dirty="0"/>
+          </a:p>
+          <a:p>
+            <a:endParaRPr lang="en-US" dirty="0"/>
+          </a:p>
+          <a:p>
+            <a:endParaRPr lang="en-US" dirty="0"/>
+          </a:p>
+          <a:p>
+            <a:r>
+              <a:rPr lang="en-US" dirty="0"/>
+              <a:t>The head() function is a built-in function in pandas for the </a:t>
+            </a:r>
+            <a:r>
+              <a:rPr lang="en-US" dirty="0" err="1"/>
+              <a:t>dataframe</a:t>
+            </a:r>
+            <a:r>
+              <a:rPr lang="en-US" dirty="0"/>
+              <a:t> used to display the rows of the dataset. We can specify the number of rows by giving the number within the parenthesis. By default, it displays the first five rows of the dataset. If we want to see the last five rows of the dataset, we use the tail()function of the </a:t>
+            </a:r>
+            <a:r>
+              <a:rPr lang="en-US" dirty="0" err="1"/>
+              <a:t>dataframe</a:t>
+            </a:r>
+            <a:r>
+              <a:rPr lang="en-US" dirty="0"/>
+              <a:t> like this:</a:t>
+            </a:r>
+          </a:p>
+          <a:p>
+            <a:endParaRPr lang="en-NL" dirty="0"/>
+          </a:p>
+        </p:txBody>
+      </p:sp>
+      <p:pic>
+        <p:nvPicPr>
+          <p:cNvPr id="5" name="Picture 4">
+            <a:extLst>
+              <a:ext uri="{FF2B5EF4-FFF2-40B4-BE49-F238E27FC236}">
+                <a16:creationId xmlns:a16="http://schemas.microsoft.com/office/drawing/2014/main" id="{B9B8EFB7-5072-1809-787F-E3702EC5F916}"/>
+              </a:ext>
+            </a:extLst>
+          </p:cNvPr>
+          <p:cNvPicPr>
+            <a:picLocks noChangeAspect="1"/>
+          </p:cNvPicPr>
+          <p:nvPr/>
+        </p:nvPicPr>
+        <p:blipFill>
+          <a:blip r:embed="rId3"/>
+          <a:stretch>
+            <a:fillRect/>
+          </a:stretch>
+        </p:blipFill>
+        <p:spPr>
+          <a:xfrm>
+            <a:off x="1097280" y="3600640"/>
+            <a:ext cx="4162425" cy="1247775"/>
+          </a:xfrm>
+          <a:prstGeom prst="rect">
+            <a:avLst/>
+          </a:prstGeom>
+        </p:spPr>
+      </p:pic>
+      <p:pic>
+        <p:nvPicPr>
+          <p:cNvPr id="7" name="Picture 6">
+            <a:extLst>
+              <a:ext uri="{FF2B5EF4-FFF2-40B4-BE49-F238E27FC236}">
+                <a16:creationId xmlns:a16="http://schemas.microsoft.com/office/drawing/2014/main" id="{09EB34A6-6612-47D2-B382-A5EC38AA7BA2}"/>
+              </a:ext>
+            </a:extLst>
+          </p:cNvPr>
+          <p:cNvPicPr>
+            <a:picLocks noChangeAspect="1"/>
+          </p:cNvPicPr>
+          <p:nvPr/>
+        </p:nvPicPr>
+        <p:blipFill>
+          <a:blip r:embed="rId4"/>
+          <a:stretch>
+            <a:fillRect/>
+          </a:stretch>
+        </p:blipFill>
+        <p:spPr>
+          <a:xfrm>
+            <a:off x="8119872" y="6052185"/>
+            <a:ext cx="3619500" cy="514350"/>
+          </a:xfrm>
+          <a:prstGeom prst="rect">
+            <a:avLst/>
+          </a:prstGeom>
+        </p:spPr>
+      </p:pic>
+      <p:pic>
+        <p:nvPicPr>
+          <p:cNvPr id="9" name="Picture 8">
+            <a:extLst>
+              <a:ext uri="{FF2B5EF4-FFF2-40B4-BE49-F238E27FC236}">
+                <a16:creationId xmlns:a16="http://schemas.microsoft.com/office/drawing/2014/main" id="{32004F47-E1FC-E8A6-3980-87C1B31A173D}"/>
+              </a:ext>
+            </a:extLst>
+          </p:cNvPr>
+          <p:cNvPicPr>
+            <a:picLocks noChangeAspect="1"/>
+          </p:cNvPicPr>
+          <p:nvPr/>
+        </p:nvPicPr>
+        <p:blipFill>
+          <a:blip r:embed="rId5"/>
+          <a:stretch>
+            <a:fillRect/>
+          </a:stretch>
+        </p:blipFill>
+        <p:spPr>
+          <a:xfrm>
+            <a:off x="6434709" y="3261457"/>
+            <a:ext cx="5534788" cy="1727360"/>
+          </a:xfrm>
+          <a:prstGeom prst="rect">
+            <a:avLst/>
+          </a:prstGeom>
+        </p:spPr>
+      </p:pic>
+    </p:spTree>
+    <p:extLst>
+      <p:ext uri="{BB962C8B-B14F-4D97-AF65-F5344CB8AC3E}">
+        <p14:creationId xmlns:p14="http://schemas.microsoft.com/office/powerpoint/2010/main" val="3958220201"/>
+      </p:ext>
+    </p:extLst>
+  </p:cSld>
+  <p:clrMapOvr>
+    <a:masterClrMapping/>
+  </p:clrMapOvr>
+</p:sld>
+</file>
+
+<file path=ppt/slides/slide105.xml><?xml version="1.0" encoding="utf-8"?>
+<p:sld xmlns:a="http://schemas.openxmlformats.org/drawingml/2006/main" xmlns:r="http://schemas.openxmlformats.org/officeDocument/2006/relationships" xmlns:p="http://schemas.openxmlformats.org/presentationml/2006/main">
+  <p:cSld>
+    <p:spTree>
+      <p:nvGrpSpPr>
+        <p:cNvPr id="1" name=""/>
+        <p:cNvGrpSpPr/>
+        <p:nvPr/>
+      </p:nvGrpSpPr>
+      <p:grpSpPr>
+        <a:xfrm>
+          <a:off x="0" y="0"/>
+          <a:ext cx="0" cy="0"/>
+          <a:chOff x="0" y="0"/>
+          <a:chExt cx="0" cy="0"/>
+        </a:xfrm>
+      </p:grpSpPr>
+      <p:sp>
+        <p:nvSpPr>
+          <p:cNvPr id="2" name="Title 1">
+            <a:extLst>
+              <a:ext uri="{FF2B5EF4-FFF2-40B4-BE49-F238E27FC236}">
+                <a16:creationId xmlns:a16="http://schemas.microsoft.com/office/drawing/2014/main" id="{B802A2DA-4C52-8897-9149-E45C51CD165B}"/>
+              </a:ext>
+            </a:extLst>
+          </p:cNvPr>
+          <p:cNvSpPr>
+            <a:spLocks noGrp="1"/>
+          </p:cNvSpPr>
+          <p:nvPr>
+            <p:ph type="title"/>
+          </p:nvPr>
+        </p:nvSpPr>
+        <p:spPr/>
+        <p:txBody>
+          <a:bodyPr/>
+          <a:lstStyle/>
+          <a:p>
+            <a:r>
+              <a:rPr lang="nl-NL" dirty="0"/>
+              <a:t>Step 2: Merge Dataset</a:t>
+            </a:r>
+            <a:endParaRPr lang="en-NL" dirty="0"/>
+          </a:p>
+        </p:txBody>
+      </p:sp>
+      <p:sp>
+        <p:nvSpPr>
+          <p:cNvPr id="3" name="Content Placeholder 2">
+            <a:extLst>
+              <a:ext uri="{FF2B5EF4-FFF2-40B4-BE49-F238E27FC236}">
+                <a16:creationId xmlns:a16="http://schemas.microsoft.com/office/drawing/2014/main" id="{2E6A7451-8CEA-CD91-CA2F-6830F985AC3B}"/>
+              </a:ext>
+            </a:extLst>
+          </p:cNvPr>
+          <p:cNvSpPr>
+            <a:spLocks noGrp="1"/>
+          </p:cNvSpPr>
+          <p:nvPr>
+            <p:ph idx="1"/>
+          </p:nvPr>
+        </p:nvSpPr>
+        <p:spPr/>
+        <p:txBody>
+          <a:bodyPr/>
+          <a:lstStyle/>
+          <a:p>
+            <a:r>
+              <a:rPr lang="en-US" dirty="0"/>
+              <a:t>Merging the dataset is the process of combining two datasets in one and lining up rows based on some particular or common property for data analysis. We can do this by using the merge() function of the </a:t>
+            </a:r>
+            <a:r>
+              <a:rPr lang="en-US" dirty="0" err="1"/>
+              <a:t>dataframe</a:t>
+            </a:r>
+            <a:r>
+              <a:rPr lang="en-US" dirty="0"/>
+              <a:t>. Following is the syntax of the merge function:</a:t>
+            </a:r>
+          </a:p>
+          <a:p>
+            <a:r>
+              <a:rPr lang="nl-NL" sz="1800" dirty="0">
+                <a:latin typeface="Courier New" panose="02070309020205020404" pitchFamily="49" charset="0"/>
+                <a:cs typeface="Courier New" panose="02070309020205020404" pitchFamily="49" charset="0"/>
+              </a:rPr>
+              <a:t>DataFrame_name.merge(right, how='inner', on=None, left_on=None, right_on=None, left_index=False, right_index=False, sort=False, suffixes=('_x', '_y'), copy=True, indicator=False, validate=None)</a:t>
+            </a:r>
+            <a:endParaRPr lang="en-NL" sz="1800" dirty="0">
+              <a:latin typeface="Courier New" panose="02070309020205020404" pitchFamily="49" charset="0"/>
+              <a:cs typeface="Courier New" panose="02070309020205020404" pitchFamily="49" charset="0"/>
+            </a:endParaRPr>
+          </a:p>
+        </p:txBody>
+      </p:sp>
+    </p:spTree>
+    <p:extLst>
+      <p:ext uri="{BB962C8B-B14F-4D97-AF65-F5344CB8AC3E}">
+        <p14:creationId xmlns:p14="http://schemas.microsoft.com/office/powerpoint/2010/main" val="2295844725"/>
+      </p:ext>
+    </p:extLst>
+  </p:cSld>
+  <p:clrMapOvr>
+    <a:masterClrMapping/>
+  </p:clrMapOvr>
+</p:sld>
+</file>
+
+<file path=ppt/slides/slide106.xml><?xml version="1.0" encoding="utf-8"?>
+<p:sld xmlns:a="http://schemas.openxmlformats.org/drawingml/2006/main" xmlns:r="http://schemas.openxmlformats.org/officeDocument/2006/relationships" xmlns:p="http://schemas.openxmlformats.org/presentationml/2006/main">
+  <p:cSld>
+    <p:spTree>
+      <p:nvGrpSpPr>
+        <p:cNvPr id="1" name=""/>
+        <p:cNvGrpSpPr/>
+        <p:nvPr/>
+      </p:nvGrpSpPr>
+      <p:grpSpPr>
+        <a:xfrm>
+          <a:off x="0" y="0"/>
+          <a:ext cx="0" cy="0"/>
+          <a:chOff x="0" y="0"/>
+          <a:chExt cx="0" cy="0"/>
+        </a:xfrm>
+      </p:grpSpPr>
+      <p:sp>
+        <p:nvSpPr>
+          <p:cNvPr id="2" name="Title 1">
+            <a:extLst>
+              <a:ext uri="{FF2B5EF4-FFF2-40B4-BE49-F238E27FC236}">
+                <a16:creationId xmlns:a16="http://schemas.microsoft.com/office/drawing/2014/main" id="{15CA3B7F-5D12-2ED3-188E-B92C2EA761C7}"/>
+              </a:ext>
+            </a:extLst>
+          </p:cNvPr>
+          <p:cNvSpPr>
+            <a:spLocks noGrp="1"/>
+          </p:cNvSpPr>
+          <p:nvPr>
+            <p:ph type="title"/>
+          </p:nvPr>
+        </p:nvSpPr>
+        <p:spPr/>
+        <p:txBody>
+          <a:bodyPr/>
+          <a:lstStyle/>
+          <a:p>
+            <a:r>
+              <a:rPr lang="en-US" dirty="0"/>
+              <a:t>Step 3: Rebuild Missing Data</a:t>
+            </a:r>
+            <a:endParaRPr lang="en-NL" dirty="0"/>
+          </a:p>
+        </p:txBody>
+      </p:sp>
+      <p:sp>
+        <p:nvSpPr>
+          <p:cNvPr id="3" name="Content Placeholder 2">
+            <a:extLst>
+              <a:ext uri="{FF2B5EF4-FFF2-40B4-BE49-F238E27FC236}">
+                <a16:creationId xmlns:a16="http://schemas.microsoft.com/office/drawing/2014/main" id="{F7517EDA-5A6A-49E9-0FA7-6157EAEFF3A7}"/>
+              </a:ext>
+            </a:extLst>
+          </p:cNvPr>
+          <p:cNvSpPr>
+            <a:spLocks noGrp="1"/>
+          </p:cNvSpPr>
+          <p:nvPr>
+            <p:ph idx="1"/>
+          </p:nvPr>
+        </p:nvSpPr>
+        <p:spPr/>
+        <p:txBody>
+          <a:bodyPr/>
+          <a:lstStyle/>
+          <a:p>
+            <a:r>
+              <a:rPr lang="en-US" dirty="0"/>
+              <a:t>To find and fill in the missing data in the dataset, we will use another function. There are 4 ways to find the null values if present in the dataset. Let’s see them one by one:</a:t>
+            </a:r>
+          </a:p>
+          <a:p>
+            <a:r>
+              <a:rPr lang="nl-NL" dirty="0"/>
+              <a:t>Using isnull() function:</a:t>
+            </a:r>
+          </a:p>
+          <a:p>
+            <a:r>
+              <a:rPr lang="nl-NL" dirty="0"/>
+              <a:t>Using isna() function:</a:t>
+            </a:r>
+            <a:endParaRPr lang="en-NL" dirty="0"/>
+          </a:p>
+        </p:txBody>
+      </p:sp>
+      <p:pic>
+        <p:nvPicPr>
+          <p:cNvPr id="5" name="Picture 4">
+            <a:extLst>
+              <a:ext uri="{FF2B5EF4-FFF2-40B4-BE49-F238E27FC236}">
+                <a16:creationId xmlns:a16="http://schemas.microsoft.com/office/drawing/2014/main" id="{E87EF40E-994A-0C67-6781-B9A10DAEC11E}"/>
+              </a:ext>
+            </a:extLst>
+          </p:cNvPr>
+          <p:cNvPicPr>
+            <a:picLocks noChangeAspect="1"/>
+          </p:cNvPicPr>
+          <p:nvPr/>
+        </p:nvPicPr>
+        <p:blipFill>
+          <a:blip r:embed="rId2"/>
+          <a:stretch>
+            <a:fillRect/>
+          </a:stretch>
+        </p:blipFill>
+        <p:spPr>
+          <a:xfrm>
+            <a:off x="1024128" y="4022598"/>
+            <a:ext cx="5934075" cy="2305050"/>
+          </a:xfrm>
+          <a:prstGeom prst="rect">
+            <a:avLst/>
+          </a:prstGeom>
+        </p:spPr>
+      </p:pic>
+    </p:spTree>
+    <p:extLst>
+      <p:ext uri="{BB962C8B-B14F-4D97-AF65-F5344CB8AC3E}">
+        <p14:creationId xmlns:p14="http://schemas.microsoft.com/office/powerpoint/2010/main" val="1856316298"/>
+      </p:ext>
+    </p:extLst>
+  </p:cSld>
+  <p:clrMapOvr>
+    <a:masterClrMapping/>
+  </p:clrMapOvr>
+</p:sld>
+</file>
+
+<file path=ppt/slides/slide107.xml><?xml version="1.0" encoding="utf-8"?>
+<p:sld xmlns:a="http://schemas.openxmlformats.org/drawingml/2006/main" xmlns:r="http://schemas.openxmlformats.org/officeDocument/2006/relationships" xmlns:p="http://schemas.openxmlformats.org/presentationml/2006/main">
+  <p:cSld>
+    <p:spTree>
+      <p:nvGrpSpPr>
+        <p:cNvPr id="1" name=""/>
+        <p:cNvGrpSpPr/>
+        <p:nvPr/>
+      </p:nvGrpSpPr>
+      <p:grpSpPr>
+        <a:xfrm>
+          <a:off x="0" y="0"/>
+          <a:ext cx="0" cy="0"/>
+          <a:chOff x="0" y="0"/>
+          <a:chExt cx="0" cy="0"/>
+        </a:xfrm>
+      </p:grpSpPr>
+      <p:sp>
+        <p:nvSpPr>
+          <p:cNvPr id="2" name="Title 1">
+            <a:extLst>
+              <a:ext uri="{FF2B5EF4-FFF2-40B4-BE49-F238E27FC236}">
+                <a16:creationId xmlns:a16="http://schemas.microsoft.com/office/drawing/2014/main" id="{7938862C-090D-4CF3-43C1-CD96C3DA10D8}"/>
+              </a:ext>
+            </a:extLst>
+          </p:cNvPr>
+          <p:cNvSpPr>
+            <a:spLocks noGrp="1"/>
+          </p:cNvSpPr>
+          <p:nvPr>
+            <p:ph type="title"/>
+          </p:nvPr>
+        </p:nvSpPr>
+        <p:spPr/>
+        <p:txBody>
+          <a:bodyPr/>
+          <a:lstStyle/>
+          <a:p>
+            <a:endParaRPr lang="en-NL"/>
+          </a:p>
+        </p:txBody>
+      </p:sp>
+      <p:sp>
+        <p:nvSpPr>
+          <p:cNvPr id="3" name="Content Placeholder 2">
+            <a:extLst>
+              <a:ext uri="{FF2B5EF4-FFF2-40B4-BE49-F238E27FC236}">
+                <a16:creationId xmlns:a16="http://schemas.microsoft.com/office/drawing/2014/main" id="{B330F980-96EB-5832-27CC-D39526FD442A}"/>
+              </a:ext>
+            </a:extLst>
+          </p:cNvPr>
+          <p:cNvSpPr>
+            <a:spLocks noGrp="1"/>
+          </p:cNvSpPr>
+          <p:nvPr>
+            <p:ph idx="1"/>
+          </p:nvPr>
+        </p:nvSpPr>
+        <p:spPr/>
+        <p:txBody>
+          <a:bodyPr/>
+          <a:lstStyle/>
+          <a:p>
+            <a:r>
+              <a:rPr lang="nl-NL" dirty="0"/>
+              <a:t>Using isna().any()</a:t>
+            </a:r>
+          </a:p>
+          <a:p>
+            <a:endParaRPr lang="nl-NL" dirty="0"/>
+          </a:p>
+          <a:p>
+            <a:endParaRPr lang="nl-NL" dirty="0"/>
+          </a:p>
+          <a:p>
+            <a:endParaRPr lang="nl-NL" dirty="0"/>
+          </a:p>
+          <a:p>
+            <a:endParaRPr lang="nl-NL" dirty="0"/>
+          </a:p>
+          <a:p>
+            <a:r>
+              <a:rPr lang="nl-NL" dirty="0"/>
+              <a:t>Using isna(). sum()</a:t>
+            </a:r>
+          </a:p>
+          <a:p>
+            <a:endParaRPr lang="en-NL" dirty="0"/>
+          </a:p>
+        </p:txBody>
+      </p:sp>
+      <p:pic>
+        <p:nvPicPr>
+          <p:cNvPr id="5" name="Picture 4">
+            <a:extLst>
+              <a:ext uri="{FF2B5EF4-FFF2-40B4-BE49-F238E27FC236}">
+                <a16:creationId xmlns:a16="http://schemas.microsoft.com/office/drawing/2014/main" id="{6C074697-1CBB-8D98-091F-35E569848A9C}"/>
+              </a:ext>
+            </a:extLst>
+          </p:cNvPr>
+          <p:cNvPicPr>
+            <a:picLocks noChangeAspect="1"/>
+          </p:cNvPicPr>
+          <p:nvPr/>
+        </p:nvPicPr>
+        <p:blipFill>
+          <a:blip r:embed="rId2"/>
+          <a:stretch>
+            <a:fillRect/>
+          </a:stretch>
+        </p:blipFill>
+        <p:spPr>
+          <a:xfrm>
+            <a:off x="1024128" y="2731770"/>
+            <a:ext cx="2543175" cy="1943100"/>
+          </a:xfrm>
+          <a:prstGeom prst="rect">
+            <a:avLst/>
+          </a:prstGeom>
+        </p:spPr>
+      </p:pic>
+      <p:pic>
+        <p:nvPicPr>
+          <p:cNvPr id="7" name="Picture 6">
+            <a:extLst>
+              <a:ext uri="{FF2B5EF4-FFF2-40B4-BE49-F238E27FC236}">
+                <a16:creationId xmlns:a16="http://schemas.microsoft.com/office/drawing/2014/main" id="{38F044F0-52C2-4525-566A-630511EA8081}"/>
+              </a:ext>
+            </a:extLst>
+          </p:cNvPr>
+          <p:cNvPicPr>
+            <a:picLocks noChangeAspect="1"/>
+          </p:cNvPicPr>
+          <p:nvPr/>
+        </p:nvPicPr>
+        <p:blipFill>
+          <a:blip r:embed="rId3"/>
+          <a:stretch>
+            <a:fillRect/>
+          </a:stretch>
+        </p:blipFill>
+        <p:spPr>
+          <a:xfrm>
+            <a:off x="1115568" y="5048250"/>
+            <a:ext cx="1571625" cy="1809750"/>
+          </a:xfrm>
+          <a:prstGeom prst="rect">
+            <a:avLst/>
+          </a:prstGeom>
+        </p:spPr>
+      </p:pic>
+      <p:pic>
+        <p:nvPicPr>
+          <p:cNvPr id="9" name="Picture 8">
+            <a:extLst>
+              <a:ext uri="{FF2B5EF4-FFF2-40B4-BE49-F238E27FC236}">
+                <a16:creationId xmlns:a16="http://schemas.microsoft.com/office/drawing/2014/main" id="{864987B1-23E9-B9F8-31A7-BE7F5F0C55EC}"/>
+              </a:ext>
+            </a:extLst>
+          </p:cNvPr>
+          <p:cNvPicPr>
+            <a:picLocks noChangeAspect="1"/>
+          </p:cNvPicPr>
+          <p:nvPr/>
+        </p:nvPicPr>
+        <p:blipFill>
+          <a:blip r:embed="rId4"/>
+          <a:stretch>
+            <a:fillRect/>
+          </a:stretch>
+        </p:blipFill>
+        <p:spPr>
+          <a:xfrm>
+            <a:off x="6096000" y="2286000"/>
+            <a:ext cx="3619500" cy="2190750"/>
+          </a:xfrm>
+          <a:prstGeom prst="rect">
+            <a:avLst/>
+          </a:prstGeom>
+        </p:spPr>
+      </p:pic>
+    </p:spTree>
+    <p:extLst>
+      <p:ext uri="{BB962C8B-B14F-4D97-AF65-F5344CB8AC3E}">
+        <p14:creationId xmlns:p14="http://schemas.microsoft.com/office/powerpoint/2010/main" val="504706101"/>
+      </p:ext>
+    </p:extLst>
+  </p:cSld>
+  <p:clrMapOvr>
+    <a:masterClrMapping/>
+  </p:clrMapOvr>
+</p:sld>
+</file>
+
+<file path=ppt/slides/slide108.xml><?xml version="1.0" encoding="utf-8"?>
+<p:sld xmlns:a="http://schemas.openxmlformats.org/drawingml/2006/main" xmlns:r="http://schemas.openxmlformats.org/officeDocument/2006/relationships" xmlns:p="http://schemas.openxmlformats.org/presentationml/2006/main">
+  <p:cSld>
+    <p:spTree>
+      <p:nvGrpSpPr>
+        <p:cNvPr id="1" name=""/>
+        <p:cNvGrpSpPr/>
+        <p:nvPr/>
+      </p:nvGrpSpPr>
+      <p:grpSpPr>
+        <a:xfrm>
+          <a:off x="0" y="0"/>
+          <a:ext cx="0" cy="0"/>
+          <a:chOff x="0" y="0"/>
+          <a:chExt cx="0" cy="0"/>
+        </a:xfrm>
+      </p:grpSpPr>
+      <p:sp>
+        <p:nvSpPr>
+          <p:cNvPr id="2" name="Title 1">
+            <a:extLst>
+              <a:ext uri="{FF2B5EF4-FFF2-40B4-BE49-F238E27FC236}">
+                <a16:creationId xmlns:a16="http://schemas.microsoft.com/office/drawing/2014/main" id="{AA81CDA2-E50D-2BBF-1017-4EC36A8256AC}"/>
+              </a:ext>
+            </a:extLst>
+          </p:cNvPr>
+          <p:cNvSpPr>
+            <a:spLocks noGrp="1"/>
+          </p:cNvSpPr>
+          <p:nvPr>
+            <p:ph type="title"/>
+          </p:nvPr>
+        </p:nvSpPr>
+        <p:spPr/>
+        <p:txBody>
+          <a:bodyPr/>
+          <a:lstStyle/>
+          <a:p>
+            <a:endParaRPr lang="en-NL"/>
+          </a:p>
+        </p:txBody>
+      </p:sp>
+      <p:sp>
+        <p:nvSpPr>
+          <p:cNvPr id="3" name="Content Placeholder 2">
+            <a:extLst>
+              <a:ext uri="{FF2B5EF4-FFF2-40B4-BE49-F238E27FC236}">
+                <a16:creationId xmlns:a16="http://schemas.microsoft.com/office/drawing/2014/main" id="{5E8E3A58-D3B4-4DB8-ECF8-56F4D450374C}"/>
+              </a:ext>
+            </a:extLst>
+          </p:cNvPr>
+          <p:cNvSpPr>
+            <a:spLocks noGrp="1"/>
+          </p:cNvSpPr>
+          <p:nvPr>
+            <p:ph idx="1"/>
+          </p:nvPr>
+        </p:nvSpPr>
+        <p:spPr/>
+        <p:txBody>
+          <a:bodyPr/>
+          <a:lstStyle/>
+          <a:p>
+            <a:r>
+              <a:rPr lang="en-US" dirty="0"/>
+              <a:t>There are no null values present in our dataset. But if there are any null values preset, we can fill those places with any other value using the </a:t>
+            </a:r>
+            <a:r>
+              <a:rPr lang="en-US" dirty="0" err="1"/>
+              <a:t>fillna</a:t>
+            </a:r>
+            <a:r>
+              <a:rPr lang="en-US" dirty="0"/>
+              <a:t>() function of </a:t>
+            </a:r>
+            <a:r>
+              <a:rPr lang="en-US" dirty="0" err="1"/>
+              <a:t>DataFrame.Following</a:t>
+            </a:r>
+            <a:r>
+              <a:rPr lang="en-US" dirty="0"/>
+              <a:t> is the syntax of </a:t>
+            </a:r>
+            <a:r>
+              <a:rPr lang="en-US" dirty="0" err="1"/>
+              <a:t>fillna</a:t>
+            </a:r>
+            <a:r>
+              <a:rPr lang="en-US" dirty="0"/>
+              <a:t>() function:</a:t>
+            </a:r>
+          </a:p>
+          <a:p>
+            <a:r>
+              <a:rPr lang="nl-NL" sz="1800" dirty="0">
+                <a:latin typeface="Courier New" panose="02070309020205020404" pitchFamily="49" charset="0"/>
+                <a:cs typeface="Courier New" panose="02070309020205020404" pitchFamily="49" charset="0"/>
+              </a:rPr>
+              <a:t>DataFrame_name.fillna(value=None, method=None, axis=None, inplace=False, limit=None, downcast=None)</a:t>
+            </a:r>
+          </a:p>
+          <a:p>
+            <a:r>
+              <a:rPr lang="en-US" dirty="0"/>
+              <a:t>This function will fill NA/</a:t>
+            </a:r>
+            <a:r>
+              <a:rPr lang="en-US" dirty="0" err="1"/>
+              <a:t>NaN</a:t>
+            </a:r>
+            <a:r>
+              <a:rPr lang="en-US" dirty="0"/>
+              <a:t> or 0 values in place of null spaces. You may also drop null values using the </a:t>
+            </a:r>
+            <a:r>
+              <a:rPr lang="en-US" dirty="0" err="1"/>
+              <a:t>dropna</a:t>
+            </a:r>
+            <a:r>
+              <a:rPr lang="en-US" dirty="0"/>
+              <a:t> method when the amount of missing data is relatively small and unlikely to affect the overall.</a:t>
+            </a:r>
+            <a:endParaRPr lang="en-NL" dirty="0"/>
+          </a:p>
+        </p:txBody>
+      </p:sp>
+    </p:spTree>
+    <p:extLst>
+      <p:ext uri="{BB962C8B-B14F-4D97-AF65-F5344CB8AC3E}">
+        <p14:creationId xmlns:p14="http://schemas.microsoft.com/office/powerpoint/2010/main" val="2140879759"/>
+      </p:ext>
+    </p:extLst>
+  </p:cSld>
+  <p:clrMapOvr>
+    <a:masterClrMapping/>
+  </p:clrMapOvr>
+</p:sld>
+</file>
+
+<file path=ppt/slides/slide109.xml><?xml version="1.0" encoding="utf-8"?>
+<p:sld xmlns:a="http://schemas.openxmlformats.org/drawingml/2006/main" xmlns:r="http://schemas.openxmlformats.org/officeDocument/2006/relationships" xmlns:p="http://schemas.openxmlformats.org/presentationml/2006/main">
+  <p:cSld>
+    <p:spTree>
+      <p:nvGrpSpPr>
+        <p:cNvPr id="1" name=""/>
+        <p:cNvGrpSpPr/>
+        <p:nvPr/>
+      </p:nvGrpSpPr>
+      <p:grpSpPr>
+        <a:xfrm>
+          <a:off x="0" y="0"/>
+          <a:ext cx="0" cy="0"/>
+          <a:chOff x="0" y="0"/>
+          <a:chExt cx="0" cy="0"/>
+        </a:xfrm>
+      </p:grpSpPr>
+      <p:sp>
+        <p:nvSpPr>
+          <p:cNvPr id="2" name="Title 1">
+            <a:extLst>
+              <a:ext uri="{FF2B5EF4-FFF2-40B4-BE49-F238E27FC236}">
+                <a16:creationId xmlns:a16="http://schemas.microsoft.com/office/drawing/2014/main" id="{ACEF7FAA-896A-1F1C-12F9-4F40916C5276}"/>
+              </a:ext>
+            </a:extLst>
+          </p:cNvPr>
+          <p:cNvSpPr>
+            <a:spLocks noGrp="1"/>
+          </p:cNvSpPr>
+          <p:nvPr>
+            <p:ph type="title"/>
+          </p:nvPr>
+        </p:nvSpPr>
+        <p:spPr/>
+        <p:txBody>
+          <a:bodyPr/>
+          <a:lstStyle/>
+          <a:p>
+            <a:r>
+              <a:rPr lang="en-US" dirty="0"/>
+              <a:t>Step 4: Standardization and Normalization</a:t>
+            </a:r>
+            <a:endParaRPr lang="en-NL" dirty="0"/>
+          </a:p>
+        </p:txBody>
+      </p:sp>
+      <p:sp>
+        <p:nvSpPr>
+          <p:cNvPr id="3" name="Content Placeholder 2">
+            <a:extLst>
+              <a:ext uri="{FF2B5EF4-FFF2-40B4-BE49-F238E27FC236}">
+                <a16:creationId xmlns:a16="http://schemas.microsoft.com/office/drawing/2014/main" id="{D8A50ADC-9DE7-B222-7481-AEAC26D3032E}"/>
+              </a:ext>
+            </a:extLst>
+          </p:cNvPr>
+          <p:cNvSpPr>
+            <a:spLocks noGrp="1"/>
+          </p:cNvSpPr>
+          <p:nvPr>
+            <p:ph idx="1"/>
+          </p:nvPr>
+        </p:nvSpPr>
+        <p:spPr/>
+        <p:txBody>
+          <a:bodyPr/>
+          <a:lstStyle/>
+          <a:p>
+            <a:r>
+              <a:rPr lang="en-US" dirty="0"/>
+              <a:t>Data Standardization and Normalization is a common practices in machine learning.</a:t>
+            </a:r>
+          </a:p>
+          <a:p>
+            <a:r>
+              <a:rPr lang="en-US" dirty="0"/>
+              <a:t>Standardization is another scaling technique where the values are centered around the mean with a unit standard deviation. This means that the mean of the attribute becomes zero, and the resultant distribution has a unit standard deviation.</a:t>
+            </a:r>
+          </a:p>
+          <a:p>
+            <a:r>
+              <a:rPr lang="en-US" dirty="0"/>
+              <a:t>Normalization is a scaling technique in which values are shifted and rescaled so that they end up ranging between 0 and 1. It is also known as Min-Max scaling.</a:t>
+            </a:r>
+            <a:endParaRPr lang="en-NL" dirty="0"/>
+          </a:p>
+        </p:txBody>
+      </p:sp>
+    </p:spTree>
+    <p:extLst>
+      <p:ext uri="{BB962C8B-B14F-4D97-AF65-F5344CB8AC3E}">
+        <p14:creationId xmlns:p14="http://schemas.microsoft.com/office/powerpoint/2010/main" val="240547260"/>
+      </p:ext>
+    </p:extLst>
+  </p:cSld>
+  <p:clrMapOvr>
+    <a:masterClrMapping/>
+  </p:clrMapOvr>
+</p:sld>
+</file>
+
 <file path=ppt/slides/slide11.xml><?xml version="1.0" encoding="utf-8"?>
 <p:sld xmlns:a="http://schemas.openxmlformats.org/drawingml/2006/main" xmlns:r="http://schemas.openxmlformats.org/officeDocument/2006/relationships" xmlns:p="http://schemas.openxmlformats.org/presentationml/2006/main">
   <p:cSld>
@@ -25549,6 +27763,952 @@
     <p:extLst>
       <p:ext uri="{BB962C8B-B14F-4D97-AF65-F5344CB8AC3E}">
         <p14:creationId xmlns:p14="http://schemas.microsoft.com/office/powerpoint/2010/main" val="1057133813"/>
+      </p:ext>
+    </p:extLst>
+  </p:cSld>
+  <p:clrMapOvr>
+    <a:masterClrMapping/>
+  </p:clrMapOvr>
+</p:sld>
+</file>
+
+<file path=ppt/slides/slide110.xml><?xml version="1.0" encoding="utf-8"?>
+<p:sld xmlns:a="http://schemas.openxmlformats.org/drawingml/2006/main" xmlns:r="http://schemas.openxmlformats.org/officeDocument/2006/relationships" xmlns:p="http://schemas.openxmlformats.org/presentationml/2006/main">
+  <p:cSld>
+    <p:spTree>
+      <p:nvGrpSpPr>
+        <p:cNvPr id="1" name=""/>
+        <p:cNvGrpSpPr/>
+        <p:nvPr/>
+      </p:nvGrpSpPr>
+      <p:grpSpPr>
+        <a:xfrm>
+          <a:off x="0" y="0"/>
+          <a:ext cx="0" cy="0"/>
+          <a:chOff x="0" y="0"/>
+          <a:chExt cx="0" cy="0"/>
+        </a:xfrm>
+      </p:grpSpPr>
+      <p:sp>
+        <p:nvSpPr>
+          <p:cNvPr id="2" name="Title 1">
+            <a:extLst>
+              <a:ext uri="{FF2B5EF4-FFF2-40B4-BE49-F238E27FC236}">
+                <a16:creationId xmlns:a16="http://schemas.microsoft.com/office/drawing/2014/main" id="{85EC6E80-21E7-114A-1E73-EAF1C12D8203}"/>
+              </a:ext>
+            </a:extLst>
+          </p:cNvPr>
+          <p:cNvSpPr>
+            <a:spLocks noGrp="1"/>
+          </p:cNvSpPr>
+          <p:nvPr>
+            <p:ph type="title"/>
+          </p:nvPr>
+        </p:nvSpPr>
+        <p:spPr/>
+        <p:txBody>
+          <a:bodyPr/>
+          <a:lstStyle/>
+          <a:p>
+            <a:r>
+              <a:rPr lang="nl-NL" dirty="0"/>
+              <a:t>Step 5: De-Duplicate Data</a:t>
+            </a:r>
+            <a:endParaRPr lang="en-NL" dirty="0"/>
+          </a:p>
+        </p:txBody>
+      </p:sp>
+      <p:sp>
+        <p:nvSpPr>
+          <p:cNvPr id="3" name="Content Placeholder 2">
+            <a:extLst>
+              <a:ext uri="{FF2B5EF4-FFF2-40B4-BE49-F238E27FC236}">
+                <a16:creationId xmlns:a16="http://schemas.microsoft.com/office/drawing/2014/main" id="{84B0BCE4-01E0-E3AC-A72B-1B6D6258A04D}"/>
+              </a:ext>
+            </a:extLst>
+          </p:cNvPr>
+          <p:cNvSpPr>
+            <a:spLocks noGrp="1"/>
+          </p:cNvSpPr>
+          <p:nvPr>
+            <p:ph idx="1"/>
+          </p:nvPr>
+        </p:nvSpPr>
+        <p:spPr/>
+        <p:txBody>
+          <a:bodyPr/>
+          <a:lstStyle/>
+          <a:p>
+            <a:r>
+              <a:rPr lang="en-US" dirty="0"/>
+              <a:t>De-Duplicate means removing all duplicate values. There is no need for duplicate values in data analysis. These values only affect the accuracy and efficiency of the analysis result. To find duplicate values in the dataset, we will use a simple </a:t>
+            </a:r>
+            <a:r>
+              <a:rPr lang="en-US" dirty="0" err="1"/>
+              <a:t>dataframe</a:t>
+            </a:r>
+            <a:r>
+              <a:rPr lang="en-US" dirty="0"/>
+              <a:t> function, i.e., duplicated(). Let’s see the example:</a:t>
+            </a:r>
+            <a:endParaRPr lang="en-NL" dirty="0"/>
+          </a:p>
+        </p:txBody>
+      </p:sp>
+      <p:pic>
+        <p:nvPicPr>
+          <p:cNvPr id="5" name="Picture 4">
+            <a:extLst>
+              <a:ext uri="{FF2B5EF4-FFF2-40B4-BE49-F238E27FC236}">
+                <a16:creationId xmlns:a16="http://schemas.microsoft.com/office/drawing/2014/main" id="{DB746685-6E8B-7B04-2F72-C725A2751DDA}"/>
+              </a:ext>
+            </a:extLst>
+          </p:cNvPr>
+          <p:cNvPicPr>
+            <a:picLocks noChangeAspect="1"/>
+          </p:cNvPicPr>
+          <p:nvPr/>
+        </p:nvPicPr>
+        <p:blipFill>
+          <a:blip r:embed="rId2"/>
+          <a:stretch>
+            <a:fillRect/>
+          </a:stretch>
+        </p:blipFill>
+        <p:spPr>
+          <a:xfrm>
+            <a:off x="1024128" y="3754374"/>
+            <a:ext cx="2828925" cy="2933700"/>
+          </a:xfrm>
+          <a:prstGeom prst="rect">
+            <a:avLst/>
+          </a:prstGeom>
+        </p:spPr>
+      </p:pic>
+    </p:spTree>
+    <p:extLst>
+      <p:ext uri="{BB962C8B-B14F-4D97-AF65-F5344CB8AC3E}">
+        <p14:creationId xmlns:p14="http://schemas.microsoft.com/office/powerpoint/2010/main" val="2832216569"/>
+      </p:ext>
+    </p:extLst>
+  </p:cSld>
+  <p:clrMapOvr>
+    <a:masterClrMapping/>
+  </p:clrMapOvr>
+</p:sld>
+</file>
+
+<file path=ppt/slides/slide111.xml><?xml version="1.0" encoding="utf-8"?>
+<p:sld xmlns:a="http://schemas.openxmlformats.org/drawingml/2006/main" xmlns:r="http://schemas.openxmlformats.org/officeDocument/2006/relationships" xmlns:p="http://schemas.openxmlformats.org/presentationml/2006/main">
+  <p:cSld>
+    <p:spTree>
+      <p:nvGrpSpPr>
+        <p:cNvPr id="1" name=""/>
+        <p:cNvGrpSpPr/>
+        <p:nvPr/>
+      </p:nvGrpSpPr>
+      <p:grpSpPr>
+        <a:xfrm>
+          <a:off x="0" y="0"/>
+          <a:ext cx="0" cy="0"/>
+          <a:chOff x="0" y="0"/>
+          <a:chExt cx="0" cy="0"/>
+        </a:xfrm>
+      </p:grpSpPr>
+      <p:sp>
+        <p:nvSpPr>
+          <p:cNvPr id="2" name="Title 1">
+            <a:extLst>
+              <a:ext uri="{FF2B5EF4-FFF2-40B4-BE49-F238E27FC236}">
+                <a16:creationId xmlns:a16="http://schemas.microsoft.com/office/drawing/2014/main" id="{C7D85A7C-FDAE-B154-FC71-DA595CFE18D4}"/>
+              </a:ext>
+            </a:extLst>
+          </p:cNvPr>
+          <p:cNvSpPr>
+            <a:spLocks noGrp="1"/>
+          </p:cNvSpPr>
+          <p:nvPr>
+            <p:ph type="title"/>
+          </p:nvPr>
+        </p:nvSpPr>
+        <p:spPr/>
+        <p:txBody>
+          <a:bodyPr/>
+          <a:lstStyle/>
+          <a:p>
+            <a:endParaRPr lang="en-NL"/>
+          </a:p>
+        </p:txBody>
+      </p:sp>
+      <p:sp>
+        <p:nvSpPr>
+          <p:cNvPr id="3" name="Content Placeholder 2">
+            <a:extLst>
+              <a:ext uri="{FF2B5EF4-FFF2-40B4-BE49-F238E27FC236}">
+                <a16:creationId xmlns:a16="http://schemas.microsoft.com/office/drawing/2014/main" id="{FA439B5F-FC23-BC08-8AA0-3EF07B65D732}"/>
+              </a:ext>
+            </a:extLst>
+          </p:cNvPr>
+          <p:cNvSpPr>
+            <a:spLocks noGrp="1"/>
+          </p:cNvSpPr>
+          <p:nvPr>
+            <p:ph idx="1"/>
+          </p:nvPr>
+        </p:nvSpPr>
+        <p:spPr/>
+        <p:txBody>
+          <a:bodyPr/>
+          <a:lstStyle/>
+          <a:p>
+            <a:r>
+              <a:rPr lang="en-US" dirty="0"/>
+              <a:t>This function also provides bool values for duplicate values in the dataset. As we can see, the dataset doesn’t contain any duplicate values. If a dataset contains duplicate values, it can be removed using the </a:t>
+            </a:r>
+            <a:r>
+              <a:rPr lang="en-US" dirty="0" err="1"/>
+              <a:t>drop_duplicates</a:t>
+            </a:r>
+            <a:r>
+              <a:rPr lang="en-US" dirty="0"/>
+              <a:t>() function. Following is the syntax of this function:</a:t>
+            </a:r>
+          </a:p>
+          <a:p>
+            <a:r>
+              <a:rPr lang="nl-NL" sz="1800" dirty="0">
+                <a:latin typeface="Courier New" panose="02070309020205020404" pitchFamily="49" charset="0"/>
+                <a:cs typeface="Courier New" panose="02070309020205020404" pitchFamily="49" charset="0"/>
+              </a:rPr>
+              <a:t>DataFrame_name.drop_duplicates(subset=None, keep='first', inplace=False, ignore_index=False)</a:t>
+            </a:r>
+            <a:endParaRPr lang="en-NL" sz="1800" dirty="0">
+              <a:latin typeface="Courier New" panose="02070309020205020404" pitchFamily="49" charset="0"/>
+              <a:cs typeface="Courier New" panose="02070309020205020404" pitchFamily="49" charset="0"/>
+            </a:endParaRPr>
+          </a:p>
+        </p:txBody>
+      </p:sp>
+    </p:spTree>
+    <p:extLst>
+      <p:ext uri="{BB962C8B-B14F-4D97-AF65-F5344CB8AC3E}">
+        <p14:creationId xmlns:p14="http://schemas.microsoft.com/office/powerpoint/2010/main" val="474295234"/>
+      </p:ext>
+    </p:extLst>
+  </p:cSld>
+  <p:clrMapOvr>
+    <a:masterClrMapping/>
+  </p:clrMapOvr>
+</p:sld>
+</file>
+
+<file path=ppt/slides/slide112.xml><?xml version="1.0" encoding="utf-8"?>
+<p:sld xmlns:a="http://schemas.openxmlformats.org/drawingml/2006/main" xmlns:r="http://schemas.openxmlformats.org/officeDocument/2006/relationships" xmlns:p="http://schemas.openxmlformats.org/presentationml/2006/main">
+  <p:cSld>
+    <p:spTree>
+      <p:nvGrpSpPr>
+        <p:cNvPr id="1" name=""/>
+        <p:cNvGrpSpPr/>
+        <p:nvPr/>
+      </p:nvGrpSpPr>
+      <p:grpSpPr>
+        <a:xfrm>
+          <a:off x="0" y="0"/>
+          <a:ext cx="0" cy="0"/>
+          <a:chOff x="0" y="0"/>
+          <a:chExt cx="0" cy="0"/>
+        </a:xfrm>
+      </p:grpSpPr>
+      <p:sp>
+        <p:nvSpPr>
+          <p:cNvPr id="2" name="Title 1">
+            <a:extLst>
+              <a:ext uri="{FF2B5EF4-FFF2-40B4-BE49-F238E27FC236}">
+                <a16:creationId xmlns:a16="http://schemas.microsoft.com/office/drawing/2014/main" id="{1A6BA399-B7E3-76C7-38EE-542E17FBFF3F}"/>
+              </a:ext>
+            </a:extLst>
+          </p:cNvPr>
+          <p:cNvSpPr>
+            <a:spLocks noGrp="1"/>
+          </p:cNvSpPr>
+          <p:nvPr>
+            <p:ph type="title"/>
+          </p:nvPr>
+        </p:nvSpPr>
+        <p:spPr/>
+        <p:txBody>
+          <a:bodyPr/>
+          <a:lstStyle/>
+          <a:p>
+            <a:r>
+              <a:rPr lang="en-US" dirty="0"/>
+              <a:t>Step 6: Verify and Enrich the Data</a:t>
+            </a:r>
+            <a:endParaRPr lang="en-NL" dirty="0"/>
+          </a:p>
+        </p:txBody>
+      </p:sp>
+      <p:sp>
+        <p:nvSpPr>
+          <p:cNvPr id="3" name="Content Placeholder 2">
+            <a:extLst>
+              <a:ext uri="{FF2B5EF4-FFF2-40B4-BE49-F238E27FC236}">
+                <a16:creationId xmlns:a16="http://schemas.microsoft.com/office/drawing/2014/main" id="{BA2BC4DB-462B-7748-E9B9-C4B32D8DC028}"/>
+              </a:ext>
+            </a:extLst>
+          </p:cNvPr>
+          <p:cNvSpPr>
+            <a:spLocks noGrp="1"/>
+          </p:cNvSpPr>
+          <p:nvPr>
+            <p:ph idx="1"/>
+          </p:nvPr>
+        </p:nvSpPr>
+        <p:spPr/>
+        <p:txBody>
+          <a:bodyPr/>
+          <a:lstStyle/>
+          <a:p>
+            <a:r>
+              <a:rPr lang="en-US" dirty="0"/>
+              <a:t>After removing null, duplicate, and incorrect values, we should verify the dataset and validate its accuracy. In this step, we have to check that the data cleaned so far is making any sense. If the data is incomplete, we have to enrich the data again by data gathering activities like approaching the clients again, re-interviewing people, etc. Completeness is a little more challenging to achieve accuracy or quality in the dataset.</a:t>
+            </a:r>
+            <a:endParaRPr lang="en-NL" dirty="0"/>
+          </a:p>
+        </p:txBody>
+      </p:sp>
+    </p:spTree>
+    <p:extLst>
+      <p:ext uri="{BB962C8B-B14F-4D97-AF65-F5344CB8AC3E}">
+        <p14:creationId xmlns:p14="http://schemas.microsoft.com/office/powerpoint/2010/main" val="2238567157"/>
+      </p:ext>
+    </p:extLst>
+  </p:cSld>
+  <p:clrMapOvr>
+    <a:masterClrMapping/>
+  </p:clrMapOvr>
+</p:sld>
+</file>
+
+<file path=ppt/slides/slide113.xml><?xml version="1.0" encoding="utf-8"?>
+<p:sld xmlns:a="http://schemas.openxmlformats.org/drawingml/2006/main" xmlns:r="http://schemas.openxmlformats.org/officeDocument/2006/relationships" xmlns:p="http://schemas.openxmlformats.org/presentationml/2006/main">
+  <p:cSld>
+    <p:spTree>
+      <p:nvGrpSpPr>
+        <p:cNvPr id="1" name=""/>
+        <p:cNvGrpSpPr/>
+        <p:nvPr/>
+      </p:nvGrpSpPr>
+      <p:grpSpPr>
+        <a:xfrm>
+          <a:off x="0" y="0"/>
+          <a:ext cx="0" cy="0"/>
+          <a:chOff x="0" y="0"/>
+          <a:chExt cx="0" cy="0"/>
+        </a:xfrm>
+      </p:grpSpPr>
+      <p:sp>
+        <p:nvSpPr>
+          <p:cNvPr id="2" name="Title 1">
+            <a:extLst>
+              <a:ext uri="{FF2B5EF4-FFF2-40B4-BE49-F238E27FC236}">
+                <a16:creationId xmlns:a16="http://schemas.microsoft.com/office/drawing/2014/main" id="{443AB987-E099-A2D5-BCF0-E9E4D7045842}"/>
+              </a:ext>
+            </a:extLst>
+          </p:cNvPr>
+          <p:cNvSpPr>
+            <a:spLocks noGrp="1"/>
+          </p:cNvSpPr>
+          <p:nvPr>
+            <p:ph type="title"/>
+          </p:nvPr>
+        </p:nvSpPr>
+        <p:spPr/>
+        <p:txBody>
+          <a:bodyPr/>
+          <a:lstStyle/>
+          <a:p>
+            <a:r>
+              <a:rPr lang="nl-NL" dirty="0"/>
+              <a:t>Step 7: Export Dataset</a:t>
+            </a:r>
+            <a:endParaRPr lang="en-NL" dirty="0"/>
+          </a:p>
+        </p:txBody>
+      </p:sp>
+      <p:sp>
+        <p:nvSpPr>
+          <p:cNvPr id="3" name="Content Placeholder 2">
+            <a:extLst>
+              <a:ext uri="{FF2B5EF4-FFF2-40B4-BE49-F238E27FC236}">
+                <a16:creationId xmlns:a16="http://schemas.microsoft.com/office/drawing/2014/main" id="{F73CF129-AE04-877B-389E-D5C1CAE343FD}"/>
+              </a:ext>
+            </a:extLst>
+          </p:cNvPr>
+          <p:cNvSpPr>
+            <a:spLocks noGrp="1"/>
+          </p:cNvSpPr>
+          <p:nvPr>
+            <p:ph idx="1"/>
+          </p:nvPr>
+        </p:nvSpPr>
+        <p:spPr/>
+        <p:txBody>
+          <a:bodyPr/>
+          <a:lstStyle/>
+          <a:p>
+            <a:r>
+              <a:rPr lang="en-US" dirty="0"/>
+              <a:t>This is the last step of the data-cleaning process. After performing all the above operations, the data is transformed into a clean dataset, and it is ready to export for the next process in Data Science or Data Analysis.</a:t>
+            </a:r>
+            <a:endParaRPr lang="en-NL" dirty="0"/>
+          </a:p>
+        </p:txBody>
+      </p:sp>
+    </p:spTree>
+    <p:extLst>
+      <p:ext uri="{BB962C8B-B14F-4D97-AF65-F5344CB8AC3E}">
+        <p14:creationId xmlns:p14="http://schemas.microsoft.com/office/powerpoint/2010/main" val="2891535500"/>
+      </p:ext>
+    </p:extLst>
+  </p:cSld>
+  <p:clrMapOvr>
+    <a:masterClrMapping/>
+  </p:clrMapOvr>
+</p:sld>
+</file>
+
+<file path=ppt/slides/slide114.xml><?xml version="1.0" encoding="utf-8"?>
+<p:sld xmlns:a="http://schemas.openxmlformats.org/drawingml/2006/main" xmlns:r="http://schemas.openxmlformats.org/officeDocument/2006/relationships" xmlns:p="http://schemas.openxmlformats.org/presentationml/2006/main">
+  <p:cSld>
+    <p:spTree>
+      <p:nvGrpSpPr>
+        <p:cNvPr id="1" name=""/>
+        <p:cNvGrpSpPr/>
+        <p:nvPr/>
+      </p:nvGrpSpPr>
+      <p:grpSpPr>
+        <a:xfrm>
+          <a:off x="0" y="0"/>
+          <a:ext cx="0" cy="0"/>
+          <a:chOff x="0" y="0"/>
+          <a:chExt cx="0" cy="0"/>
+        </a:xfrm>
+      </p:grpSpPr>
+      <p:sp>
+        <p:nvSpPr>
+          <p:cNvPr id="2" name="Title 1">
+            <a:extLst>
+              <a:ext uri="{FF2B5EF4-FFF2-40B4-BE49-F238E27FC236}">
+                <a16:creationId xmlns:a16="http://schemas.microsoft.com/office/drawing/2014/main" id="{23648BFD-9DB7-B05A-49F7-3B12D1F711AE}"/>
+              </a:ext>
+            </a:extLst>
+          </p:cNvPr>
+          <p:cNvSpPr>
+            <a:spLocks noGrp="1"/>
+          </p:cNvSpPr>
+          <p:nvPr>
+            <p:ph type="title"/>
+          </p:nvPr>
+        </p:nvSpPr>
+        <p:spPr/>
+        <p:txBody>
+          <a:bodyPr/>
+          <a:lstStyle/>
+          <a:p>
+            <a:r>
+              <a:rPr lang="en-US" dirty="0" err="1"/>
+              <a:t>kaggle</a:t>
+            </a:r>
+            <a:endParaRPr lang="en-NL" dirty="0"/>
+          </a:p>
+        </p:txBody>
+      </p:sp>
+      <p:sp>
+        <p:nvSpPr>
+          <p:cNvPr id="3" name="Content Placeholder 2">
+            <a:extLst>
+              <a:ext uri="{FF2B5EF4-FFF2-40B4-BE49-F238E27FC236}">
+                <a16:creationId xmlns:a16="http://schemas.microsoft.com/office/drawing/2014/main" id="{C9D6EC76-D1A9-C08D-B39B-BD74A97CCE82}"/>
+              </a:ext>
+            </a:extLst>
+          </p:cNvPr>
+          <p:cNvSpPr>
+            <a:spLocks noGrp="1"/>
+          </p:cNvSpPr>
+          <p:nvPr>
+            <p:ph idx="1"/>
+          </p:nvPr>
+        </p:nvSpPr>
+        <p:spPr/>
+        <p:txBody>
+          <a:bodyPr/>
+          <a:lstStyle/>
+          <a:p>
+            <a:r>
+              <a:rPr lang="nl-NL" dirty="0"/>
+              <a:t>Significant Earthquakes, 1965-2016</a:t>
+            </a:r>
+          </a:p>
+          <a:p>
+            <a:r>
+              <a:rPr lang="nl-NL" dirty="0">
+                <a:hlinkClick r:id="rId2"/>
+              </a:rPr>
+              <a:t>https://www.kaggle.com/datasets/usgs/earthquake-database</a:t>
+            </a:r>
+            <a:endParaRPr lang="nl-NL" dirty="0"/>
+          </a:p>
+          <a:p>
+            <a:endParaRPr lang="en-NL" dirty="0"/>
+          </a:p>
+        </p:txBody>
+      </p:sp>
+    </p:spTree>
+    <p:extLst>
+      <p:ext uri="{BB962C8B-B14F-4D97-AF65-F5344CB8AC3E}">
+        <p14:creationId xmlns:p14="http://schemas.microsoft.com/office/powerpoint/2010/main" val="1977939776"/>
+      </p:ext>
+    </p:extLst>
+  </p:cSld>
+  <p:clrMapOvr>
+    <a:masterClrMapping/>
+  </p:clrMapOvr>
+</p:sld>
+</file>
+
+<file path=ppt/slides/slide115.xml><?xml version="1.0" encoding="utf-8"?>
+<p:sld xmlns:a="http://schemas.openxmlformats.org/drawingml/2006/main" xmlns:r="http://schemas.openxmlformats.org/officeDocument/2006/relationships" xmlns:p="http://schemas.openxmlformats.org/presentationml/2006/main">
+  <p:cSld>
+    <p:spTree>
+      <p:nvGrpSpPr>
+        <p:cNvPr id="1" name=""/>
+        <p:cNvGrpSpPr/>
+        <p:nvPr/>
+      </p:nvGrpSpPr>
+      <p:grpSpPr>
+        <a:xfrm>
+          <a:off x="0" y="0"/>
+          <a:ext cx="0" cy="0"/>
+          <a:chOff x="0" y="0"/>
+          <a:chExt cx="0" cy="0"/>
+        </a:xfrm>
+      </p:grpSpPr>
+      <p:sp>
+        <p:nvSpPr>
+          <p:cNvPr id="2" name="Title 1">
+            <a:extLst>
+              <a:ext uri="{FF2B5EF4-FFF2-40B4-BE49-F238E27FC236}">
+                <a16:creationId xmlns:a16="http://schemas.microsoft.com/office/drawing/2014/main" id="{BE493779-3194-9934-3645-B24D6B788654}"/>
+              </a:ext>
+            </a:extLst>
+          </p:cNvPr>
+          <p:cNvSpPr>
+            <a:spLocks noGrp="1"/>
+          </p:cNvSpPr>
+          <p:nvPr>
+            <p:ph type="title"/>
+          </p:nvPr>
+        </p:nvSpPr>
+        <p:spPr/>
+        <p:txBody>
+          <a:bodyPr/>
+          <a:lstStyle/>
+          <a:p>
+            <a:r>
+              <a:rPr lang="en-US" dirty="0"/>
+              <a:t>Google Geocoding</a:t>
+            </a:r>
+            <a:endParaRPr lang="en-NL" dirty="0"/>
+          </a:p>
+        </p:txBody>
+      </p:sp>
+      <p:sp>
+        <p:nvSpPr>
+          <p:cNvPr id="3" name="Content Placeholder 2">
+            <a:extLst>
+              <a:ext uri="{FF2B5EF4-FFF2-40B4-BE49-F238E27FC236}">
+                <a16:creationId xmlns:a16="http://schemas.microsoft.com/office/drawing/2014/main" id="{F895D908-60C3-D0E5-34F1-BC68EA64EB55}"/>
+              </a:ext>
+            </a:extLst>
+          </p:cNvPr>
+          <p:cNvSpPr>
+            <a:spLocks noGrp="1"/>
+          </p:cNvSpPr>
+          <p:nvPr>
+            <p:ph idx="1"/>
+          </p:nvPr>
+        </p:nvSpPr>
+        <p:spPr/>
+        <p:txBody>
+          <a:bodyPr/>
+          <a:lstStyle/>
+          <a:p>
+            <a:r>
+              <a:rPr lang="nl-NL" dirty="0">
+                <a:hlinkClick r:id="rId2"/>
+              </a:rPr>
+              <a:t>https://developers.google.com/maps/documentation/geocoding/get-api-key#console</a:t>
+            </a:r>
+            <a:endParaRPr lang="nl-NL" dirty="0"/>
+          </a:p>
+          <a:p>
+            <a:endParaRPr lang="nl-NL" dirty="0"/>
+          </a:p>
+          <a:p>
+            <a:r>
+              <a:rPr lang="nl-NL" dirty="0">
+                <a:hlinkClick r:id="rId3"/>
+              </a:rPr>
+              <a:t>https://www.geonames.org/</a:t>
+            </a:r>
+            <a:endParaRPr lang="nl-NL" dirty="0"/>
+          </a:p>
+          <a:p>
+            <a:r>
+              <a:rPr lang="nl-NL" dirty="0">
+                <a:hlinkClick r:id="rId4"/>
+              </a:rPr>
+              <a:t>http://api.geonames.org/countryCodeJSON?lat=49.03&amp;lng=10.2&amp;username=pbtraining</a:t>
+            </a:r>
+            <a:endParaRPr lang="nl-NL" dirty="0"/>
+          </a:p>
+          <a:p>
+            <a:endParaRPr lang="nl-NL" dirty="0"/>
+          </a:p>
+          <a:p>
+            <a:endParaRPr lang="en-NL" dirty="0"/>
+          </a:p>
+        </p:txBody>
+      </p:sp>
+    </p:spTree>
+    <p:extLst>
+      <p:ext uri="{BB962C8B-B14F-4D97-AF65-F5344CB8AC3E}">
+        <p14:creationId xmlns:p14="http://schemas.microsoft.com/office/powerpoint/2010/main" val="48275022"/>
+      </p:ext>
+    </p:extLst>
+  </p:cSld>
+  <p:clrMapOvr>
+    <a:masterClrMapping/>
+  </p:clrMapOvr>
+</p:sld>
+</file>
+
+<file path=ppt/slides/slide116.xml><?xml version="1.0" encoding="utf-8"?>
+<p:sld xmlns:a="http://schemas.openxmlformats.org/drawingml/2006/main" xmlns:r="http://schemas.openxmlformats.org/officeDocument/2006/relationships" xmlns:p="http://schemas.openxmlformats.org/presentationml/2006/main">
+  <p:cSld>
+    <p:spTree>
+      <p:nvGrpSpPr>
+        <p:cNvPr id="1" name=""/>
+        <p:cNvGrpSpPr/>
+        <p:nvPr/>
+      </p:nvGrpSpPr>
+      <p:grpSpPr>
+        <a:xfrm>
+          <a:off x="0" y="0"/>
+          <a:ext cx="0" cy="0"/>
+          <a:chOff x="0" y="0"/>
+          <a:chExt cx="0" cy="0"/>
+        </a:xfrm>
+      </p:grpSpPr>
+      <p:sp>
+        <p:nvSpPr>
+          <p:cNvPr id="2" name="Title 1">
+            <a:extLst>
+              <a:ext uri="{FF2B5EF4-FFF2-40B4-BE49-F238E27FC236}">
+                <a16:creationId xmlns:a16="http://schemas.microsoft.com/office/drawing/2014/main" id="{75F039BD-C1AD-85AC-E1FC-88E4F4ABA556}"/>
+              </a:ext>
+            </a:extLst>
+          </p:cNvPr>
+          <p:cNvSpPr>
+            <a:spLocks noGrp="1"/>
+          </p:cNvSpPr>
+          <p:nvPr>
+            <p:ph type="title"/>
+          </p:nvPr>
+        </p:nvSpPr>
+        <p:spPr/>
+        <p:txBody>
+          <a:bodyPr/>
+          <a:lstStyle/>
+          <a:p>
+            <a:r>
+              <a:rPr lang="en-US"/>
+              <a:t>regexp</a:t>
+            </a:r>
+            <a:endParaRPr lang="en-NL"/>
+          </a:p>
+        </p:txBody>
+      </p:sp>
+      <p:sp>
+        <p:nvSpPr>
+          <p:cNvPr id="3" name="Content Placeholder 2">
+            <a:extLst>
+              <a:ext uri="{FF2B5EF4-FFF2-40B4-BE49-F238E27FC236}">
+                <a16:creationId xmlns:a16="http://schemas.microsoft.com/office/drawing/2014/main" id="{F5453D03-7B60-ECBA-0AB5-82926865E9B5}"/>
+              </a:ext>
+            </a:extLst>
+          </p:cNvPr>
+          <p:cNvSpPr>
+            <a:spLocks noGrp="1"/>
+          </p:cNvSpPr>
+          <p:nvPr>
+            <p:ph idx="1"/>
+          </p:nvPr>
+        </p:nvSpPr>
+        <p:spPr/>
+        <p:txBody>
+          <a:bodyPr/>
+          <a:lstStyle/>
+          <a:p>
+            <a:endParaRPr lang="en-NL"/>
+          </a:p>
+        </p:txBody>
+      </p:sp>
+    </p:spTree>
+    <p:extLst>
+      <p:ext uri="{BB962C8B-B14F-4D97-AF65-F5344CB8AC3E}">
+        <p14:creationId xmlns:p14="http://schemas.microsoft.com/office/powerpoint/2010/main" val="903289176"/>
+      </p:ext>
+    </p:extLst>
+  </p:cSld>
+  <p:clrMapOvr>
+    <a:masterClrMapping/>
+  </p:clrMapOvr>
+</p:sld>
+</file>
+
+<file path=ppt/slides/slide117.xml><?xml version="1.0" encoding="utf-8"?>
+<p:sld xmlns:a="http://schemas.openxmlformats.org/drawingml/2006/main" xmlns:r="http://schemas.openxmlformats.org/officeDocument/2006/relationships" xmlns:p="http://schemas.openxmlformats.org/presentationml/2006/main">
+  <p:cSld>
+    <p:spTree>
+      <p:nvGrpSpPr>
+        <p:cNvPr id="1" name=""/>
+        <p:cNvGrpSpPr/>
+        <p:nvPr/>
+      </p:nvGrpSpPr>
+      <p:grpSpPr>
+        <a:xfrm>
+          <a:off x="0" y="0"/>
+          <a:ext cx="0" cy="0"/>
+          <a:chOff x="0" y="0"/>
+          <a:chExt cx="0" cy="0"/>
+        </a:xfrm>
+      </p:grpSpPr>
+      <p:sp>
+        <p:nvSpPr>
+          <p:cNvPr id="2" name="Title 1">
+            <a:extLst>
+              <a:ext uri="{FF2B5EF4-FFF2-40B4-BE49-F238E27FC236}">
+                <a16:creationId xmlns:a16="http://schemas.microsoft.com/office/drawing/2014/main" id="{46DF37D7-34C3-3347-D735-25D78F9178EE}"/>
+              </a:ext>
+            </a:extLst>
+          </p:cNvPr>
+          <p:cNvSpPr>
+            <a:spLocks noGrp="1"/>
+          </p:cNvSpPr>
+          <p:nvPr>
+            <p:ph type="title"/>
+          </p:nvPr>
+        </p:nvSpPr>
+        <p:spPr/>
+        <p:txBody>
+          <a:bodyPr/>
+          <a:lstStyle/>
+          <a:p>
+            <a:endParaRPr lang="en-NL" dirty="0"/>
+          </a:p>
+        </p:txBody>
+      </p:sp>
+      <p:sp>
+        <p:nvSpPr>
+          <p:cNvPr id="3" name="Content Placeholder 2">
+            <a:extLst>
+              <a:ext uri="{FF2B5EF4-FFF2-40B4-BE49-F238E27FC236}">
+                <a16:creationId xmlns:a16="http://schemas.microsoft.com/office/drawing/2014/main" id="{48F3A2FF-E38B-98FF-2C15-CA649F5643E2}"/>
+              </a:ext>
+            </a:extLst>
+          </p:cNvPr>
+          <p:cNvSpPr>
+            <a:spLocks noGrp="1"/>
+          </p:cNvSpPr>
+          <p:nvPr>
+            <p:ph idx="1"/>
+          </p:nvPr>
+        </p:nvSpPr>
+        <p:spPr/>
+        <p:txBody>
+          <a:bodyPr/>
+          <a:lstStyle/>
+          <a:p>
+            <a:endParaRPr lang="en-NL"/>
+          </a:p>
+        </p:txBody>
+      </p:sp>
+    </p:spTree>
+    <p:extLst>
+      <p:ext uri="{BB962C8B-B14F-4D97-AF65-F5344CB8AC3E}">
+        <p14:creationId xmlns:p14="http://schemas.microsoft.com/office/powerpoint/2010/main" val="1717171414"/>
+      </p:ext>
+    </p:extLst>
+  </p:cSld>
+  <p:clrMapOvr>
+    <a:masterClrMapping/>
+  </p:clrMapOvr>
+</p:sld>
+</file>
+
+<file path=ppt/slides/slide118.xml><?xml version="1.0" encoding="utf-8"?>
+<p:sld xmlns:a="http://schemas.openxmlformats.org/drawingml/2006/main" xmlns:r="http://schemas.openxmlformats.org/officeDocument/2006/relationships" xmlns:p="http://schemas.openxmlformats.org/presentationml/2006/main">
+  <p:cSld>
+    <p:spTree>
+      <p:nvGrpSpPr>
+        <p:cNvPr id="1" name=""/>
+        <p:cNvGrpSpPr/>
+        <p:nvPr/>
+      </p:nvGrpSpPr>
+      <p:grpSpPr>
+        <a:xfrm>
+          <a:off x="0" y="0"/>
+          <a:ext cx="0" cy="0"/>
+          <a:chOff x="0" y="0"/>
+          <a:chExt cx="0" cy="0"/>
+        </a:xfrm>
+      </p:grpSpPr>
+      <p:sp>
+        <p:nvSpPr>
+          <p:cNvPr id="2" name="Title 1">
+            <a:extLst>
+              <a:ext uri="{FF2B5EF4-FFF2-40B4-BE49-F238E27FC236}">
+                <a16:creationId xmlns:a16="http://schemas.microsoft.com/office/drawing/2014/main" id="{99BCF096-BA1A-788D-5CAB-4E07708449F7}"/>
+              </a:ext>
+            </a:extLst>
+          </p:cNvPr>
+          <p:cNvSpPr>
+            <a:spLocks noGrp="1"/>
+          </p:cNvSpPr>
+          <p:nvPr>
+            <p:ph type="title"/>
+          </p:nvPr>
+        </p:nvSpPr>
+        <p:spPr/>
+        <p:txBody>
+          <a:bodyPr/>
+          <a:lstStyle/>
+          <a:p>
+            <a:endParaRPr lang="en-NL"/>
+          </a:p>
+        </p:txBody>
+      </p:sp>
+      <p:sp>
+        <p:nvSpPr>
+          <p:cNvPr id="3" name="Content Placeholder 2">
+            <a:extLst>
+              <a:ext uri="{FF2B5EF4-FFF2-40B4-BE49-F238E27FC236}">
+                <a16:creationId xmlns:a16="http://schemas.microsoft.com/office/drawing/2014/main" id="{0C4F89CA-60A3-D6DF-1685-168F6AD3DC8C}"/>
+              </a:ext>
+            </a:extLst>
+          </p:cNvPr>
+          <p:cNvSpPr>
+            <a:spLocks noGrp="1"/>
+          </p:cNvSpPr>
+          <p:nvPr>
+            <p:ph idx="1"/>
+          </p:nvPr>
+        </p:nvSpPr>
+        <p:spPr/>
+        <p:txBody>
+          <a:bodyPr/>
+          <a:lstStyle/>
+          <a:p>
+            <a:endParaRPr lang="en-NL"/>
+          </a:p>
+        </p:txBody>
+      </p:sp>
+    </p:spTree>
+    <p:extLst>
+      <p:ext uri="{BB962C8B-B14F-4D97-AF65-F5344CB8AC3E}">
+        <p14:creationId xmlns:p14="http://schemas.microsoft.com/office/powerpoint/2010/main" val="3110064832"/>
+      </p:ext>
+    </p:extLst>
+  </p:cSld>
+  <p:clrMapOvr>
+    <a:masterClrMapping/>
+  </p:clrMapOvr>
+</p:sld>
+</file>
+
+<file path=ppt/slides/slide119.xml><?xml version="1.0" encoding="utf-8"?>
+<p:sld xmlns:a="http://schemas.openxmlformats.org/drawingml/2006/main" xmlns:r="http://schemas.openxmlformats.org/officeDocument/2006/relationships" xmlns:p="http://schemas.openxmlformats.org/presentationml/2006/main">
+  <p:cSld>
+    <p:spTree>
+      <p:nvGrpSpPr>
+        <p:cNvPr id="1" name=""/>
+        <p:cNvGrpSpPr/>
+        <p:nvPr/>
+      </p:nvGrpSpPr>
+      <p:grpSpPr>
+        <a:xfrm>
+          <a:off x="0" y="0"/>
+          <a:ext cx="0" cy="0"/>
+          <a:chOff x="0" y="0"/>
+          <a:chExt cx="0" cy="0"/>
+        </a:xfrm>
+      </p:grpSpPr>
+      <p:sp>
+        <p:nvSpPr>
+          <p:cNvPr id="2" name="Title 1">
+            <a:extLst>
+              <a:ext uri="{FF2B5EF4-FFF2-40B4-BE49-F238E27FC236}">
+                <a16:creationId xmlns:a16="http://schemas.microsoft.com/office/drawing/2014/main" id="{770E2E00-55B5-EF0C-A83B-1B5B37049A3D}"/>
+              </a:ext>
+            </a:extLst>
+          </p:cNvPr>
+          <p:cNvSpPr>
+            <a:spLocks noGrp="1"/>
+          </p:cNvSpPr>
+          <p:nvPr>
+            <p:ph type="title"/>
+          </p:nvPr>
+        </p:nvSpPr>
+        <p:spPr/>
+        <p:txBody>
+          <a:bodyPr/>
+          <a:lstStyle/>
+          <a:p>
+            <a:endParaRPr lang="en-NL"/>
+          </a:p>
+        </p:txBody>
+      </p:sp>
+      <p:sp>
+        <p:nvSpPr>
+          <p:cNvPr id="3" name="Content Placeholder 2">
+            <a:extLst>
+              <a:ext uri="{FF2B5EF4-FFF2-40B4-BE49-F238E27FC236}">
+                <a16:creationId xmlns:a16="http://schemas.microsoft.com/office/drawing/2014/main" id="{C4CE087F-AB4E-C68C-FAA6-E8D0FB632680}"/>
+              </a:ext>
+            </a:extLst>
+          </p:cNvPr>
+          <p:cNvSpPr>
+            <a:spLocks noGrp="1"/>
+          </p:cNvSpPr>
+          <p:nvPr>
+            <p:ph idx="1"/>
+          </p:nvPr>
+        </p:nvSpPr>
+        <p:spPr/>
+        <p:txBody>
+          <a:bodyPr/>
+          <a:lstStyle/>
+          <a:p>
+            <a:endParaRPr lang="en-NL"/>
+          </a:p>
+        </p:txBody>
+      </p:sp>
+    </p:spTree>
+    <p:extLst>
+      <p:ext uri="{BB962C8B-B14F-4D97-AF65-F5344CB8AC3E}">
+        <p14:creationId xmlns:p14="http://schemas.microsoft.com/office/powerpoint/2010/main" val="1945899169"/>
       </p:ext>
     </p:extLst>
   </p:cSld>
@@ -35802,6 +38962,1317 @@
 </p:sld>
 </file>
 
+<file path=ppt/slides/slide82.xml><?xml version="1.0" encoding="utf-8"?>
+<p:sld xmlns:a="http://schemas.openxmlformats.org/drawingml/2006/main" xmlns:r="http://schemas.openxmlformats.org/officeDocument/2006/relationships" xmlns:p="http://schemas.openxmlformats.org/presentationml/2006/main">
+  <p:cSld>
+    <p:spTree>
+      <p:nvGrpSpPr>
+        <p:cNvPr id="1" name=""/>
+        <p:cNvGrpSpPr/>
+        <p:nvPr/>
+      </p:nvGrpSpPr>
+      <p:grpSpPr>
+        <a:xfrm>
+          <a:off x="0" y="0"/>
+          <a:ext cx="0" cy="0"/>
+          <a:chOff x="0" y="0"/>
+          <a:chExt cx="0" cy="0"/>
+        </a:xfrm>
+      </p:grpSpPr>
+      <p:sp>
+        <p:nvSpPr>
+          <p:cNvPr id="2" name="Title 1">
+            <a:extLst>
+              <a:ext uri="{FF2B5EF4-FFF2-40B4-BE49-F238E27FC236}">
+                <a16:creationId xmlns:a16="http://schemas.microsoft.com/office/drawing/2014/main" id="{264F475B-492A-A089-51C3-8DF3EC8B3A24}"/>
+              </a:ext>
+            </a:extLst>
+          </p:cNvPr>
+          <p:cNvSpPr>
+            <a:spLocks noGrp="1"/>
+          </p:cNvSpPr>
+          <p:nvPr>
+            <p:ph type="title"/>
+          </p:nvPr>
+        </p:nvSpPr>
+        <p:spPr/>
+        <p:txBody>
+          <a:bodyPr/>
+          <a:lstStyle/>
+          <a:p>
+            <a:r>
+              <a:rPr lang="en-US" dirty="0" err="1"/>
+              <a:t>Jupyter</a:t>
+            </a:r>
+            <a:r>
+              <a:rPr lang="en-US" dirty="0"/>
+              <a:t> Notebooks in VS Code</a:t>
+            </a:r>
+            <a:endParaRPr lang="en-NL" dirty="0"/>
+          </a:p>
+        </p:txBody>
+      </p:sp>
+      <p:sp>
+        <p:nvSpPr>
+          <p:cNvPr id="3" name="Content Placeholder 2">
+            <a:extLst>
+              <a:ext uri="{FF2B5EF4-FFF2-40B4-BE49-F238E27FC236}">
+                <a16:creationId xmlns:a16="http://schemas.microsoft.com/office/drawing/2014/main" id="{3D086E2A-0A8A-9580-46EC-997EA5A2B892}"/>
+              </a:ext>
+            </a:extLst>
+          </p:cNvPr>
+          <p:cNvSpPr>
+            <a:spLocks noGrp="1"/>
+          </p:cNvSpPr>
+          <p:nvPr>
+            <p:ph idx="1"/>
+          </p:nvPr>
+        </p:nvSpPr>
+        <p:spPr/>
+        <p:txBody>
+          <a:bodyPr>
+            <a:normAutofit/>
+          </a:bodyPr>
+          <a:lstStyle/>
+          <a:p>
+            <a:r>
+              <a:rPr lang="en-US" dirty="0" err="1"/>
+              <a:t>Jupyter</a:t>
+            </a:r>
+            <a:r>
+              <a:rPr lang="en-US" dirty="0"/>
+              <a:t> (formerly </a:t>
+            </a:r>
+            <a:r>
+              <a:rPr lang="en-US" dirty="0" err="1"/>
+              <a:t>IPython</a:t>
+            </a:r>
+            <a:r>
+              <a:rPr lang="en-US" dirty="0"/>
+              <a:t> Notebook) is an open-source project that lets you easily combine Markdown text and executable Python source code on one canvas called a notebook. Visual Studio Code supports working with </a:t>
+            </a:r>
+            <a:r>
+              <a:rPr lang="en-US" dirty="0" err="1"/>
+              <a:t>Jupyter</a:t>
+            </a:r>
+            <a:r>
+              <a:rPr lang="en-US" dirty="0"/>
+              <a:t> Notebooks natively, and through Python code files. This topic covers the native support available for </a:t>
+            </a:r>
+            <a:r>
+              <a:rPr lang="en-US" dirty="0" err="1"/>
+              <a:t>Jupyter</a:t>
+            </a:r>
+            <a:r>
+              <a:rPr lang="en-US" dirty="0"/>
+              <a:t> Notebooks and demonstrates how to:</a:t>
+            </a:r>
+          </a:p>
+          <a:p>
+            <a:endParaRPr lang="en-US" dirty="0"/>
+          </a:p>
+          <a:p>
+            <a:pPr lvl="1"/>
+            <a:r>
+              <a:rPr lang="en-US" dirty="0"/>
+              <a:t>Create, open, and save </a:t>
+            </a:r>
+            <a:r>
+              <a:rPr lang="en-US" dirty="0" err="1"/>
+              <a:t>Jupyter</a:t>
+            </a:r>
+            <a:r>
+              <a:rPr lang="en-US" dirty="0"/>
+              <a:t> Notebooks</a:t>
+            </a:r>
+          </a:p>
+          <a:p>
+            <a:pPr lvl="1"/>
+            <a:r>
+              <a:rPr lang="en-US" dirty="0"/>
+              <a:t>Work with </a:t>
+            </a:r>
+            <a:r>
+              <a:rPr lang="en-US" dirty="0" err="1"/>
+              <a:t>Jupyter</a:t>
+            </a:r>
+            <a:r>
+              <a:rPr lang="en-US" dirty="0"/>
+              <a:t> code cells</a:t>
+            </a:r>
+          </a:p>
+          <a:p>
+            <a:pPr lvl="1"/>
+            <a:r>
+              <a:rPr lang="en-US" dirty="0"/>
+              <a:t>View, inspect, and filter variables using the Variable Explorer and Data Viewer</a:t>
+            </a:r>
+          </a:p>
+          <a:p>
+            <a:pPr lvl="1"/>
+            <a:r>
+              <a:rPr lang="en-US" dirty="0"/>
+              <a:t>Connect to a remote </a:t>
+            </a:r>
+            <a:r>
+              <a:rPr lang="en-US" dirty="0" err="1"/>
+              <a:t>Jupyter</a:t>
+            </a:r>
+            <a:r>
+              <a:rPr lang="en-US" dirty="0"/>
+              <a:t> server</a:t>
+            </a:r>
+          </a:p>
+          <a:p>
+            <a:pPr lvl="1"/>
+            <a:r>
+              <a:rPr lang="en-US" dirty="0"/>
+              <a:t>Debug a </a:t>
+            </a:r>
+            <a:r>
+              <a:rPr lang="en-US" dirty="0" err="1"/>
+              <a:t>Jupyter</a:t>
+            </a:r>
+            <a:r>
+              <a:rPr lang="en-US" dirty="0"/>
+              <a:t> Notebook</a:t>
+            </a:r>
+            <a:endParaRPr lang="en-NL" dirty="0"/>
+          </a:p>
+        </p:txBody>
+      </p:sp>
+    </p:spTree>
+    <p:extLst>
+      <p:ext uri="{BB962C8B-B14F-4D97-AF65-F5344CB8AC3E}">
+        <p14:creationId xmlns:p14="http://schemas.microsoft.com/office/powerpoint/2010/main" val="870722643"/>
+      </p:ext>
+    </p:extLst>
+  </p:cSld>
+  <p:clrMapOvr>
+    <a:masterClrMapping/>
+  </p:clrMapOvr>
+</p:sld>
+</file>
+
+<file path=ppt/slides/slide83.xml><?xml version="1.0" encoding="utf-8"?>
+<p:sld xmlns:a="http://schemas.openxmlformats.org/drawingml/2006/main" xmlns:r="http://schemas.openxmlformats.org/officeDocument/2006/relationships" xmlns:p="http://schemas.openxmlformats.org/presentationml/2006/main">
+  <p:cSld>
+    <p:spTree>
+      <p:nvGrpSpPr>
+        <p:cNvPr id="1" name=""/>
+        <p:cNvGrpSpPr/>
+        <p:nvPr/>
+      </p:nvGrpSpPr>
+      <p:grpSpPr>
+        <a:xfrm>
+          <a:off x="0" y="0"/>
+          <a:ext cx="0" cy="0"/>
+          <a:chOff x="0" y="0"/>
+          <a:chExt cx="0" cy="0"/>
+        </a:xfrm>
+      </p:grpSpPr>
+      <p:sp>
+        <p:nvSpPr>
+          <p:cNvPr id="2" name="Title 1">
+            <a:extLst>
+              <a:ext uri="{FF2B5EF4-FFF2-40B4-BE49-F238E27FC236}">
+                <a16:creationId xmlns:a16="http://schemas.microsoft.com/office/drawing/2014/main" id="{F8EFC2C6-F92F-EA01-7293-68935184F146}"/>
+              </a:ext>
+            </a:extLst>
+          </p:cNvPr>
+          <p:cNvSpPr>
+            <a:spLocks noGrp="1"/>
+          </p:cNvSpPr>
+          <p:nvPr>
+            <p:ph type="title"/>
+          </p:nvPr>
+        </p:nvSpPr>
+        <p:spPr/>
+        <p:txBody>
+          <a:bodyPr/>
+          <a:lstStyle/>
+          <a:p>
+            <a:r>
+              <a:rPr lang="nl-NL" dirty="0"/>
+              <a:t>Setting up your environment</a:t>
+            </a:r>
+            <a:endParaRPr lang="en-NL" dirty="0"/>
+          </a:p>
+        </p:txBody>
+      </p:sp>
+      <p:sp>
+        <p:nvSpPr>
+          <p:cNvPr id="3" name="Content Placeholder 2">
+            <a:extLst>
+              <a:ext uri="{FF2B5EF4-FFF2-40B4-BE49-F238E27FC236}">
+                <a16:creationId xmlns:a16="http://schemas.microsoft.com/office/drawing/2014/main" id="{9C64BE10-1229-2E4B-E4A6-76983B6651FF}"/>
+              </a:ext>
+            </a:extLst>
+          </p:cNvPr>
+          <p:cNvSpPr>
+            <a:spLocks noGrp="1"/>
+          </p:cNvSpPr>
+          <p:nvPr>
+            <p:ph idx="1"/>
+          </p:nvPr>
+        </p:nvSpPr>
+        <p:spPr/>
+        <p:txBody>
+          <a:bodyPr/>
+          <a:lstStyle/>
+          <a:p>
+            <a:r>
+              <a:rPr lang="en-US" dirty="0"/>
+              <a:t>To work with Python in </a:t>
+            </a:r>
+            <a:r>
+              <a:rPr lang="en-US" dirty="0" err="1"/>
+              <a:t>Jupyter</a:t>
+            </a:r>
+            <a:r>
+              <a:rPr lang="en-US" dirty="0"/>
+              <a:t> Notebooks, you must activate an Anaconda environment in VS Code, or another Python environment in which you've installed the </a:t>
+            </a:r>
+            <a:r>
+              <a:rPr lang="en-US" dirty="0" err="1"/>
+              <a:t>Jupyter</a:t>
+            </a:r>
+            <a:r>
+              <a:rPr lang="en-US" dirty="0"/>
+              <a:t> package. To select an environment, use the Python: Select Interpreter command from the Command Palette (</a:t>
+            </a:r>
+            <a:r>
+              <a:rPr lang="en-US" dirty="0" err="1"/>
+              <a:t>Ctrl+Shift+P</a:t>
+            </a:r>
+            <a:r>
+              <a:rPr lang="en-US" dirty="0"/>
+              <a:t>).</a:t>
+            </a:r>
+          </a:p>
+          <a:p>
+            <a:r>
+              <a:rPr lang="en-US" dirty="0"/>
+              <a:t>Once the appropriate environment is activated, you can create and open a </a:t>
+            </a:r>
+            <a:r>
+              <a:rPr lang="en-US" dirty="0" err="1"/>
+              <a:t>Jupyter</a:t>
+            </a:r>
+            <a:r>
+              <a:rPr lang="en-US" dirty="0"/>
+              <a:t> Notebook, connect to a remote </a:t>
+            </a:r>
+            <a:r>
+              <a:rPr lang="en-US" dirty="0" err="1"/>
+              <a:t>Jupyter</a:t>
+            </a:r>
+            <a:r>
+              <a:rPr lang="en-US" dirty="0"/>
+              <a:t> server for running code cells, and export a </a:t>
+            </a:r>
+            <a:r>
+              <a:rPr lang="en-US" dirty="0" err="1"/>
+              <a:t>Jupyter</a:t>
+            </a:r>
+            <a:r>
+              <a:rPr lang="en-US" dirty="0"/>
+              <a:t> Notebook as a Python file.</a:t>
+            </a:r>
+            <a:endParaRPr lang="en-NL" dirty="0"/>
+          </a:p>
+        </p:txBody>
+      </p:sp>
+    </p:spTree>
+    <p:extLst>
+      <p:ext uri="{BB962C8B-B14F-4D97-AF65-F5344CB8AC3E}">
+        <p14:creationId xmlns:p14="http://schemas.microsoft.com/office/powerpoint/2010/main" val="2061461483"/>
+      </p:ext>
+    </p:extLst>
+  </p:cSld>
+  <p:clrMapOvr>
+    <a:masterClrMapping/>
+  </p:clrMapOvr>
+</p:sld>
+</file>
+
+<file path=ppt/slides/slide84.xml><?xml version="1.0" encoding="utf-8"?>
+<p:sld xmlns:a="http://schemas.openxmlformats.org/drawingml/2006/main" xmlns:r="http://schemas.openxmlformats.org/officeDocument/2006/relationships" xmlns:p="http://schemas.openxmlformats.org/presentationml/2006/main">
+  <p:cSld>
+    <p:spTree>
+      <p:nvGrpSpPr>
+        <p:cNvPr id="1" name=""/>
+        <p:cNvGrpSpPr/>
+        <p:nvPr/>
+      </p:nvGrpSpPr>
+      <p:grpSpPr>
+        <a:xfrm>
+          <a:off x="0" y="0"/>
+          <a:ext cx="0" cy="0"/>
+          <a:chOff x="0" y="0"/>
+          <a:chExt cx="0" cy="0"/>
+        </a:xfrm>
+      </p:grpSpPr>
+      <p:sp>
+        <p:nvSpPr>
+          <p:cNvPr id="2" name="Title 1">
+            <a:extLst>
+              <a:ext uri="{FF2B5EF4-FFF2-40B4-BE49-F238E27FC236}">
+                <a16:creationId xmlns:a16="http://schemas.microsoft.com/office/drawing/2014/main" id="{FF47BECE-05A0-CFD4-2287-54919657F708}"/>
+              </a:ext>
+            </a:extLst>
+          </p:cNvPr>
+          <p:cNvSpPr>
+            <a:spLocks noGrp="1"/>
+          </p:cNvSpPr>
+          <p:nvPr>
+            <p:ph type="title"/>
+          </p:nvPr>
+        </p:nvSpPr>
+        <p:spPr/>
+        <p:txBody>
+          <a:bodyPr/>
+          <a:lstStyle/>
+          <a:p>
+            <a:r>
+              <a:rPr lang="en-US" dirty="0"/>
+              <a:t>Create or open a </a:t>
+            </a:r>
+            <a:r>
+              <a:rPr lang="en-US" dirty="0" err="1"/>
+              <a:t>Jupyter</a:t>
+            </a:r>
+            <a:r>
+              <a:rPr lang="en-US" dirty="0"/>
+              <a:t> Notebook</a:t>
+            </a:r>
+            <a:endParaRPr lang="en-NL" dirty="0"/>
+          </a:p>
+        </p:txBody>
+      </p:sp>
+      <p:sp>
+        <p:nvSpPr>
+          <p:cNvPr id="3" name="Content Placeholder 2">
+            <a:extLst>
+              <a:ext uri="{FF2B5EF4-FFF2-40B4-BE49-F238E27FC236}">
+                <a16:creationId xmlns:a16="http://schemas.microsoft.com/office/drawing/2014/main" id="{B85CA5A5-AB1F-8C91-C903-C9533F012FC3}"/>
+              </a:ext>
+            </a:extLst>
+          </p:cNvPr>
+          <p:cNvSpPr>
+            <a:spLocks noGrp="1"/>
+          </p:cNvSpPr>
+          <p:nvPr>
+            <p:ph idx="1"/>
+          </p:nvPr>
+        </p:nvSpPr>
+        <p:spPr/>
+        <p:txBody>
+          <a:bodyPr/>
+          <a:lstStyle/>
+          <a:p>
+            <a:r>
+              <a:rPr lang="en-US" dirty="0"/>
+              <a:t>You can create a </a:t>
+            </a:r>
+            <a:r>
+              <a:rPr lang="en-US" dirty="0" err="1"/>
+              <a:t>Jupyter</a:t>
+            </a:r>
+            <a:r>
+              <a:rPr lang="en-US" dirty="0"/>
+              <a:t> Notebook by running the Create: New </a:t>
+            </a:r>
+            <a:r>
+              <a:rPr lang="en-US" dirty="0" err="1"/>
+              <a:t>Jupyter</a:t>
+            </a:r>
+            <a:r>
+              <a:rPr lang="en-US" dirty="0"/>
+              <a:t> Notebook command from the Command Palette (</a:t>
+            </a:r>
+            <a:r>
+              <a:rPr lang="en-US" dirty="0" err="1"/>
+              <a:t>Ctrl+Shift+P</a:t>
+            </a:r>
+            <a:r>
+              <a:rPr lang="en-US" dirty="0"/>
+              <a:t>) or by creating a new .</a:t>
+            </a:r>
+            <a:r>
+              <a:rPr lang="en-US" dirty="0" err="1"/>
+              <a:t>ipynb</a:t>
+            </a:r>
+            <a:r>
+              <a:rPr lang="en-US" dirty="0"/>
+              <a:t> file in your workspace.</a:t>
+            </a:r>
+          </a:p>
+          <a:p>
+            <a:endParaRPr lang="en-US" dirty="0"/>
+          </a:p>
+          <a:p>
+            <a:endParaRPr lang="en-US" dirty="0"/>
+          </a:p>
+          <a:p>
+            <a:endParaRPr lang="en-US" dirty="0"/>
+          </a:p>
+          <a:p>
+            <a:endParaRPr lang="en-US" dirty="0"/>
+          </a:p>
+          <a:p>
+            <a:r>
+              <a:rPr lang="en-US" dirty="0"/>
+              <a:t>Next, select a kernel using the kernel picker in the top right.</a:t>
+            </a:r>
+            <a:endParaRPr lang="en-NL" dirty="0"/>
+          </a:p>
+        </p:txBody>
+      </p:sp>
+      <p:pic>
+        <p:nvPicPr>
+          <p:cNvPr id="1026" name="Picture 2" descr="Blank Jupyter Notebook">
+            <a:extLst>
+              <a:ext uri="{FF2B5EF4-FFF2-40B4-BE49-F238E27FC236}">
+                <a16:creationId xmlns:a16="http://schemas.microsoft.com/office/drawing/2014/main" id="{7F5A5D64-37CA-A108-103B-26529A6411DD}"/>
+              </a:ext>
+            </a:extLst>
+          </p:cNvPr>
+          <p:cNvPicPr>
+            <a:picLocks noChangeAspect="1" noChangeArrowheads="1"/>
+          </p:cNvPicPr>
+          <p:nvPr/>
+        </p:nvPicPr>
+        <p:blipFill>
+          <a:blip r:embed="rId2">
+            <a:extLst>
+              <a:ext uri="{28A0092B-C50C-407E-A947-70E740481C1C}">
+                <a14:useLocalDpi xmlns:a14="http://schemas.microsoft.com/office/drawing/2010/main" val="0"/>
+              </a:ext>
+            </a:extLst>
+          </a:blip>
+          <a:srcRect/>
+          <a:stretch>
+            <a:fillRect/>
+          </a:stretch>
+        </p:blipFill>
+        <p:spPr bwMode="auto">
+          <a:xfrm>
+            <a:off x="1024128" y="3429000"/>
+            <a:ext cx="9225248" cy="1627632"/>
+          </a:xfrm>
+          <a:prstGeom prst="rect">
+            <a:avLst/>
+          </a:prstGeom>
+          <a:noFill/>
+          <a:extLst>
+            <a:ext uri="{909E8E84-426E-40DD-AFC4-6F175D3DCCD1}">
+              <a14:hiddenFill xmlns:a14="http://schemas.microsoft.com/office/drawing/2010/main">
+                <a:solidFill>
+                  <a:srgbClr val="FFFFFF"/>
+                </a:solidFill>
+              </a14:hiddenFill>
+            </a:ext>
+          </a:extLst>
+        </p:spPr>
+      </p:pic>
+    </p:spTree>
+    <p:extLst>
+      <p:ext uri="{BB962C8B-B14F-4D97-AF65-F5344CB8AC3E}">
+        <p14:creationId xmlns:p14="http://schemas.microsoft.com/office/powerpoint/2010/main" val="160037465"/>
+      </p:ext>
+    </p:extLst>
+  </p:cSld>
+  <p:clrMapOvr>
+    <a:masterClrMapping/>
+  </p:clrMapOvr>
+</p:sld>
+</file>
+
+<file path=ppt/slides/slide85.xml><?xml version="1.0" encoding="utf-8"?>
+<p:sld xmlns:a="http://schemas.openxmlformats.org/drawingml/2006/main" xmlns:r="http://schemas.openxmlformats.org/officeDocument/2006/relationships" xmlns:p="http://schemas.openxmlformats.org/presentationml/2006/main">
+  <p:cSld>
+    <p:spTree>
+      <p:nvGrpSpPr>
+        <p:cNvPr id="1" name=""/>
+        <p:cNvGrpSpPr/>
+        <p:nvPr/>
+      </p:nvGrpSpPr>
+      <p:grpSpPr>
+        <a:xfrm>
+          <a:off x="0" y="0"/>
+          <a:ext cx="0" cy="0"/>
+          <a:chOff x="0" y="0"/>
+          <a:chExt cx="0" cy="0"/>
+        </a:xfrm>
+      </p:grpSpPr>
+      <p:sp>
+        <p:nvSpPr>
+          <p:cNvPr id="2" name="Title 1">
+            <a:extLst>
+              <a:ext uri="{FF2B5EF4-FFF2-40B4-BE49-F238E27FC236}">
+                <a16:creationId xmlns:a16="http://schemas.microsoft.com/office/drawing/2014/main" id="{5BB03286-F062-65C1-627E-45FF5833F318}"/>
+              </a:ext>
+            </a:extLst>
+          </p:cNvPr>
+          <p:cNvSpPr>
+            <a:spLocks noGrp="1"/>
+          </p:cNvSpPr>
+          <p:nvPr>
+            <p:ph type="title"/>
+          </p:nvPr>
+        </p:nvSpPr>
+        <p:spPr/>
+        <p:txBody>
+          <a:bodyPr/>
+          <a:lstStyle/>
+          <a:p>
+            <a:endParaRPr lang="en-NL"/>
+          </a:p>
+        </p:txBody>
+      </p:sp>
+      <p:sp>
+        <p:nvSpPr>
+          <p:cNvPr id="3" name="Content Placeholder 2">
+            <a:extLst>
+              <a:ext uri="{FF2B5EF4-FFF2-40B4-BE49-F238E27FC236}">
+                <a16:creationId xmlns:a16="http://schemas.microsoft.com/office/drawing/2014/main" id="{C01E7E12-2497-4FD1-D8E4-3609B9637835}"/>
+              </a:ext>
+            </a:extLst>
+          </p:cNvPr>
+          <p:cNvSpPr>
+            <a:spLocks noGrp="1"/>
+          </p:cNvSpPr>
+          <p:nvPr>
+            <p:ph idx="1"/>
+          </p:nvPr>
+        </p:nvSpPr>
+        <p:spPr/>
+        <p:txBody>
+          <a:bodyPr/>
+          <a:lstStyle/>
+          <a:p>
+            <a:r>
+              <a:rPr lang="en-US" dirty="0"/>
+              <a:t>After selecting a kernel, the language picker located in the bottom right of each code cell will automatically update to the language supported by the kernel.</a:t>
+            </a:r>
+          </a:p>
+          <a:p>
+            <a:endParaRPr lang="en-US" dirty="0"/>
+          </a:p>
+          <a:p>
+            <a:endParaRPr lang="en-US" dirty="0"/>
+          </a:p>
+          <a:p>
+            <a:endParaRPr lang="en-US" dirty="0"/>
+          </a:p>
+          <a:p>
+            <a:endParaRPr lang="en-US" dirty="0"/>
+          </a:p>
+          <a:p>
+            <a:r>
+              <a:rPr lang="en-US" dirty="0"/>
+              <a:t>If you have an existing </a:t>
+            </a:r>
+            <a:r>
+              <a:rPr lang="en-US" dirty="0" err="1"/>
+              <a:t>Jupyter</a:t>
+            </a:r>
+            <a:r>
+              <a:rPr lang="en-US" dirty="0"/>
+              <a:t> Notebook, you can open it by right-clicking on the file and opening with VS Code, or through the VS Code File Explorer.</a:t>
+            </a:r>
+          </a:p>
+          <a:p>
+            <a:endParaRPr lang="en-US" dirty="0"/>
+          </a:p>
+          <a:p>
+            <a:endParaRPr lang="en-US" dirty="0"/>
+          </a:p>
+          <a:p>
+            <a:endParaRPr lang="en-NL" dirty="0"/>
+          </a:p>
+        </p:txBody>
+      </p:sp>
+      <p:pic>
+        <p:nvPicPr>
+          <p:cNvPr id="2050" name="Picture 2" descr="Kernel Picker">
+            <a:extLst>
+              <a:ext uri="{FF2B5EF4-FFF2-40B4-BE49-F238E27FC236}">
+                <a16:creationId xmlns:a16="http://schemas.microsoft.com/office/drawing/2014/main" id="{43C7CC44-1B1E-14F2-1A4E-043A4D6FDD70}"/>
+              </a:ext>
+            </a:extLst>
+          </p:cNvPr>
+          <p:cNvPicPr>
+            <a:picLocks noChangeAspect="1" noChangeArrowheads="1"/>
+          </p:cNvPicPr>
+          <p:nvPr/>
+        </p:nvPicPr>
+        <p:blipFill>
+          <a:blip r:embed="rId2">
+            <a:extLst>
+              <a:ext uri="{28A0092B-C50C-407E-A947-70E740481C1C}">
+                <a14:useLocalDpi xmlns:a14="http://schemas.microsoft.com/office/drawing/2010/main" val="0"/>
+              </a:ext>
+            </a:extLst>
+          </a:blip>
+          <a:srcRect/>
+          <a:stretch>
+            <a:fillRect/>
+          </a:stretch>
+        </p:blipFill>
+        <p:spPr bwMode="auto">
+          <a:xfrm>
+            <a:off x="1024128" y="350537"/>
+            <a:ext cx="9829800" cy="1734295"/>
+          </a:xfrm>
+          <a:prstGeom prst="rect">
+            <a:avLst/>
+          </a:prstGeom>
+          <a:noFill/>
+          <a:extLst>
+            <a:ext uri="{909E8E84-426E-40DD-AFC4-6F175D3DCCD1}">
+              <a14:hiddenFill xmlns:a14="http://schemas.microsoft.com/office/drawing/2010/main">
+                <a:solidFill>
+                  <a:srgbClr val="FFFFFF"/>
+                </a:solidFill>
+              </a14:hiddenFill>
+            </a:ext>
+          </a:extLst>
+        </p:spPr>
+      </p:pic>
+      <p:pic>
+        <p:nvPicPr>
+          <p:cNvPr id="2054" name="Picture 6" descr="Language Picker">
+            <a:extLst>
+              <a:ext uri="{FF2B5EF4-FFF2-40B4-BE49-F238E27FC236}">
+                <a16:creationId xmlns:a16="http://schemas.microsoft.com/office/drawing/2014/main" id="{B4CA6911-139A-3CD5-482F-D1FD88D7EBD7}"/>
+              </a:ext>
+            </a:extLst>
+          </p:cNvPr>
+          <p:cNvPicPr>
+            <a:picLocks noChangeAspect="1" noChangeArrowheads="1"/>
+          </p:cNvPicPr>
+          <p:nvPr/>
+        </p:nvPicPr>
+        <p:blipFill>
+          <a:blip r:embed="rId3">
+            <a:extLst>
+              <a:ext uri="{28A0092B-C50C-407E-A947-70E740481C1C}">
+                <a14:useLocalDpi xmlns:a14="http://schemas.microsoft.com/office/drawing/2010/main" val="0"/>
+              </a:ext>
+            </a:extLst>
+          </a:blip>
+          <a:srcRect/>
+          <a:stretch>
+            <a:fillRect/>
+          </a:stretch>
+        </p:blipFill>
+        <p:spPr bwMode="auto">
+          <a:xfrm>
+            <a:off x="1024128" y="3232912"/>
+            <a:ext cx="9839661" cy="1393952"/>
+          </a:xfrm>
+          <a:prstGeom prst="rect">
+            <a:avLst/>
+          </a:prstGeom>
+          <a:noFill/>
+          <a:extLst>
+            <a:ext uri="{909E8E84-426E-40DD-AFC4-6F175D3DCCD1}">
+              <a14:hiddenFill xmlns:a14="http://schemas.microsoft.com/office/drawing/2010/main">
+                <a:solidFill>
+                  <a:srgbClr val="FFFFFF"/>
+                </a:solidFill>
+              </a14:hiddenFill>
+            </a:ext>
+          </a:extLst>
+        </p:spPr>
+      </p:pic>
+    </p:spTree>
+    <p:extLst>
+      <p:ext uri="{BB962C8B-B14F-4D97-AF65-F5344CB8AC3E}">
+        <p14:creationId xmlns:p14="http://schemas.microsoft.com/office/powerpoint/2010/main" val="2257208412"/>
+      </p:ext>
+    </p:extLst>
+  </p:cSld>
+  <p:clrMapOvr>
+    <a:masterClrMapping/>
+  </p:clrMapOvr>
+</p:sld>
+</file>
+
+<file path=ppt/slides/slide86.xml><?xml version="1.0" encoding="utf-8"?>
+<p:sld xmlns:a="http://schemas.openxmlformats.org/drawingml/2006/main" xmlns:r="http://schemas.openxmlformats.org/officeDocument/2006/relationships" xmlns:p="http://schemas.openxmlformats.org/presentationml/2006/main">
+  <p:cSld>
+    <p:spTree>
+      <p:nvGrpSpPr>
+        <p:cNvPr id="1" name=""/>
+        <p:cNvGrpSpPr/>
+        <p:nvPr/>
+      </p:nvGrpSpPr>
+      <p:grpSpPr>
+        <a:xfrm>
+          <a:off x="0" y="0"/>
+          <a:ext cx="0" cy="0"/>
+          <a:chOff x="0" y="0"/>
+          <a:chExt cx="0" cy="0"/>
+        </a:xfrm>
+      </p:grpSpPr>
+      <p:sp>
+        <p:nvSpPr>
+          <p:cNvPr id="2" name="Title 1">
+            <a:extLst>
+              <a:ext uri="{FF2B5EF4-FFF2-40B4-BE49-F238E27FC236}">
+                <a16:creationId xmlns:a16="http://schemas.microsoft.com/office/drawing/2014/main" id="{3F0039F2-FF40-653E-F26B-3074F8D32949}"/>
+              </a:ext>
+            </a:extLst>
+          </p:cNvPr>
+          <p:cNvSpPr>
+            <a:spLocks noGrp="1"/>
+          </p:cNvSpPr>
+          <p:nvPr>
+            <p:ph type="title"/>
+          </p:nvPr>
+        </p:nvSpPr>
+        <p:spPr/>
+        <p:txBody>
+          <a:bodyPr/>
+          <a:lstStyle/>
+          <a:p>
+            <a:r>
+              <a:rPr lang="nl-NL" dirty="0"/>
+              <a:t>Running cells</a:t>
+            </a:r>
+            <a:endParaRPr lang="en-NL" dirty="0"/>
+          </a:p>
+        </p:txBody>
+      </p:sp>
+      <p:sp>
+        <p:nvSpPr>
+          <p:cNvPr id="3" name="Content Placeholder 2">
+            <a:extLst>
+              <a:ext uri="{FF2B5EF4-FFF2-40B4-BE49-F238E27FC236}">
+                <a16:creationId xmlns:a16="http://schemas.microsoft.com/office/drawing/2014/main" id="{8675CBA7-1AC1-72F3-2E04-A9279D9E8747}"/>
+              </a:ext>
+            </a:extLst>
+          </p:cNvPr>
+          <p:cNvSpPr>
+            <a:spLocks noGrp="1"/>
+          </p:cNvSpPr>
+          <p:nvPr>
+            <p:ph idx="1"/>
+          </p:nvPr>
+        </p:nvSpPr>
+        <p:spPr/>
+        <p:txBody>
+          <a:bodyPr/>
+          <a:lstStyle/>
+          <a:p>
+            <a:r>
+              <a:rPr lang="en-US" dirty="0"/>
+              <a:t>Once you have a notebook, you can run a code cell using the Run icon to the left of the cell and the output will appear directly below the code cell.</a:t>
+            </a:r>
+          </a:p>
+          <a:p>
+            <a:r>
+              <a:rPr lang="en-US" dirty="0"/>
+              <a:t>To run code, you can also use keyboard shortcuts in both command and edit mode. To run the current cell, use </a:t>
+            </a:r>
+            <a:r>
+              <a:rPr lang="en-US" dirty="0" err="1"/>
+              <a:t>Ctrl+Enter</a:t>
+            </a:r>
+            <a:r>
+              <a:rPr lang="en-US" dirty="0"/>
+              <a:t>. To run the current cell and advance to the next, use </a:t>
+            </a:r>
+            <a:r>
+              <a:rPr lang="en-US" dirty="0" err="1"/>
+              <a:t>Shift+Enter</a:t>
+            </a:r>
+            <a:r>
+              <a:rPr lang="en-US" dirty="0"/>
+              <a:t>.</a:t>
+            </a:r>
+          </a:p>
+          <a:p>
+            <a:endParaRPr lang="en-NL" dirty="0"/>
+          </a:p>
+        </p:txBody>
+      </p:sp>
+      <p:pic>
+        <p:nvPicPr>
+          <p:cNvPr id="3074" name="Picture 2" descr="Run Jupyter code cell">
+            <a:extLst>
+              <a:ext uri="{FF2B5EF4-FFF2-40B4-BE49-F238E27FC236}">
+                <a16:creationId xmlns:a16="http://schemas.microsoft.com/office/drawing/2014/main" id="{CFA2CDAB-5C5C-2AE9-FC23-E1F88FA6CF94}"/>
+              </a:ext>
+            </a:extLst>
+          </p:cNvPr>
+          <p:cNvPicPr>
+            <a:picLocks noChangeAspect="1" noChangeArrowheads="1"/>
+          </p:cNvPicPr>
+          <p:nvPr/>
+        </p:nvPicPr>
+        <p:blipFill>
+          <a:blip r:embed="rId2">
+            <a:extLst>
+              <a:ext uri="{28A0092B-C50C-407E-A947-70E740481C1C}">
+                <a14:useLocalDpi xmlns:a14="http://schemas.microsoft.com/office/drawing/2010/main" val="0"/>
+              </a:ext>
+            </a:extLst>
+          </a:blip>
+          <a:srcRect/>
+          <a:stretch>
+            <a:fillRect/>
+          </a:stretch>
+        </p:blipFill>
+        <p:spPr bwMode="auto">
+          <a:xfrm>
+            <a:off x="1024128" y="4170998"/>
+            <a:ext cx="9720072" cy="1704810"/>
+          </a:xfrm>
+          <a:prstGeom prst="rect">
+            <a:avLst/>
+          </a:prstGeom>
+          <a:noFill/>
+          <a:extLst>
+            <a:ext uri="{909E8E84-426E-40DD-AFC4-6F175D3DCCD1}">
+              <a14:hiddenFill xmlns:a14="http://schemas.microsoft.com/office/drawing/2010/main">
+                <a:solidFill>
+                  <a:srgbClr val="FFFFFF"/>
+                </a:solidFill>
+              </a14:hiddenFill>
+            </a:ext>
+          </a:extLst>
+        </p:spPr>
+      </p:pic>
+    </p:spTree>
+    <p:extLst>
+      <p:ext uri="{BB962C8B-B14F-4D97-AF65-F5344CB8AC3E}">
+        <p14:creationId xmlns:p14="http://schemas.microsoft.com/office/powerpoint/2010/main" val="4132531945"/>
+      </p:ext>
+    </p:extLst>
+  </p:cSld>
+  <p:clrMapOvr>
+    <a:masterClrMapping/>
+  </p:clrMapOvr>
+</p:sld>
+</file>
+
+<file path=ppt/slides/slide87.xml><?xml version="1.0" encoding="utf-8"?>
+<p:sld xmlns:a="http://schemas.openxmlformats.org/drawingml/2006/main" xmlns:r="http://schemas.openxmlformats.org/officeDocument/2006/relationships" xmlns:p="http://schemas.openxmlformats.org/presentationml/2006/main">
+  <p:cSld>
+    <p:spTree>
+      <p:nvGrpSpPr>
+        <p:cNvPr id="1" name=""/>
+        <p:cNvGrpSpPr/>
+        <p:nvPr/>
+      </p:nvGrpSpPr>
+      <p:grpSpPr>
+        <a:xfrm>
+          <a:off x="0" y="0"/>
+          <a:ext cx="0" cy="0"/>
+          <a:chOff x="0" y="0"/>
+          <a:chExt cx="0" cy="0"/>
+        </a:xfrm>
+      </p:grpSpPr>
+      <p:sp>
+        <p:nvSpPr>
+          <p:cNvPr id="2" name="Title 1">
+            <a:extLst>
+              <a:ext uri="{FF2B5EF4-FFF2-40B4-BE49-F238E27FC236}">
+                <a16:creationId xmlns:a16="http://schemas.microsoft.com/office/drawing/2014/main" id="{BA43DF8F-26A1-7BF0-1AD8-14E613A3B60A}"/>
+              </a:ext>
+            </a:extLst>
+          </p:cNvPr>
+          <p:cNvSpPr>
+            <a:spLocks noGrp="1"/>
+          </p:cNvSpPr>
+          <p:nvPr>
+            <p:ph type="title"/>
+          </p:nvPr>
+        </p:nvSpPr>
+        <p:spPr/>
+        <p:txBody>
+          <a:bodyPr/>
+          <a:lstStyle/>
+          <a:p>
+            <a:r>
+              <a:rPr lang="nl-NL" dirty="0"/>
+              <a:t>Export your Jupyter Notebook</a:t>
+            </a:r>
+            <a:endParaRPr lang="en-NL" dirty="0"/>
+          </a:p>
+        </p:txBody>
+      </p:sp>
+      <p:sp>
+        <p:nvSpPr>
+          <p:cNvPr id="3" name="Content Placeholder 2">
+            <a:extLst>
+              <a:ext uri="{FF2B5EF4-FFF2-40B4-BE49-F238E27FC236}">
+                <a16:creationId xmlns:a16="http://schemas.microsoft.com/office/drawing/2014/main" id="{D8534FDA-3D3D-8BEC-C160-0FAB71615C1A}"/>
+              </a:ext>
+            </a:extLst>
+          </p:cNvPr>
+          <p:cNvSpPr>
+            <a:spLocks noGrp="1"/>
+          </p:cNvSpPr>
+          <p:nvPr>
+            <p:ph idx="1"/>
+          </p:nvPr>
+        </p:nvSpPr>
+        <p:spPr/>
+        <p:txBody>
+          <a:bodyPr>
+            <a:normAutofit/>
+          </a:bodyPr>
+          <a:lstStyle/>
+          <a:p>
+            <a:r>
+              <a:rPr lang="en-US" dirty="0"/>
+              <a:t>You can export a </a:t>
+            </a:r>
+            <a:r>
+              <a:rPr lang="en-US" dirty="0" err="1"/>
+              <a:t>Jupyter</a:t>
+            </a:r>
+            <a:r>
+              <a:rPr lang="en-US" dirty="0"/>
+              <a:t> Notebook as a Python file (.</a:t>
+            </a:r>
+            <a:r>
+              <a:rPr lang="en-US" dirty="0" err="1"/>
+              <a:t>py</a:t>
+            </a:r>
+            <a:r>
+              <a:rPr lang="en-US" dirty="0"/>
+              <a:t>), a PDF, or an HTML file. To export, select the Export action on the main toolbar. You'll then be presented with a dropdown of file format options.</a:t>
+            </a:r>
+          </a:p>
+          <a:p>
+            <a:endParaRPr lang="en-US" dirty="0"/>
+          </a:p>
+          <a:p>
+            <a:endParaRPr lang="en-US" dirty="0"/>
+          </a:p>
+          <a:p>
+            <a:endParaRPr lang="en-US" dirty="0"/>
+          </a:p>
+          <a:p>
+            <a:r>
+              <a:rPr lang="en-US" sz="1800" b="1" i="1" dirty="0"/>
+              <a:t>Note</a:t>
+            </a:r>
+            <a:r>
+              <a:rPr lang="en-US" sz="1800" i="1" dirty="0"/>
+              <a:t>: For PDF export, you must have </a:t>
+            </a:r>
+            <a:r>
+              <a:rPr lang="en-US" sz="1800" i="1" dirty="0" err="1"/>
+              <a:t>TeX</a:t>
+            </a:r>
+            <a:r>
+              <a:rPr lang="en-US" sz="1800" i="1" dirty="0"/>
+              <a:t> installed. If you don't, you will be notified that you need to install it when you select the PDF option. Also, be aware that if you have SVG-only output in your Notebook, they will not be displayed in the PDF. To have SVG graphics in a PDF, either ensure that your output includes a non-SVG image format or else you can first export to HTML and then save as PDF using your browser</a:t>
+            </a:r>
+            <a:r>
+              <a:rPr lang="en-US" dirty="0"/>
+              <a:t>.</a:t>
+            </a:r>
+          </a:p>
+          <a:p>
+            <a:endParaRPr lang="en-NL" dirty="0"/>
+          </a:p>
+        </p:txBody>
+      </p:sp>
+      <p:pic>
+        <p:nvPicPr>
+          <p:cNvPr id="4098" name="Picture 2" descr="Convert Jupyter Notebook to Python file">
+            <a:extLst>
+              <a:ext uri="{FF2B5EF4-FFF2-40B4-BE49-F238E27FC236}">
+                <a16:creationId xmlns:a16="http://schemas.microsoft.com/office/drawing/2014/main" id="{53DE125E-27F4-43C0-ED11-F854B94D6FD1}"/>
+              </a:ext>
+            </a:extLst>
+          </p:cNvPr>
+          <p:cNvPicPr>
+            <a:picLocks noChangeAspect="1" noChangeArrowheads="1"/>
+          </p:cNvPicPr>
+          <p:nvPr/>
+        </p:nvPicPr>
+        <p:blipFill>
+          <a:blip r:embed="rId2">
+            <a:extLst>
+              <a:ext uri="{28A0092B-C50C-407E-A947-70E740481C1C}">
+                <a14:useLocalDpi xmlns:a14="http://schemas.microsoft.com/office/drawing/2010/main" val="0"/>
+              </a:ext>
+            </a:extLst>
+          </a:blip>
+          <a:srcRect/>
+          <a:stretch>
+            <a:fillRect/>
+          </a:stretch>
+        </p:blipFill>
+        <p:spPr bwMode="auto">
+          <a:xfrm>
+            <a:off x="1024128" y="3296539"/>
+            <a:ext cx="8997696" cy="1288733"/>
+          </a:xfrm>
+          <a:prstGeom prst="rect">
+            <a:avLst/>
+          </a:prstGeom>
+          <a:noFill/>
+          <a:extLst>
+            <a:ext uri="{909E8E84-426E-40DD-AFC4-6F175D3DCCD1}">
+              <a14:hiddenFill xmlns:a14="http://schemas.microsoft.com/office/drawing/2010/main">
+                <a:solidFill>
+                  <a:srgbClr val="FFFFFF"/>
+                </a:solidFill>
+              </a14:hiddenFill>
+            </a:ext>
+          </a:extLst>
+        </p:spPr>
+      </p:pic>
+    </p:spTree>
+    <p:extLst>
+      <p:ext uri="{BB962C8B-B14F-4D97-AF65-F5344CB8AC3E}">
+        <p14:creationId xmlns:p14="http://schemas.microsoft.com/office/powerpoint/2010/main" val="2103222756"/>
+      </p:ext>
+    </p:extLst>
+  </p:cSld>
+  <p:clrMapOvr>
+    <a:masterClrMapping/>
+  </p:clrMapOvr>
+</p:sld>
+</file>
+
+<file path=ppt/slides/slide88.xml><?xml version="1.0" encoding="utf-8"?>
+<p:sld xmlns:a="http://schemas.openxmlformats.org/drawingml/2006/main" xmlns:r="http://schemas.openxmlformats.org/officeDocument/2006/relationships" xmlns:p="http://schemas.openxmlformats.org/presentationml/2006/main">
+  <p:cSld>
+    <p:spTree>
+      <p:nvGrpSpPr>
+        <p:cNvPr id="1" name=""/>
+        <p:cNvGrpSpPr/>
+        <p:nvPr/>
+      </p:nvGrpSpPr>
+      <p:grpSpPr>
+        <a:xfrm>
+          <a:off x="0" y="0"/>
+          <a:ext cx="0" cy="0"/>
+          <a:chOff x="0" y="0"/>
+          <a:chExt cx="0" cy="0"/>
+        </a:xfrm>
+      </p:grpSpPr>
+      <p:sp>
+        <p:nvSpPr>
+          <p:cNvPr id="2" name="Title 1">
+            <a:extLst>
+              <a:ext uri="{FF2B5EF4-FFF2-40B4-BE49-F238E27FC236}">
+                <a16:creationId xmlns:a16="http://schemas.microsoft.com/office/drawing/2014/main" id="{251DA132-D79D-C80B-FFDA-3FD4E48CA0D4}"/>
+              </a:ext>
+            </a:extLst>
+          </p:cNvPr>
+          <p:cNvSpPr>
+            <a:spLocks noGrp="1"/>
+          </p:cNvSpPr>
+          <p:nvPr>
+            <p:ph type="title"/>
+          </p:nvPr>
+        </p:nvSpPr>
+        <p:spPr/>
+        <p:txBody>
+          <a:bodyPr/>
+          <a:lstStyle/>
+          <a:p>
+            <a:r>
+              <a:rPr lang="en-US" dirty="0"/>
+              <a:t>markdown</a:t>
+            </a:r>
+            <a:endParaRPr lang="en-NL" dirty="0"/>
+          </a:p>
+        </p:txBody>
+      </p:sp>
+      <p:sp>
+        <p:nvSpPr>
+          <p:cNvPr id="3" name="Content Placeholder 2">
+            <a:extLst>
+              <a:ext uri="{FF2B5EF4-FFF2-40B4-BE49-F238E27FC236}">
+                <a16:creationId xmlns:a16="http://schemas.microsoft.com/office/drawing/2014/main" id="{1D947E5B-BAEE-3843-8921-1B65F1EBDEC0}"/>
+              </a:ext>
+            </a:extLst>
+          </p:cNvPr>
+          <p:cNvSpPr>
+            <a:spLocks noGrp="1"/>
+          </p:cNvSpPr>
+          <p:nvPr>
+            <p:ph idx="1"/>
+          </p:nvPr>
+        </p:nvSpPr>
+        <p:spPr/>
+        <p:txBody>
+          <a:bodyPr/>
+          <a:lstStyle/>
+          <a:p>
+            <a:endParaRPr lang="en-NL"/>
+          </a:p>
+        </p:txBody>
+      </p:sp>
+      <p:pic>
+        <p:nvPicPr>
+          <p:cNvPr id="5122" name="Picture 2" descr="Linear Regression Example Markdown">
+            <a:extLst>
+              <a:ext uri="{FF2B5EF4-FFF2-40B4-BE49-F238E27FC236}">
+                <a16:creationId xmlns:a16="http://schemas.microsoft.com/office/drawing/2014/main" id="{CE52E97F-85D9-1A47-43CF-796BDC78501A}"/>
+              </a:ext>
+            </a:extLst>
+          </p:cNvPr>
+          <p:cNvPicPr>
+            <a:picLocks noChangeAspect="1" noChangeArrowheads="1"/>
+          </p:cNvPicPr>
+          <p:nvPr/>
+        </p:nvPicPr>
+        <p:blipFill>
+          <a:blip r:embed="rId3">
+            <a:extLst>
+              <a:ext uri="{28A0092B-C50C-407E-A947-70E740481C1C}">
+                <a14:useLocalDpi xmlns:a14="http://schemas.microsoft.com/office/drawing/2010/main" val="0"/>
+              </a:ext>
+            </a:extLst>
+          </a:blip>
+          <a:srcRect/>
+          <a:stretch>
+            <a:fillRect/>
+          </a:stretch>
+        </p:blipFill>
+        <p:spPr bwMode="auto">
+          <a:xfrm>
+            <a:off x="1024128" y="1655064"/>
+            <a:ext cx="9179428" cy="5088128"/>
+          </a:xfrm>
+          <a:prstGeom prst="rect">
+            <a:avLst/>
+          </a:prstGeom>
+          <a:noFill/>
+          <a:extLst>
+            <a:ext uri="{909E8E84-426E-40DD-AFC4-6F175D3DCCD1}">
+              <a14:hiddenFill xmlns:a14="http://schemas.microsoft.com/office/drawing/2010/main">
+                <a:solidFill>
+                  <a:srgbClr val="FFFFFF"/>
+                </a:solidFill>
+              </a14:hiddenFill>
+            </a:ext>
+          </a:extLst>
+        </p:spPr>
+      </p:pic>
+    </p:spTree>
+    <p:extLst>
+      <p:ext uri="{BB962C8B-B14F-4D97-AF65-F5344CB8AC3E}">
+        <p14:creationId xmlns:p14="http://schemas.microsoft.com/office/powerpoint/2010/main" val="3974352256"/>
+      </p:ext>
+    </p:extLst>
+  </p:cSld>
+  <p:clrMapOvr>
+    <a:masterClrMapping/>
+  </p:clrMapOvr>
+</p:sld>
+</file>
+
+<file path=ppt/slides/slide89.xml><?xml version="1.0" encoding="utf-8"?>
+<p:sld xmlns:a="http://schemas.openxmlformats.org/drawingml/2006/main" xmlns:r="http://schemas.openxmlformats.org/officeDocument/2006/relationships" xmlns:p="http://schemas.openxmlformats.org/presentationml/2006/main">
+  <p:cSld>
+    <p:spTree>
+      <p:nvGrpSpPr>
+        <p:cNvPr id="1" name=""/>
+        <p:cNvGrpSpPr/>
+        <p:nvPr/>
+      </p:nvGrpSpPr>
+      <p:grpSpPr>
+        <a:xfrm>
+          <a:off x="0" y="0"/>
+          <a:ext cx="0" cy="0"/>
+          <a:chOff x="0" y="0"/>
+          <a:chExt cx="0" cy="0"/>
+        </a:xfrm>
+      </p:grpSpPr>
+      <p:sp>
+        <p:nvSpPr>
+          <p:cNvPr id="2" name="Title 1">
+            <a:extLst>
+              <a:ext uri="{FF2B5EF4-FFF2-40B4-BE49-F238E27FC236}">
+                <a16:creationId xmlns:a16="http://schemas.microsoft.com/office/drawing/2014/main" id="{7810DBF8-A37D-741F-C74E-8A1D5D25444E}"/>
+              </a:ext>
+            </a:extLst>
+          </p:cNvPr>
+          <p:cNvSpPr>
+            <a:spLocks noGrp="1"/>
+          </p:cNvSpPr>
+          <p:nvPr>
+            <p:ph type="title"/>
+          </p:nvPr>
+        </p:nvSpPr>
+        <p:spPr/>
+        <p:txBody>
+          <a:bodyPr/>
+          <a:lstStyle/>
+          <a:p>
+            <a:r>
+              <a:rPr lang="en-US" dirty="0"/>
+              <a:t>Variable Explorer and Data Viewer</a:t>
+            </a:r>
+            <a:endParaRPr lang="en-NL" dirty="0"/>
+          </a:p>
+        </p:txBody>
+      </p:sp>
+      <p:sp>
+        <p:nvSpPr>
+          <p:cNvPr id="3" name="Content Placeholder 2">
+            <a:extLst>
+              <a:ext uri="{FF2B5EF4-FFF2-40B4-BE49-F238E27FC236}">
+                <a16:creationId xmlns:a16="http://schemas.microsoft.com/office/drawing/2014/main" id="{26C37463-3D41-DAB4-93AD-D685A2E444E0}"/>
+              </a:ext>
+            </a:extLst>
+          </p:cNvPr>
+          <p:cNvSpPr>
+            <a:spLocks noGrp="1"/>
+          </p:cNvSpPr>
+          <p:nvPr>
+            <p:ph idx="1"/>
+          </p:nvPr>
+        </p:nvSpPr>
+        <p:spPr/>
+        <p:txBody>
+          <a:bodyPr/>
+          <a:lstStyle/>
+          <a:p>
+            <a:r>
+              <a:rPr lang="en-US" dirty="0"/>
+              <a:t>Within a Python Notebook, it's possible to view, inspect, sort, and filter the variables within your current </a:t>
+            </a:r>
+            <a:r>
+              <a:rPr lang="en-US" dirty="0" err="1"/>
+              <a:t>Jupyter</a:t>
+            </a:r>
+            <a:r>
+              <a:rPr lang="en-US" dirty="0"/>
+              <a:t> session. By selecting the Variables icon in the main toolbar after running code and cells, you'll see a list of the current variables, which will automatically update as variables are used in code. The variables pane will open at the bottom of the notebook.</a:t>
+            </a:r>
+            <a:endParaRPr lang="en-NL" dirty="0"/>
+          </a:p>
+        </p:txBody>
+      </p:sp>
+    </p:spTree>
+    <p:extLst>
+      <p:ext uri="{BB962C8B-B14F-4D97-AF65-F5344CB8AC3E}">
+        <p14:creationId xmlns:p14="http://schemas.microsoft.com/office/powerpoint/2010/main" val="3123020949"/>
+      </p:ext>
+    </p:extLst>
+  </p:cSld>
+  <p:clrMapOvr>
+    <a:masterClrMapping/>
+  </p:clrMapOvr>
+</p:sld>
+</file>
+
 <file path=ppt/slides/slide9.xml><?xml version="1.0" encoding="utf-8"?>
 <p:sld xmlns:a="http://schemas.openxmlformats.org/drawingml/2006/main" xmlns:r="http://schemas.openxmlformats.org/officeDocument/2006/relationships" xmlns:p="http://schemas.openxmlformats.org/presentationml/2006/main">
   <p:cSld>
@@ -35929,6 +40400,1034 @@
     <p:extLst>
       <p:ext uri="{BB962C8B-B14F-4D97-AF65-F5344CB8AC3E}">
         <p14:creationId xmlns:p14="http://schemas.microsoft.com/office/powerpoint/2010/main" val="776332023"/>
+      </p:ext>
+    </p:extLst>
+  </p:cSld>
+  <p:clrMapOvr>
+    <a:masterClrMapping/>
+  </p:clrMapOvr>
+</p:sld>
+</file>
+
+<file path=ppt/slides/slide90.xml><?xml version="1.0" encoding="utf-8"?>
+<p:sld xmlns:a="http://schemas.openxmlformats.org/drawingml/2006/main" xmlns:r="http://schemas.openxmlformats.org/officeDocument/2006/relationships" xmlns:p="http://schemas.openxmlformats.org/presentationml/2006/main">
+  <p:cSld>
+    <p:spTree>
+      <p:nvGrpSpPr>
+        <p:cNvPr id="1" name=""/>
+        <p:cNvGrpSpPr/>
+        <p:nvPr/>
+      </p:nvGrpSpPr>
+      <p:grpSpPr>
+        <a:xfrm>
+          <a:off x="0" y="0"/>
+          <a:ext cx="0" cy="0"/>
+          <a:chOff x="0" y="0"/>
+          <a:chExt cx="0" cy="0"/>
+        </a:xfrm>
+      </p:grpSpPr>
+      <p:sp>
+        <p:nvSpPr>
+          <p:cNvPr id="2" name="Title 1">
+            <a:extLst>
+              <a:ext uri="{FF2B5EF4-FFF2-40B4-BE49-F238E27FC236}">
+                <a16:creationId xmlns:a16="http://schemas.microsoft.com/office/drawing/2014/main" id="{0A463ACA-B64C-7CEF-864E-DAB04D84697E}"/>
+              </a:ext>
+            </a:extLst>
+          </p:cNvPr>
+          <p:cNvSpPr>
+            <a:spLocks noGrp="1"/>
+          </p:cNvSpPr>
+          <p:nvPr>
+            <p:ph type="title"/>
+          </p:nvPr>
+        </p:nvSpPr>
+        <p:spPr/>
+        <p:txBody>
+          <a:bodyPr/>
+          <a:lstStyle/>
+          <a:p>
+            <a:endParaRPr lang="en-NL"/>
+          </a:p>
+        </p:txBody>
+      </p:sp>
+      <p:sp>
+        <p:nvSpPr>
+          <p:cNvPr id="3" name="Content Placeholder 2">
+            <a:extLst>
+              <a:ext uri="{FF2B5EF4-FFF2-40B4-BE49-F238E27FC236}">
+                <a16:creationId xmlns:a16="http://schemas.microsoft.com/office/drawing/2014/main" id="{61532510-D953-63E2-F8DB-49927A2D7A42}"/>
+              </a:ext>
+            </a:extLst>
+          </p:cNvPr>
+          <p:cNvSpPr>
+            <a:spLocks noGrp="1"/>
+          </p:cNvSpPr>
+          <p:nvPr>
+            <p:ph idx="1"/>
+          </p:nvPr>
+        </p:nvSpPr>
+        <p:spPr/>
+        <p:txBody>
+          <a:bodyPr/>
+          <a:lstStyle/>
+          <a:p>
+            <a:endParaRPr lang="en-NL"/>
+          </a:p>
+        </p:txBody>
+      </p:sp>
+      <p:pic>
+        <p:nvPicPr>
+          <p:cNvPr id="6146" name="Picture 2" descr="Variable Explorer">
+            <a:extLst>
+              <a:ext uri="{FF2B5EF4-FFF2-40B4-BE49-F238E27FC236}">
+                <a16:creationId xmlns:a16="http://schemas.microsoft.com/office/drawing/2014/main" id="{87D86526-07C1-03CA-F9F8-1EC078F1D719}"/>
+              </a:ext>
+            </a:extLst>
+          </p:cNvPr>
+          <p:cNvPicPr>
+            <a:picLocks noChangeAspect="1" noChangeArrowheads="1"/>
+          </p:cNvPicPr>
+          <p:nvPr/>
+        </p:nvPicPr>
+        <p:blipFill>
+          <a:blip r:embed="rId2">
+            <a:extLst>
+              <a:ext uri="{28A0092B-C50C-407E-A947-70E740481C1C}">
+                <a14:useLocalDpi xmlns:a14="http://schemas.microsoft.com/office/drawing/2010/main" val="0"/>
+              </a:ext>
+            </a:extLst>
+          </a:blip>
+          <a:srcRect/>
+          <a:stretch>
+            <a:fillRect/>
+          </a:stretch>
+        </p:blipFill>
+        <p:spPr bwMode="auto">
+          <a:xfrm>
+            <a:off x="1338263" y="0"/>
+            <a:ext cx="9513887" cy="6858000"/>
+          </a:xfrm>
+          <a:prstGeom prst="rect">
+            <a:avLst/>
+          </a:prstGeom>
+          <a:noFill/>
+          <a:extLst>
+            <a:ext uri="{909E8E84-426E-40DD-AFC4-6F175D3DCCD1}">
+              <a14:hiddenFill xmlns:a14="http://schemas.microsoft.com/office/drawing/2010/main">
+                <a:solidFill>
+                  <a:srgbClr val="FFFFFF"/>
+                </a:solidFill>
+              </a14:hiddenFill>
+            </a:ext>
+          </a:extLst>
+        </p:spPr>
+      </p:pic>
+    </p:spTree>
+    <p:extLst>
+      <p:ext uri="{BB962C8B-B14F-4D97-AF65-F5344CB8AC3E}">
+        <p14:creationId xmlns:p14="http://schemas.microsoft.com/office/powerpoint/2010/main" val="561301319"/>
+      </p:ext>
+    </p:extLst>
+  </p:cSld>
+  <p:clrMapOvr>
+    <a:masterClrMapping/>
+  </p:clrMapOvr>
+</p:sld>
+</file>
+
+<file path=ppt/slides/slide91.xml><?xml version="1.0" encoding="utf-8"?>
+<p:sld xmlns:a="http://schemas.openxmlformats.org/drawingml/2006/main" xmlns:r="http://schemas.openxmlformats.org/officeDocument/2006/relationships" xmlns:p="http://schemas.openxmlformats.org/presentationml/2006/main">
+  <p:cSld>
+    <p:spTree>
+      <p:nvGrpSpPr>
+        <p:cNvPr id="1" name=""/>
+        <p:cNvGrpSpPr/>
+        <p:nvPr/>
+      </p:nvGrpSpPr>
+      <p:grpSpPr>
+        <a:xfrm>
+          <a:off x="0" y="0"/>
+          <a:ext cx="0" cy="0"/>
+          <a:chOff x="0" y="0"/>
+          <a:chExt cx="0" cy="0"/>
+        </a:xfrm>
+      </p:grpSpPr>
+      <p:sp>
+        <p:nvSpPr>
+          <p:cNvPr id="2" name="Title 1">
+            <a:extLst>
+              <a:ext uri="{FF2B5EF4-FFF2-40B4-BE49-F238E27FC236}">
+                <a16:creationId xmlns:a16="http://schemas.microsoft.com/office/drawing/2014/main" id="{F4D9F5E8-189C-8197-80D4-799EBA266607}"/>
+              </a:ext>
+            </a:extLst>
+          </p:cNvPr>
+          <p:cNvSpPr>
+            <a:spLocks noGrp="1"/>
+          </p:cNvSpPr>
+          <p:nvPr>
+            <p:ph type="title"/>
+          </p:nvPr>
+        </p:nvSpPr>
+        <p:spPr/>
+        <p:txBody>
+          <a:bodyPr/>
+          <a:lstStyle/>
+          <a:p>
+            <a:r>
+              <a:rPr lang="nl-NL" dirty="0"/>
+              <a:t>Data Viewer</a:t>
+            </a:r>
+            <a:endParaRPr lang="en-NL" dirty="0"/>
+          </a:p>
+        </p:txBody>
+      </p:sp>
+      <p:sp>
+        <p:nvSpPr>
+          <p:cNvPr id="3" name="Content Placeholder 2">
+            <a:extLst>
+              <a:ext uri="{FF2B5EF4-FFF2-40B4-BE49-F238E27FC236}">
+                <a16:creationId xmlns:a16="http://schemas.microsoft.com/office/drawing/2014/main" id="{AE4D1D97-D89F-FD75-0102-33AFE436D8D1}"/>
+              </a:ext>
+            </a:extLst>
+          </p:cNvPr>
+          <p:cNvSpPr>
+            <a:spLocks noGrp="1"/>
+          </p:cNvSpPr>
+          <p:nvPr>
+            <p:ph idx="1"/>
+          </p:nvPr>
+        </p:nvSpPr>
+        <p:spPr/>
+        <p:txBody>
+          <a:bodyPr/>
+          <a:lstStyle/>
+          <a:p>
+            <a:r>
+              <a:rPr lang="en-US" dirty="0"/>
+              <a:t>For additional information about your variables, you can also double-click a row or use the Show variable in data viewer button next to the variable for a more detailed view of a variable in the Data Viewer.</a:t>
+            </a:r>
+          </a:p>
+          <a:p>
+            <a:endParaRPr lang="en-US" dirty="0"/>
+          </a:p>
+          <a:p>
+            <a:endParaRPr lang="en-NL" dirty="0"/>
+          </a:p>
+        </p:txBody>
+      </p:sp>
+      <p:pic>
+        <p:nvPicPr>
+          <p:cNvPr id="7170" name="Picture 2" descr="Data Viewer">
+            <a:extLst>
+              <a:ext uri="{FF2B5EF4-FFF2-40B4-BE49-F238E27FC236}">
+                <a16:creationId xmlns:a16="http://schemas.microsoft.com/office/drawing/2014/main" id="{8208479B-6901-CD74-787E-0C839F39F74F}"/>
+              </a:ext>
+            </a:extLst>
+          </p:cNvPr>
+          <p:cNvPicPr>
+            <a:picLocks noChangeAspect="1" noChangeArrowheads="1"/>
+          </p:cNvPicPr>
+          <p:nvPr/>
+        </p:nvPicPr>
+        <p:blipFill>
+          <a:blip r:embed="rId2">
+            <a:extLst>
+              <a:ext uri="{28A0092B-C50C-407E-A947-70E740481C1C}">
+                <a14:useLocalDpi xmlns:a14="http://schemas.microsoft.com/office/drawing/2010/main" val="0"/>
+              </a:ext>
+            </a:extLst>
+          </a:blip>
+          <a:srcRect/>
+          <a:stretch>
+            <a:fillRect/>
+          </a:stretch>
+        </p:blipFill>
+        <p:spPr bwMode="auto">
+          <a:xfrm>
+            <a:off x="1024128" y="3433763"/>
+            <a:ext cx="6422416" cy="3021901"/>
+          </a:xfrm>
+          <a:prstGeom prst="rect">
+            <a:avLst/>
+          </a:prstGeom>
+          <a:noFill/>
+          <a:extLst>
+            <a:ext uri="{909E8E84-426E-40DD-AFC4-6F175D3DCCD1}">
+              <a14:hiddenFill xmlns:a14="http://schemas.microsoft.com/office/drawing/2010/main">
+                <a:solidFill>
+                  <a:srgbClr val="FFFFFF"/>
+                </a:solidFill>
+              </a14:hiddenFill>
+            </a:ext>
+          </a:extLst>
+        </p:spPr>
+      </p:pic>
+    </p:spTree>
+    <p:extLst>
+      <p:ext uri="{BB962C8B-B14F-4D97-AF65-F5344CB8AC3E}">
+        <p14:creationId xmlns:p14="http://schemas.microsoft.com/office/powerpoint/2010/main" val="3556726075"/>
+      </p:ext>
+    </p:extLst>
+  </p:cSld>
+  <p:clrMapOvr>
+    <a:masterClrMapping/>
+  </p:clrMapOvr>
+</p:sld>
+</file>
+
+<file path=ppt/slides/slide92.xml><?xml version="1.0" encoding="utf-8"?>
+<p:sld xmlns:a="http://schemas.openxmlformats.org/drawingml/2006/main" xmlns:r="http://schemas.openxmlformats.org/officeDocument/2006/relationships" xmlns:p="http://schemas.openxmlformats.org/presentationml/2006/main">
+  <p:cSld>
+    <p:spTree>
+      <p:nvGrpSpPr>
+        <p:cNvPr id="1" name=""/>
+        <p:cNvGrpSpPr/>
+        <p:nvPr/>
+      </p:nvGrpSpPr>
+      <p:grpSpPr>
+        <a:xfrm>
+          <a:off x="0" y="0"/>
+          <a:ext cx="0" cy="0"/>
+          <a:chOff x="0" y="0"/>
+          <a:chExt cx="0" cy="0"/>
+        </a:xfrm>
+      </p:grpSpPr>
+      <p:sp>
+        <p:nvSpPr>
+          <p:cNvPr id="2" name="Title 1">
+            <a:extLst>
+              <a:ext uri="{FF2B5EF4-FFF2-40B4-BE49-F238E27FC236}">
+                <a16:creationId xmlns:a16="http://schemas.microsoft.com/office/drawing/2014/main" id="{740E9B00-F47D-D260-E4EA-D571206B9B60}"/>
+              </a:ext>
+            </a:extLst>
+          </p:cNvPr>
+          <p:cNvSpPr>
+            <a:spLocks noGrp="1"/>
+          </p:cNvSpPr>
+          <p:nvPr>
+            <p:ph type="title"/>
+          </p:nvPr>
+        </p:nvSpPr>
+        <p:spPr/>
+        <p:txBody>
+          <a:bodyPr/>
+          <a:lstStyle/>
+          <a:p>
+            <a:endParaRPr lang="en-NL"/>
+          </a:p>
+        </p:txBody>
+      </p:sp>
+      <p:sp>
+        <p:nvSpPr>
+          <p:cNvPr id="3" name="Content Placeholder 2">
+            <a:extLst>
+              <a:ext uri="{FF2B5EF4-FFF2-40B4-BE49-F238E27FC236}">
+                <a16:creationId xmlns:a16="http://schemas.microsoft.com/office/drawing/2014/main" id="{56236B9B-6550-0797-1A4A-B108EB2C95A0}"/>
+              </a:ext>
+            </a:extLst>
+          </p:cNvPr>
+          <p:cNvSpPr>
+            <a:spLocks noGrp="1"/>
+          </p:cNvSpPr>
+          <p:nvPr>
+            <p:ph idx="1"/>
+          </p:nvPr>
+        </p:nvSpPr>
+        <p:spPr/>
+        <p:txBody>
+          <a:bodyPr/>
+          <a:lstStyle/>
+          <a:p>
+            <a:endParaRPr lang="en-NL"/>
+          </a:p>
+        </p:txBody>
+      </p:sp>
+    </p:spTree>
+    <p:extLst>
+      <p:ext uri="{BB962C8B-B14F-4D97-AF65-F5344CB8AC3E}">
+        <p14:creationId xmlns:p14="http://schemas.microsoft.com/office/powerpoint/2010/main" val="4101057578"/>
+      </p:ext>
+    </p:extLst>
+  </p:cSld>
+  <p:clrMapOvr>
+    <a:masterClrMapping/>
+  </p:clrMapOvr>
+</p:sld>
+</file>
+
+<file path=ppt/slides/slide93.xml><?xml version="1.0" encoding="utf-8"?>
+<p:sld xmlns:a="http://schemas.openxmlformats.org/drawingml/2006/main" xmlns:r="http://schemas.openxmlformats.org/officeDocument/2006/relationships" xmlns:p="http://schemas.openxmlformats.org/presentationml/2006/main">
+  <p:cSld>
+    <p:spTree>
+      <p:nvGrpSpPr>
+        <p:cNvPr id="1" name=""/>
+        <p:cNvGrpSpPr/>
+        <p:nvPr/>
+      </p:nvGrpSpPr>
+      <p:grpSpPr>
+        <a:xfrm>
+          <a:off x="0" y="0"/>
+          <a:ext cx="0" cy="0"/>
+          <a:chOff x="0" y="0"/>
+          <a:chExt cx="0" cy="0"/>
+        </a:xfrm>
+      </p:grpSpPr>
+      <p:sp>
+        <p:nvSpPr>
+          <p:cNvPr id="2" name="Title 1">
+            <a:extLst>
+              <a:ext uri="{FF2B5EF4-FFF2-40B4-BE49-F238E27FC236}">
+                <a16:creationId xmlns:a16="http://schemas.microsoft.com/office/drawing/2014/main" id="{2CCCDC65-946E-D2CD-33B2-A3A0547816C2}"/>
+              </a:ext>
+            </a:extLst>
+          </p:cNvPr>
+          <p:cNvSpPr>
+            <a:spLocks noGrp="1"/>
+          </p:cNvSpPr>
+          <p:nvPr>
+            <p:ph type="title"/>
+          </p:nvPr>
+        </p:nvSpPr>
+        <p:spPr/>
+        <p:txBody>
+          <a:bodyPr/>
+          <a:lstStyle/>
+          <a:p>
+            <a:endParaRPr lang="en-NL"/>
+          </a:p>
+        </p:txBody>
+      </p:sp>
+      <p:sp>
+        <p:nvSpPr>
+          <p:cNvPr id="3" name="Content Placeholder 2">
+            <a:extLst>
+              <a:ext uri="{FF2B5EF4-FFF2-40B4-BE49-F238E27FC236}">
+                <a16:creationId xmlns:a16="http://schemas.microsoft.com/office/drawing/2014/main" id="{C0DC9A6E-4FB1-8311-14ED-2BCF7CAB18CA}"/>
+              </a:ext>
+            </a:extLst>
+          </p:cNvPr>
+          <p:cNvSpPr>
+            <a:spLocks noGrp="1"/>
+          </p:cNvSpPr>
+          <p:nvPr>
+            <p:ph idx="1"/>
+          </p:nvPr>
+        </p:nvSpPr>
+        <p:spPr/>
+        <p:txBody>
+          <a:bodyPr/>
+          <a:lstStyle/>
+          <a:p>
+            <a:endParaRPr lang="en-NL"/>
+          </a:p>
+        </p:txBody>
+      </p:sp>
+    </p:spTree>
+    <p:extLst>
+      <p:ext uri="{BB962C8B-B14F-4D97-AF65-F5344CB8AC3E}">
+        <p14:creationId xmlns:p14="http://schemas.microsoft.com/office/powerpoint/2010/main" val="2408526663"/>
+      </p:ext>
+    </p:extLst>
+  </p:cSld>
+  <p:clrMapOvr>
+    <a:masterClrMapping/>
+  </p:clrMapOvr>
+</p:sld>
+</file>
+
+<file path=ppt/slides/slide94.xml><?xml version="1.0" encoding="utf-8"?>
+<p:sld xmlns:a="http://schemas.openxmlformats.org/drawingml/2006/main" xmlns:r="http://schemas.openxmlformats.org/officeDocument/2006/relationships" xmlns:p="http://schemas.openxmlformats.org/presentationml/2006/main">
+  <p:cSld>
+    <p:spTree>
+      <p:nvGrpSpPr>
+        <p:cNvPr id="1" name=""/>
+        <p:cNvGrpSpPr/>
+        <p:nvPr/>
+      </p:nvGrpSpPr>
+      <p:grpSpPr>
+        <a:xfrm>
+          <a:off x="0" y="0"/>
+          <a:ext cx="0" cy="0"/>
+          <a:chOff x="0" y="0"/>
+          <a:chExt cx="0" cy="0"/>
+        </a:xfrm>
+      </p:grpSpPr>
+      <p:sp>
+        <p:nvSpPr>
+          <p:cNvPr id="2" name="Title 1">
+            <a:extLst>
+              <a:ext uri="{FF2B5EF4-FFF2-40B4-BE49-F238E27FC236}">
+                <a16:creationId xmlns:a16="http://schemas.microsoft.com/office/drawing/2014/main" id="{558F3822-95E3-013B-1AD3-EA8BBA38CB7C}"/>
+              </a:ext>
+            </a:extLst>
+          </p:cNvPr>
+          <p:cNvSpPr>
+            <a:spLocks noGrp="1"/>
+          </p:cNvSpPr>
+          <p:nvPr>
+            <p:ph type="title"/>
+          </p:nvPr>
+        </p:nvSpPr>
+        <p:spPr/>
+        <p:txBody>
+          <a:bodyPr/>
+          <a:lstStyle/>
+          <a:p>
+            <a:r>
+              <a:rPr lang="en-US" dirty="0"/>
+              <a:t>Clean and validate</a:t>
+            </a:r>
+            <a:endParaRPr lang="en-NL" dirty="0"/>
+          </a:p>
+        </p:txBody>
+      </p:sp>
+      <p:sp>
+        <p:nvSpPr>
+          <p:cNvPr id="3" name="Content Placeholder 2">
+            <a:extLst>
+              <a:ext uri="{FF2B5EF4-FFF2-40B4-BE49-F238E27FC236}">
+                <a16:creationId xmlns:a16="http://schemas.microsoft.com/office/drawing/2014/main" id="{B4D54617-DDE7-BF92-FDFF-B7697B5A525B}"/>
+              </a:ext>
+            </a:extLst>
+          </p:cNvPr>
+          <p:cNvSpPr>
+            <a:spLocks noGrp="1"/>
+          </p:cNvSpPr>
+          <p:nvPr>
+            <p:ph idx="1"/>
+          </p:nvPr>
+        </p:nvSpPr>
+        <p:spPr/>
+        <p:txBody>
+          <a:bodyPr/>
+          <a:lstStyle/>
+          <a:p>
+            <a:endParaRPr lang="en-NL"/>
+          </a:p>
+        </p:txBody>
+      </p:sp>
+    </p:spTree>
+    <p:extLst>
+      <p:ext uri="{BB962C8B-B14F-4D97-AF65-F5344CB8AC3E}">
+        <p14:creationId xmlns:p14="http://schemas.microsoft.com/office/powerpoint/2010/main" val="4030462248"/>
+      </p:ext>
+    </p:extLst>
+  </p:cSld>
+  <p:clrMapOvr>
+    <a:masterClrMapping/>
+  </p:clrMapOvr>
+</p:sld>
+</file>
+
+<file path=ppt/slides/slide95.xml><?xml version="1.0" encoding="utf-8"?>
+<p:sld xmlns:a="http://schemas.openxmlformats.org/drawingml/2006/main" xmlns:r="http://schemas.openxmlformats.org/officeDocument/2006/relationships" xmlns:p="http://schemas.openxmlformats.org/presentationml/2006/main">
+  <p:cSld>
+    <p:spTree>
+      <p:nvGrpSpPr>
+        <p:cNvPr id="1" name=""/>
+        <p:cNvGrpSpPr/>
+        <p:nvPr/>
+      </p:nvGrpSpPr>
+      <p:grpSpPr>
+        <a:xfrm>
+          <a:off x="0" y="0"/>
+          <a:ext cx="0" cy="0"/>
+          <a:chOff x="0" y="0"/>
+          <a:chExt cx="0" cy="0"/>
+        </a:xfrm>
+      </p:grpSpPr>
+      <p:sp>
+        <p:nvSpPr>
+          <p:cNvPr id="2" name="Title 1">
+            <a:extLst>
+              <a:ext uri="{FF2B5EF4-FFF2-40B4-BE49-F238E27FC236}">
+                <a16:creationId xmlns:a16="http://schemas.microsoft.com/office/drawing/2014/main" id="{434178B1-7AEF-76C8-654B-129EA4CF5ECD}"/>
+              </a:ext>
+            </a:extLst>
+          </p:cNvPr>
+          <p:cNvSpPr>
+            <a:spLocks noGrp="1"/>
+          </p:cNvSpPr>
+          <p:nvPr>
+            <p:ph type="title"/>
+          </p:nvPr>
+        </p:nvSpPr>
+        <p:spPr/>
+        <p:txBody>
+          <a:bodyPr/>
+          <a:lstStyle/>
+          <a:p>
+            <a:r>
+              <a:rPr lang="nl-NL" dirty="0"/>
+              <a:t>What Is Data Cleaning?</a:t>
+            </a:r>
+            <a:endParaRPr lang="en-NL" dirty="0"/>
+          </a:p>
+        </p:txBody>
+      </p:sp>
+      <p:sp>
+        <p:nvSpPr>
+          <p:cNvPr id="3" name="Content Placeholder 2">
+            <a:extLst>
+              <a:ext uri="{FF2B5EF4-FFF2-40B4-BE49-F238E27FC236}">
+                <a16:creationId xmlns:a16="http://schemas.microsoft.com/office/drawing/2014/main" id="{37BFE5A5-BD09-2097-66F5-C81D9ACE2EF9}"/>
+              </a:ext>
+            </a:extLst>
+          </p:cNvPr>
+          <p:cNvSpPr>
+            <a:spLocks noGrp="1"/>
+          </p:cNvSpPr>
+          <p:nvPr>
+            <p:ph idx="1"/>
+          </p:nvPr>
+        </p:nvSpPr>
+        <p:spPr/>
+        <p:txBody>
+          <a:bodyPr/>
+          <a:lstStyle/>
+          <a:p>
+            <a:r>
+              <a:rPr lang="en-US" dirty="0"/>
+              <a:t>When working with multiple data sources, there are many chances for data to be incorrect, duplicated, or mislabeled. If data is wrong, outcomes and algorithms are unreliable, even though they may look correct. Data cleaning is the process of changing or eliminating garbage, incorrect, duplicate, corrupted, or incomplete data in a dataset. There’s no such absolute way to describe the precise steps in the data cleaning process because the processes may vary from dataset to dataset. Data cleansing, data cleansing, or data scrub is the general data preparation process initiative. Data cleaning plays an important part in developing reliable answers within the analytical process and is observed to be a basic feature of the info science basics. The motive of data cleaning services is to construct uniform and standardized data sets that enable easy access to data analytics tools and business intelligence and perceive accurate data for each problem.</a:t>
+            </a:r>
+            <a:endParaRPr lang="en-NL" dirty="0"/>
+          </a:p>
+        </p:txBody>
+      </p:sp>
+    </p:spTree>
+    <p:extLst>
+      <p:ext uri="{BB962C8B-B14F-4D97-AF65-F5344CB8AC3E}">
+        <p14:creationId xmlns:p14="http://schemas.microsoft.com/office/powerpoint/2010/main" val="2001354927"/>
+      </p:ext>
+    </p:extLst>
+  </p:cSld>
+  <p:clrMapOvr>
+    <a:masterClrMapping/>
+  </p:clrMapOvr>
+</p:sld>
+</file>
+
+<file path=ppt/slides/slide96.xml><?xml version="1.0" encoding="utf-8"?>
+<p:sld xmlns:a="http://schemas.openxmlformats.org/drawingml/2006/main" xmlns:r="http://schemas.openxmlformats.org/officeDocument/2006/relationships" xmlns:p="http://schemas.openxmlformats.org/presentationml/2006/main">
+  <p:cSld>
+    <p:spTree>
+      <p:nvGrpSpPr>
+        <p:cNvPr id="1" name=""/>
+        <p:cNvGrpSpPr/>
+        <p:nvPr/>
+      </p:nvGrpSpPr>
+      <p:grpSpPr>
+        <a:xfrm>
+          <a:off x="0" y="0"/>
+          <a:ext cx="0" cy="0"/>
+          <a:chOff x="0" y="0"/>
+          <a:chExt cx="0" cy="0"/>
+        </a:xfrm>
+      </p:grpSpPr>
+      <p:sp>
+        <p:nvSpPr>
+          <p:cNvPr id="2" name="Title 1">
+            <a:extLst>
+              <a:ext uri="{FF2B5EF4-FFF2-40B4-BE49-F238E27FC236}">
+                <a16:creationId xmlns:a16="http://schemas.microsoft.com/office/drawing/2014/main" id="{7B290091-4D75-67F3-A5F9-0A70541F103E}"/>
+              </a:ext>
+            </a:extLst>
+          </p:cNvPr>
+          <p:cNvSpPr>
+            <a:spLocks noGrp="1"/>
+          </p:cNvSpPr>
+          <p:nvPr>
+            <p:ph type="title"/>
+          </p:nvPr>
+        </p:nvSpPr>
+        <p:spPr/>
+        <p:txBody>
+          <a:bodyPr/>
+          <a:lstStyle/>
+          <a:p>
+            <a:r>
+              <a:rPr lang="en-US" dirty="0"/>
+              <a:t>Why Is Data Cleaning Essential?</a:t>
+            </a:r>
+            <a:endParaRPr lang="en-NL" dirty="0"/>
+          </a:p>
+        </p:txBody>
+      </p:sp>
+      <p:sp>
+        <p:nvSpPr>
+          <p:cNvPr id="3" name="Content Placeholder 2">
+            <a:extLst>
+              <a:ext uri="{FF2B5EF4-FFF2-40B4-BE49-F238E27FC236}">
+                <a16:creationId xmlns:a16="http://schemas.microsoft.com/office/drawing/2014/main" id="{78A766A1-7EFA-161B-927C-73C3F685E7EA}"/>
+              </a:ext>
+            </a:extLst>
+          </p:cNvPr>
+          <p:cNvSpPr>
+            <a:spLocks noGrp="1"/>
+          </p:cNvSpPr>
+          <p:nvPr>
+            <p:ph idx="1"/>
+          </p:nvPr>
+        </p:nvSpPr>
+        <p:spPr/>
+        <p:txBody>
+          <a:bodyPr/>
+          <a:lstStyle/>
+          <a:p>
+            <a:r>
+              <a:rPr lang="en-US" dirty="0"/>
+              <a:t>Data cleaning is the most important task that should be done by a data science professional. Having wrong or bad-quality data can be detrimental to processes and analysis. Having clean data will ultimately increase overall productivity and permit the very best quality information in your decision-making.</a:t>
+            </a:r>
+            <a:endParaRPr lang="en-NL" dirty="0"/>
+          </a:p>
+        </p:txBody>
+      </p:sp>
+      <p:pic>
+        <p:nvPicPr>
+          <p:cNvPr id="8194" name="Picture 2" descr="data cleaning">
+            <a:extLst>
+              <a:ext uri="{FF2B5EF4-FFF2-40B4-BE49-F238E27FC236}">
+                <a16:creationId xmlns:a16="http://schemas.microsoft.com/office/drawing/2014/main" id="{74E2ED37-96EE-1EDD-336A-552BCC19F4A0}"/>
+              </a:ext>
+            </a:extLst>
+          </p:cNvPr>
+          <p:cNvPicPr>
+            <a:picLocks noChangeAspect="1" noChangeArrowheads="1"/>
+          </p:cNvPicPr>
+          <p:nvPr/>
+        </p:nvPicPr>
+        <p:blipFill>
+          <a:blip r:embed="rId2">
+            <a:extLst>
+              <a:ext uri="{28A0092B-C50C-407E-A947-70E740481C1C}">
+                <a14:useLocalDpi xmlns:a14="http://schemas.microsoft.com/office/drawing/2010/main" val="0"/>
+              </a:ext>
+            </a:extLst>
+          </a:blip>
+          <a:srcRect/>
+          <a:stretch>
+            <a:fillRect/>
+          </a:stretch>
+        </p:blipFill>
+        <p:spPr bwMode="auto">
+          <a:xfrm>
+            <a:off x="3613404" y="3650742"/>
+            <a:ext cx="3528060" cy="3150054"/>
+          </a:xfrm>
+          <a:prstGeom prst="rect">
+            <a:avLst/>
+          </a:prstGeom>
+          <a:noFill/>
+          <a:extLst>
+            <a:ext uri="{909E8E84-426E-40DD-AFC4-6F175D3DCCD1}">
+              <a14:hiddenFill xmlns:a14="http://schemas.microsoft.com/office/drawing/2010/main">
+                <a:solidFill>
+                  <a:srgbClr val="FFFFFF"/>
+                </a:solidFill>
+              </a14:hiddenFill>
+            </a:ext>
+          </a:extLst>
+        </p:spPr>
+      </p:pic>
+    </p:spTree>
+    <p:extLst>
+      <p:ext uri="{BB962C8B-B14F-4D97-AF65-F5344CB8AC3E}">
+        <p14:creationId xmlns:p14="http://schemas.microsoft.com/office/powerpoint/2010/main" val="713357235"/>
+      </p:ext>
+    </p:extLst>
+  </p:cSld>
+  <p:clrMapOvr>
+    <a:masterClrMapping/>
+  </p:clrMapOvr>
+</p:sld>
+</file>
+
+<file path=ppt/slides/slide97.xml><?xml version="1.0" encoding="utf-8"?>
+<p:sld xmlns:a="http://schemas.openxmlformats.org/drawingml/2006/main" xmlns:r="http://schemas.openxmlformats.org/officeDocument/2006/relationships" xmlns:p="http://schemas.openxmlformats.org/presentationml/2006/main">
+  <p:cSld>
+    <p:spTree>
+      <p:nvGrpSpPr>
+        <p:cNvPr id="1" name=""/>
+        <p:cNvGrpSpPr/>
+        <p:nvPr/>
+      </p:nvGrpSpPr>
+      <p:grpSpPr>
+        <a:xfrm>
+          <a:off x="0" y="0"/>
+          <a:ext cx="0" cy="0"/>
+          <a:chOff x="0" y="0"/>
+          <a:chExt cx="0" cy="0"/>
+        </a:xfrm>
+      </p:grpSpPr>
+      <p:sp>
+        <p:nvSpPr>
+          <p:cNvPr id="2" name="Title 1">
+            <a:extLst>
+              <a:ext uri="{FF2B5EF4-FFF2-40B4-BE49-F238E27FC236}">
+                <a16:creationId xmlns:a16="http://schemas.microsoft.com/office/drawing/2014/main" id="{B0C69225-1138-D95D-11EF-0B8B9927AEEC}"/>
+              </a:ext>
+            </a:extLst>
+          </p:cNvPr>
+          <p:cNvSpPr>
+            <a:spLocks noGrp="1"/>
+          </p:cNvSpPr>
+          <p:nvPr>
+            <p:ph type="title"/>
+          </p:nvPr>
+        </p:nvSpPr>
+        <p:spPr/>
+        <p:txBody>
+          <a:bodyPr/>
+          <a:lstStyle/>
+          <a:p>
+            <a:r>
+              <a:rPr lang="nl-NL" dirty="0"/>
+              <a:t>Error-Free Data</a:t>
+            </a:r>
+            <a:endParaRPr lang="en-NL" dirty="0"/>
+          </a:p>
+        </p:txBody>
+      </p:sp>
+      <p:sp>
+        <p:nvSpPr>
+          <p:cNvPr id="3" name="Content Placeholder 2">
+            <a:extLst>
+              <a:ext uri="{FF2B5EF4-FFF2-40B4-BE49-F238E27FC236}">
+                <a16:creationId xmlns:a16="http://schemas.microsoft.com/office/drawing/2014/main" id="{AC0B180C-D121-E88F-63BD-1ECD47E6FE28}"/>
+              </a:ext>
+            </a:extLst>
+          </p:cNvPr>
+          <p:cNvSpPr>
+            <a:spLocks noGrp="1"/>
+          </p:cNvSpPr>
+          <p:nvPr>
+            <p:ph idx="1"/>
+          </p:nvPr>
+        </p:nvSpPr>
+        <p:spPr/>
+        <p:txBody>
+          <a:bodyPr/>
+          <a:lstStyle/>
+          <a:p>
+            <a:r>
+              <a:rPr lang="en-US" dirty="0"/>
+              <a:t>When multiple sources of data are combined, there may be a chance of so much error. Through Data Cleaning, errors can be removed from data. </a:t>
+            </a:r>
+          </a:p>
+          <a:p>
+            <a:r>
+              <a:rPr lang="en-US" dirty="0"/>
+              <a:t>Having clean data which is free from wrong and garbage values can help in performing analysis faster as well as efficiently. By doing this task our considerable amount of time is saved. </a:t>
+            </a:r>
+          </a:p>
+          <a:p>
+            <a:r>
+              <a:rPr lang="en-US" dirty="0"/>
+              <a:t>The results won’t be accurate if we use data containing garbage values. When we don’t use accurate data, we will surely make mistakes. Monitoring errors and good reporting helps to find where errors are coming from and also makes it easier to fix incorrect or corrupt data for future applications.</a:t>
+            </a:r>
+            <a:endParaRPr lang="en-NL" dirty="0"/>
+          </a:p>
+        </p:txBody>
+      </p:sp>
+    </p:spTree>
+    <p:extLst>
+      <p:ext uri="{BB962C8B-B14F-4D97-AF65-F5344CB8AC3E}">
+        <p14:creationId xmlns:p14="http://schemas.microsoft.com/office/powerpoint/2010/main" val="2313262584"/>
+      </p:ext>
+    </p:extLst>
+  </p:cSld>
+  <p:clrMapOvr>
+    <a:masterClrMapping/>
+  </p:clrMapOvr>
+</p:sld>
+</file>
+
+<file path=ppt/slides/slide98.xml><?xml version="1.0" encoding="utf-8"?>
+<p:sld xmlns:a="http://schemas.openxmlformats.org/drawingml/2006/main" xmlns:r="http://schemas.openxmlformats.org/officeDocument/2006/relationships" xmlns:p="http://schemas.openxmlformats.org/presentationml/2006/main">
+  <p:cSld>
+    <p:spTree>
+      <p:nvGrpSpPr>
+        <p:cNvPr id="1" name=""/>
+        <p:cNvGrpSpPr/>
+        <p:nvPr/>
+      </p:nvGrpSpPr>
+      <p:grpSpPr>
+        <a:xfrm>
+          <a:off x="0" y="0"/>
+          <a:ext cx="0" cy="0"/>
+          <a:chOff x="0" y="0"/>
+          <a:chExt cx="0" cy="0"/>
+        </a:xfrm>
+      </p:grpSpPr>
+      <p:sp>
+        <p:nvSpPr>
+          <p:cNvPr id="2" name="Title 1">
+            <a:extLst>
+              <a:ext uri="{FF2B5EF4-FFF2-40B4-BE49-F238E27FC236}">
+                <a16:creationId xmlns:a16="http://schemas.microsoft.com/office/drawing/2014/main" id="{F079C094-E1DF-32D9-FFB0-AE62AD7A7DFD}"/>
+              </a:ext>
+            </a:extLst>
+          </p:cNvPr>
+          <p:cNvSpPr>
+            <a:spLocks noGrp="1"/>
+          </p:cNvSpPr>
+          <p:nvPr>
+            <p:ph type="title"/>
+          </p:nvPr>
+        </p:nvSpPr>
+        <p:spPr/>
+        <p:txBody>
+          <a:bodyPr/>
+          <a:lstStyle/>
+          <a:p>
+            <a:r>
+              <a:rPr lang="nl-NL" dirty="0"/>
+              <a:t>Data Quality</a:t>
+            </a:r>
+            <a:endParaRPr lang="en-NL" dirty="0"/>
+          </a:p>
+        </p:txBody>
+      </p:sp>
+      <p:sp>
+        <p:nvSpPr>
+          <p:cNvPr id="3" name="Content Placeholder 2">
+            <a:extLst>
+              <a:ext uri="{FF2B5EF4-FFF2-40B4-BE49-F238E27FC236}">
+                <a16:creationId xmlns:a16="http://schemas.microsoft.com/office/drawing/2014/main" id="{B635BC71-560A-293D-F33E-B1B01A09D7EC}"/>
+              </a:ext>
+            </a:extLst>
+          </p:cNvPr>
+          <p:cNvSpPr>
+            <a:spLocks noGrp="1"/>
+          </p:cNvSpPr>
+          <p:nvPr>
+            <p:ph idx="1"/>
+          </p:nvPr>
+        </p:nvSpPr>
+        <p:spPr/>
+        <p:txBody>
+          <a:bodyPr/>
+          <a:lstStyle/>
+          <a:p>
+            <a:r>
+              <a:rPr lang="en-US" dirty="0"/>
+              <a:t>The quality of the data is the degree to which it follows the rules of particular requirements. </a:t>
+            </a:r>
+          </a:p>
+          <a:p>
+            <a:r>
+              <a:rPr lang="en-US" dirty="0"/>
+              <a:t>For example, if we have imported phone numbers data of different customers, and in some places, we have added email addresses of customers in the data. But because our needs were straightforward for phone numbers, then the email addresses would be invalid data. Here some pieces of data follow a specific format. Some types of numbers have to be in a specific range. Some data cells might require selected quiet data like numeric, Boolean, etc. In every scenario, there are some mandatory constraints our data should follow. Certain conditions affect multiple fields of data in a particular form. Particular types of data have unique restrictions. It will always be invalid if the data isn’t in the required format. Data cleaning will help us simplify this process and avoid useless data values.</a:t>
+            </a:r>
+            <a:endParaRPr lang="en-NL" dirty="0"/>
+          </a:p>
+        </p:txBody>
+      </p:sp>
+    </p:spTree>
+    <p:extLst>
+      <p:ext uri="{BB962C8B-B14F-4D97-AF65-F5344CB8AC3E}">
+        <p14:creationId xmlns:p14="http://schemas.microsoft.com/office/powerpoint/2010/main" val="458195153"/>
+      </p:ext>
+    </p:extLst>
+  </p:cSld>
+  <p:clrMapOvr>
+    <a:masterClrMapping/>
+  </p:clrMapOvr>
+</p:sld>
+</file>
+
+<file path=ppt/slides/slide99.xml><?xml version="1.0" encoding="utf-8"?>
+<p:sld xmlns:a="http://schemas.openxmlformats.org/drawingml/2006/main" xmlns:r="http://schemas.openxmlformats.org/officeDocument/2006/relationships" xmlns:p="http://schemas.openxmlformats.org/presentationml/2006/main">
+  <p:cSld>
+    <p:spTree>
+      <p:nvGrpSpPr>
+        <p:cNvPr id="1" name=""/>
+        <p:cNvGrpSpPr/>
+        <p:nvPr/>
+      </p:nvGrpSpPr>
+      <p:grpSpPr>
+        <a:xfrm>
+          <a:off x="0" y="0"/>
+          <a:ext cx="0" cy="0"/>
+          <a:chOff x="0" y="0"/>
+          <a:chExt cx="0" cy="0"/>
+        </a:xfrm>
+      </p:grpSpPr>
+      <p:sp>
+        <p:nvSpPr>
+          <p:cNvPr id="2" name="Title 1">
+            <a:extLst>
+              <a:ext uri="{FF2B5EF4-FFF2-40B4-BE49-F238E27FC236}">
+                <a16:creationId xmlns:a16="http://schemas.microsoft.com/office/drawing/2014/main" id="{9562FD4C-F143-C813-99E7-3877D4587964}"/>
+              </a:ext>
+            </a:extLst>
+          </p:cNvPr>
+          <p:cNvSpPr>
+            <a:spLocks noGrp="1"/>
+          </p:cNvSpPr>
+          <p:nvPr>
+            <p:ph type="title"/>
+          </p:nvPr>
+        </p:nvSpPr>
+        <p:spPr/>
+        <p:txBody>
+          <a:bodyPr/>
+          <a:lstStyle/>
+          <a:p>
+            <a:r>
+              <a:rPr lang="nl-NL" dirty="0"/>
+              <a:t>Accurate and Efficient</a:t>
+            </a:r>
+            <a:endParaRPr lang="en-NL" dirty="0"/>
+          </a:p>
+        </p:txBody>
+      </p:sp>
+      <p:sp>
+        <p:nvSpPr>
+          <p:cNvPr id="3" name="Content Placeholder 2">
+            <a:extLst>
+              <a:ext uri="{FF2B5EF4-FFF2-40B4-BE49-F238E27FC236}">
+                <a16:creationId xmlns:a16="http://schemas.microsoft.com/office/drawing/2014/main" id="{02CD572C-42EC-077E-6C4F-7000DB149201}"/>
+              </a:ext>
+            </a:extLst>
+          </p:cNvPr>
+          <p:cNvSpPr>
+            <a:spLocks noGrp="1"/>
+          </p:cNvSpPr>
+          <p:nvPr>
+            <p:ph idx="1"/>
+          </p:nvPr>
+        </p:nvSpPr>
+        <p:spPr/>
+        <p:txBody>
+          <a:bodyPr/>
+          <a:lstStyle/>
+          <a:p>
+            <a:r>
+              <a:rPr lang="en-US" dirty="0"/>
+              <a:t>Ensuring the data is close to the correct values. We know that most of the data in a dataset are valid, and we should focus on establishing its accuracy. Even if the data is authentic and correct, it doesn’t mean it is accurate. </a:t>
+            </a:r>
+          </a:p>
+          <a:p>
+            <a:r>
+              <a:rPr lang="en-US" dirty="0"/>
+              <a:t>Determining accuracy helps to figure out whether the data entered is accurate or not. For example, a customer’s address is stored in the specified format; maybe it doesn’t need to be in the right one. The email has an additional character or value that makes it incorrect or invalid. </a:t>
+            </a:r>
+          </a:p>
+          <a:p>
+            <a:r>
+              <a:rPr lang="en-US" dirty="0"/>
+              <a:t>Another example is the phone number of a customer. This means that we have to rely on data sources to cross-check the data to figure out if it’s accurate or not. Depending on the kind of data we are using, we might be able to find various resources that could help us in this regard for cleaning.</a:t>
+            </a:r>
+            <a:endParaRPr lang="en-NL" dirty="0"/>
+          </a:p>
+        </p:txBody>
+      </p:sp>
+    </p:spTree>
+    <p:extLst>
+      <p:ext uri="{BB962C8B-B14F-4D97-AF65-F5344CB8AC3E}">
+        <p14:creationId xmlns:p14="http://schemas.microsoft.com/office/powerpoint/2010/main" val="1186345895"/>
       </p:ext>
     </p:extLst>
   </p:cSld>
